--- a/goodsleep.pptx
+++ b/goodsleep.pptx
@@ -6,7 +6,7 @@
     <p:sldMasterId id="2147483674" r:id="rId2"/>
   </p:sldMasterIdLst>
   <p:handoutMasterIdLst>
-    <p:handoutMasterId r:id="rId12"/>
+    <p:handoutMasterId r:id="rId16"/>
   </p:handoutMasterIdLst>
   <p:sldIdLst>
     <p:sldId id="259" r:id="rId3"/>
@@ -16,45 +16,49 @@
     <p:sldId id="391" r:id="rId7"/>
     <p:sldId id="397" r:id="rId8"/>
     <p:sldId id="398" r:id="rId9"/>
-    <p:sldId id="311" r:id="rId10"/>
-    <p:sldId id="265" r:id="rId11"/>
+    <p:sldId id="400" r:id="rId10"/>
+    <p:sldId id="403" r:id="rId11"/>
+    <p:sldId id="404" r:id="rId12"/>
+    <p:sldId id="401" r:id="rId13"/>
+    <p:sldId id="311" r:id="rId14"/>
+    <p:sldId id="265" r:id="rId15"/>
   </p:sldIdLst>
   <p:sldSz cx="9144000" cy="6858000" type="screen4x3"/>
   <p:notesSz cx="6858000" cy="9144000"/>
   <p:embeddedFontLst>
     <p:embeddedFont>
-      <p:font typeface="나눔스퀘어라운드 Bold" panose="020B0600000101010101" pitchFamily="50" charset="-127"/>
-      <p:bold r:id="rId13"/>
+      <p:font typeface="나눔고딕" panose="020B0600000101010101" charset="-127"/>
+      <p:regular r:id="rId17"/>
+      <p:bold r:id="rId18"/>
     </p:embeddedFont>
     <p:embeddedFont>
-      <p:font typeface="나눔고딕" panose="020B0600000101010101" charset="-127"/>
-      <p:regular r:id="rId14"/>
-      <p:bold r:id="rId15"/>
+      <p:font typeface="나눔스퀘어라운드 Bold" panose="020B0600000101010101" pitchFamily="50" charset="-127"/>
+      <p:bold r:id="rId19"/>
     </p:embeddedFont>
     <p:embeddedFont>
       <p:font typeface="맑은 고딕" panose="020B0503020000020004" pitchFamily="50" charset="-127"/>
-      <p:regular r:id="rId16"/>
-      <p:bold r:id="rId17"/>
+      <p:regular r:id="rId20"/>
+      <p:bold r:id="rId21"/>
+    </p:embeddedFont>
+    <p:embeddedFont>
+      <p:font typeface="Calibri Light" panose="020F0302020204030204" pitchFamily="34" charset="0"/>
+      <p:regular r:id="rId22"/>
+      <p:italic r:id="rId23"/>
+    </p:embeddedFont>
+    <p:embeddedFont>
+      <p:font typeface="나눔고딕 ExtraBold" panose="020B0600000101010101" charset="-127"/>
+      <p:bold r:id="rId24"/>
+    </p:embeddedFont>
+    <p:embeddedFont>
+      <p:font typeface="Calibri" panose="020F0502020204030204" pitchFamily="34" charset="0"/>
+      <p:regular r:id="rId25"/>
+      <p:bold r:id="rId26"/>
+      <p:italic r:id="rId27"/>
+      <p:boldItalic r:id="rId28"/>
     </p:embeddedFont>
     <p:embeddedFont>
       <p:font typeface="나눔스퀘어 Bold" panose="020B0600000101010101" pitchFamily="50" charset="-127"/>
-      <p:bold r:id="rId18"/>
-    </p:embeddedFont>
-    <p:embeddedFont>
-      <p:font typeface="Calibri Light" panose="020F0302020204030204" pitchFamily="34" charset="0"/>
-      <p:regular r:id="rId19"/>
-      <p:italic r:id="rId20"/>
-    </p:embeddedFont>
-    <p:embeddedFont>
-      <p:font typeface="Calibri" panose="020F0502020204030204" pitchFamily="34" charset="0"/>
-      <p:regular r:id="rId21"/>
-      <p:bold r:id="rId22"/>
-      <p:italic r:id="rId23"/>
-      <p:boldItalic r:id="rId24"/>
-    </p:embeddedFont>
-    <p:embeddedFont>
-      <p:font typeface="나눔고딕 ExtraBold" panose="020B0600000101010101" charset="-127"/>
-      <p:bold r:id="rId25"/>
+      <p:bold r:id="rId29"/>
     </p:embeddedFont>
   </p:embeddedFontLst>
   <p:defaultTextStyle>
@@ -256,7 +260,7 @@
           <a:p>
             <a:fld id="{A6EE593A-6B44-487E-B64A-BF4872A4BE59}" type="datetimeFigureOut">
               <a:rPr lang="ko-KR" altLang="en-US" smtClean="0"/>
-              <a:t>2020-04-13</a:t>
+              <a:t>2020-04-29</a:t>
             </a:fld>
             <a:endParaRPr lang="ko-KR" altLang="en-US"/>
           </a:p>
@@ -470,7 +474,7 @@
           <a:p>
             <a:fld id="{C764DE79-268F-4C1A-8933-263129D2AF90}" type="datetimeFigureOut">
               <a:rPr lang="en-US" dirty="0"/>
-              <a:t>4/13/2020</a:t>
+              <a:t>4/29/2020</a:t>
             </a:fld>
             <a:endParaRPr lang="en-US" dirty="0"/>
           </a:p>
@@ -640,7 +644,7 @@
           <a:p>
             <a:fld id="{3B9AFE30-CE99-44E2-887B-671B604A8DB1}" type="datetimeFigureOut">
               <a:rPr lang="ko-KR" altLang="en-US" smtClean="0"/>
-              <a:t>2020-04-13</a:t>
+              <a:t>2020-04-29</a:t>
             </a:fld>
             <a:endParaRPr lang="ko-KR" altLang="en-US"/>
           </a:p>
@@ -820,7 +824,7 @@
           <a:p>
             <a:fld id="{3B9AFE30-CE99-44E2-887B-671B604A8DB1}" type="datetimeFigureOut">
               <a:rPr lang="ko-KR" altLang="en-US" smtClean="0"/>
-              <a:t>2020-04-13</a:t>
+              <a:t>2020-04-29</a:t>
             </a:fld>
             <a:endParaRPr lang="ko-KR" altLang="en-US"/>
           </a:p>
@@ -2168,7 +2172,7 @@
           <a:p>
             <a:fld id="{C764DE79-268F-4C1A-8933-263129D2AF90}" type="datetimeFigureOut">
               <a:rPr lang="en-US" dirty="0"/>
-              <a:t>4/13/2020</a:t>
+              <a:t>4/29/2020</a:t>
             </a:fld>
             <a:endParaRPr lang="en-US" dirty="0"/>
           </a:p>
@@ -2338,7 +2342,7 @@
           <a:p>
             <a:fld id="{C764DE79-268F-4C1A-8933-263129D2AF90}" type="datetimeFigureOut">
               <a:rPr lang="en-US" dirty="0"/>
-              <a:t>4/13/2020</a:t>
+              <a:t>4/29/2020</a:t>
             </a:fld>
             <a:endParaRPr lang="en-US" dirty="0"/>
           </a:p>
@@ -2582,7 +2586,7 @@
           <a:p>
             <a:fld id="{C764DE79-268F-4C1A-8933-263129D2AF90}" type="datetimeFigureOut">
               <a:rPr lang="en-US" dirty="0"/>
-              <a:t>4/13/2020</a:t>
+              <a:t>4/29/2020</a:t>
             </a:fld>
             <a:endParaRPr lang="en-US" dirty="0"/>
           </a:p>
@@ -2752,7 +2756,7 @@
           <a:p>
             <a:fld id="{C764DE79-268F-4C1A-8933-263129D2AF90}" type="datetimeFigureOut">
               <a:rPr lang="en-US" dirty="0"/>
-              <a:t>4/13/2020</a:t>
+              <a:t>4/29/2020</a:t>
             </a:fld>
             <a:endParaRPr lang="en-US" dirty="0"/>
           </a:p>
@@ -2984,7 +2988,7 @@
           <a:p>
             <a:fld id="{C764DE79-268F-4C1A-8933-263129D2AF90}" type="datetimeFigureOut">
               <a:rPr lang="en-US" dirty="0"/>
-              <a:t>4/13/2020</a:t>
+              <a:t>4/29/2020</a:t>
             </a:fld>
             <a:endParaRPr lang="en-US" dirty="0"/>
           </a:p>
@@ -3351,7 +3355,7 @@
           <a:p>
             <a:fld id="{C764DE79-268F-4C1A-8933-263129D2AF90}" type="datetimeFigureOut">
               <a:rPr lang="en-US" dirty="0"/>
-              <a:t>4/13/2020</a:t>
+              <a:t>4/29/2020</a:t>
             </a:fld>
             <a:endParaRPr lang="en-US" dirty="0"/>
           </a:p>
@@ -3469,7 +3473,7 @@
           <a:p>
             <a:fld id="{3B9AFE30-CE99-44E2-887B-671B604A8DB1}" type="datetimeFigureOut">
               <a:rPr lang="ko-KR" altLang="en-US" smtClean="0"/>
-              <a:t>2020-04-13</a:t>
+              <a:t>2020-04-29</a:t>
             </a:fld>
             <a:endParaRPr lang="ko-KR" altLang="en-US"/>
           </a:p>
@@ -3564,7 +3568,7 @@
           <a:p>
             <a:fld id="{3B9AFE30-CE99-44E2-887B-671B604A8DB1}" type="datetimeFigureOut">
               <a:rPr lang="ko-KR" altLang="en-US" smtClean="0"/>
-              <a:t>2020-04-13</a:t>
+              <a:t>2020-04-29</a:t>
             </a:fld>
             <a:endParaRPr lang="ko-KR" altLang="en-US"/>
           </a:p>
@@ -3841,7 +3845,7 @@
           <a:p>
             <a:fld id="{3B9AFE30-CE99-44E2-887B-671B604A8DB1}" type="datetimeFigureOut">
               <a:rPr lang="ko-KR" altLang="en-US" smtClean="0"/>
-              <a:t>2020-04-13</a:t>
+              <a:t>2020-04-29</a:t>
             </a:fld>
             <a:endParaRPr lang="ko-KR" altLang="en-US"/>
           </a:p>
@@ -4098,7 +4102,7 @@
           <a:p>
             <a:fld id="{3B9AFE30-CE99-44E2-887B-671B604A8DB1}" type="datetimeFigureOut">
               <a:rPr lang="ko-KR" altLang="en-US" smtClean="0"/>
-              <a:t>2020-04-13</a:t>
+              <a:t>2020-04-29</a:t>
             </a:fld>
             <a:endParaRPr lang="ko-KR" altLang="en-US"/>
           </a:p>
@@ -4268,7 +4272,7 @@
           <a:p>
             <a:fld id="{3B9AFE30-CE99-44E2-887B-671B604A8DB1}" type="datetimeFigureOut">
               <a:rPr lang="ko-KR" altLang="en-US" smtClean="0"/>
-              <a:t>2020-04-13</a:t>
+              <a:t>2020-04-29</a:t>
             </a:fld>
             <a:endParaRPr lang="ko-KR" altLang="en-US"/>
           </a:p>
@@ -4448,7 +4452,7 @@
           <a:p>
             <a:fld id="{3B9AFE30-CE99-44E2-887B-671B604A8DB1}" type="datetimeFigureOut">
               <a:rPr lang="ko-KR" altLang="en-US" smtClean="0"/>
-              <a:t>2020-04-13</a:t>
+              <a:t>2020-04-29</a:t>
             </a:fld>
             <a:endParaRPr lang="ko-KR" altLang="en-US"/>
           </a:p>
@@ -4752,7 +4756,7 @@
           <a:p>
             <a:fld id="{C764DE79-268F-4C1A-8933-263129D2AF90}" type="datetimeFigureOut">
               <a:rPr lang="en-US" dirty="0"/>
-              <a:t>4/13/2020</a:t>
+              <a:t>4/29/2020</a:t>
             </a:fld>
             <a:endParaRPr lang="en-US" dirty="0"/>
           </a:p>
@@ -6080,7 +6084,7 @@
           <a:p>
             <a:fld id="{C764DE79-268F-4C1A-8933-263129D2AF90}" type="datetimeFigureOut">
               <a:rPr lang="en-US" dirty="0"/>
-              <a:t>4/13/2020</a:t>
+              <a:t>4/29/2020</a:t>
             </a:fld>
             <a:endParaRPr lang="en-US" dirty="0"/>
           </a:p>
@@ -6447,7 +6451,7 @@
           <a:p>
             <a:fld id="{C764DE79-268F-4C1A-8933-263129D2AF90}" type="datetimeFigureOut">
               <a:rPr lang="en-US" dirty="0"/>
-              <a:t>4/13/2020</a:t>
+              <a:t>4/29/2020</a:t>
             </a:fld>
             <a:endParaRPr lang="en-US" dirty="0"/>
           </a:p>
@@ -6565,7 +6569,7 @@
           <a:p>
             <a:fld id="{3B9AFE30-CE99-44E2-887B-671B604A8DB1}" type="datetimeFigureOut">
               <a:rPr lang="ko-KR" altLang="en-US" smtClean="0"/>
-              <a:t>2020-04-13</a:t>
+              <a:t>2020-04-29</a:t>
             </a:fld>
             <a:endParaRPr lang="ko-KR" altLang="en-US"/>
           </a:p>
@@ -6660,7 +6664,7 @@
           <a:p>
             <a:fld id="{3B9AFE30-CE99-44E2-887B-671B604A8DB1}" type="datetimeFigureOut">
               <a:rPr lang="ko-KR" altLang="en-US" smtClean="0"/>
-              <a:t>2020-04-13</a:t>
+              <a:t>2020-04-29</a:t>
             </a:fld>
             <a:endParaRPr lang="ko-KR" altLang="en-US"/>
           </a:p>
@@ -6937,7 +6941,7 @@
           <a:p>
             <a:fld id="{3B9AFE30-CE99-44E2-887B-671B604A8DB1}" type="datetimeFigureOut">
               <a:rPr lang="ko-KR" altLang="en-US" smtClean="0"/>
-              <a:t>2020-04-13</a:t>
+              <a:t>2020-04-29</a:t>
             </a:fld>
             <a:endParaRPr lang="ko-KR" altLang="en-US"/>
           </a:p>
@@ -7194,7 +7198,7 @@
           <a:p>
             <a:fld id="{3B9AFE30-CE99-44E2-887B-671B604A8DB1}" type="datetimeFigureOut">
               <a:rPr lang="ko-KR" altLang="en-US" smtClean="0"/>
-              <a:t>2020-04-13</a:t>
+              <a:t>2020-04-29</a:t>
             </a:fld>
             <a:endParaRPr lang="ko-KR" altLang="en-US"/>
           </a:p>
@@ -7407,7 +7411,7 @@
           <a:p>
             <a:fld id="{C764DE79-268F-4C1A-8933-263129D2AF90}" type="datetimeFigureOut">
               <a:rPr lang="en-US" dirty="0"/>
-              <a:t>4/13/2020</a:t>
+              <a:t>4/29/2020</a:t>
             </a:fld>
             <a:endParaRPr lang="en-US" dirty="0"/>
           </a:p>
@@ -8062,7 +8066,7 @@
             <a:fld id="{C764DE79-268F-4C1A-8933-263129D2AF90}" type="datetimeFigureOut">
               <a:rPr lang="en-US" altLang="en-US"/>
               <a:pPr/>
-              <a:t>4/13/2020</a:t>
+              <a:t>4/29/2020</a:t>
             </a:fld>
             <a:endParaRPr lang="en-US" altLang="en-US"/>
           </a:p>
@@ -9420,6 +9424,2590 @@
 </p:sld>
 </file>
 
+<file path=ppt/slides/slide10.xml><?xml version="1.0" encoding="utf-8"?>
+<p:sld xmlns:a="http://schemas.openxmlformats.org/drawingml/2006/main" xmlns:r="http://schemas.openxmlformats.org/officeDocument/2006/relationships" xmlns:p="http://schemas.openxmlformats.org/presentationml/2006/main">
+  <p:cSld>
+    <p:spTree>
+      <p:nvGrpSpPr>
+        <p:cNvPr id="1" name=""/>
+        <p:cNvGrpSpPr/>
+        <p:nvPr/>
+      </p:nvGrpSpPr>
+      <p:grpSpPr>
+        <a:xfrm>
+          <a:off x="0" y="0"/>
+          <a:ext cx="0" cy="0"/>
+          <a:chOff x="0" y="0"/>
+          <a:chExt cx="0" cy="0"/>
+        </a:xfrm>
+      </p:grpSpPr>
+      <p:sp>
+        <p:nvSpPr>
+          <p:cNvPr id="54" name="TextBox 53"/>
+          <p:cNvSpPr txBox="1"/>
+          <p:nvPr/>
+        </p:nvSpPr>
+        <p:spPr>
+          <a:xfrm>
+            <a:off x="1904115" y="472345"/>
+            <a:ext cx="1672253" cy="400110"/>
+          </a:xfrm>
+          <a:prstGeom prst="rect">
+            <a:avLst/>
+          </a:prstGeom>
+          <a:noFill/>
+        </p:spPr>
+        <p:txBody>
+          <a:bodyPr wrap="none">
+            <a:spAutoFit/>
+          </a:bodyPr>
+          <a:lstStyle/>
+          <a:p>
+            <a:r>
+              <a:rPr lang="en-US" altLang="ko-KR" sz="2000" dirty="0" smtClean="0">
+                <a:solidFill>
+                  <a:prstClr val="black"/>
+                </a:solidFill>
+                <a:latin typeface="나눔스퀘어 Bold" panose="020B0600000101010101" pitchFamily="50" charset="-127"/>
+                <a:ea typeface="나눔스퀘어 Bold" panose="020B0600000101010101" pitchFamily="50" charset="-127"/>
+              </a:rPr>
+              <a:t>04. </a:t>
+            </a:r>
+            <a:r>
+              <a:rPr lang="en-US" altLang="ko-KR" sz="2000" b="1" dirty="0" err="1"/>
+              <a:t>Json</a:t>
+            </a:r>
+            <a:r>
+              <a:rPr lang="en-US" altLang="ko-KR" sz="2000" b="1" dirty="0"/>
+              <a:t> </a:t>
+            </a:r>
+            <a:r>
+              <a:rPr lang="ko-KR" altLang="en-US" sz="2000" b="1" dirty="0"/>
+              <a:t>형식</a:t>
+            </a:r>
+            <a:endParaRPr lang="ko-KR" altLang="en-US" sz="2000" b="1" dirty="0"/>
+          </a:p>
+        </p:txBody>
+      </p:sp>
+      <p:pic>
+        <p:nvPicPr>
+          <p:cNvPr id="37" name="그림 36">
+            <a:extLst>
+              <a:ext uri="{FF2B5EF4-FFF2-40B4-BE49-F238E27FC236}">
+                <a16:creationId xmlns:a16="http://schemas.microsoft.com/office/drawing/2014/main" xmlns="" id="{70E05654-BCBC-4524-9A92-264C1DA7A617}"/>
+              </a:ext>
+            </a:extLst>
+          </p:cNvPr>
+          <p:cNvPicPr>
+            <a:picLocks noChangeAspect="1"/>
+          </p:cNvPicPr>
+          <p:nvPr/>
+        </p:nvPicPr>
+        <p:blipFill>
+          <a:blip r:embed="rId2" cstate="print">
+            <a:lum bright="70000" contrast="-70000"/>
+            <a:extLst>
+              <a:ext uri="{28A0092B-C50C-407E-A947-70E740481C1C}">
+                <a14:useLocalDpi xmlns:a14="http://schemas.microsoft.com/office/drawing/2010/main" val="0"/>
+              </a:ext>
+            </a:extLst>
+          </a:blip>
+          <a:stretch>
+            <a:fillRect/>
+          </a:stretch>
+        </p:blipFill>
+        <p:spPr>
+          <a:xfrm>
+            <a:off x="184072" y="1778399"/>
+            <a:ext cx="625643" cy="625643"/>
+          </a:xfrm>
+          <a:prstGeom prst="rect">
+            <a:avLst/>
+          </a:prstGeom>
+        </p:spPr>
+      </p:pic>
+      <p:pic>
+        <p:nvPicPr>
+          <p:cNvPr id="39" name="그림 38">
+            <a:extLst>
+              <a:ext uri="{FF2B5EF4-FFF2-40B4-BE49-F238E27FC236}">
+                <a16:creationId xmlns:a16="http://schemas.microsoft.com/office/drawing/2014/main" xmlns="" id="{916400B3-91C4-4C1B-A681-ABD8D5BDF8C9}"/>
+              </a:ext>
+            </a:extLst>
+          </p:cNvPr>
+          <p:cNvPicPr>
+            <a:picLocks noChangeAspect="1"/>
+          </p:cNvPicPr>
+          <p:nvPr/>
+        </p:nvPicPr>
+        <p:blipFill>
+          <a:blip r:embed="rId3" cstate="print">
+            <a:lum bright="70000" contrast="-70000"/>
+            <a:extLst>
+              <a:ext uri="{28A0092B-C50C-407E-A947-70E740481C1C}">
+                <a14:useLocalDpi xmlns:a14="http://schemas.microsoft.com/office/drawing/2010/main" val="0"/>
+              </a:ext>
+            </a:extLst>
+          </a:blip>
+          <a:stretch>
+            <a:fillRect/>
+          </a:stretch>
+        </p:blipFill>
+        <p:spPr>
+          <a:xfrm>
+            <a:off x="262993" y="3216979"/>
+            <a:ext cx="467800" cy="467800"/>
+          </a:xfrm>
+          <a:prstGeom prst="rect">
+            <a:avLst/>
+          </a:prstGeom>
+        </p:spPr>
+      </p:pic>
+      <p:pic>
+        <p:nvPicPr>
+          <p:cNvPr id="40" name="그림 39">
+            <a:extLst>
+              <a:ext uri="{FF2B5EF4-FFF2-40B4-BE49-F238E27FC236}">
+                <a16:creationId xmlns:a16="http://schemas.microsoft.com/office/drawing/2014/main" xmlns="" id="{02F3A68E-CE10-41CF-A039-9A1F88D554F6}"/>
+              </a:ext>
+            </a:extLst>
+          </p:cNvPr>
+          <p:cNvPicPr>
+            <a:picLocks noChangeAspect="1"/>
+          </p:cNvPicPr>
+          <p:nvPr/>
+        </p:nvPicPr>
+        <p:blipFill>
+          <a:blip r:embed="rId4" cstate="print">
+            <a:lum bright="70000" contrast="-70000"/>
+            <a:extLst>
+              <a:ext uri="{28A0092B-C50C-407E-A947-70E740481C1C}">
+                <a14:useLocalDpi xmlns:a14="http://schemas.microsoft.com/office/drawing/2010/main" val="0"/>
+              </a:ext>
+            </a:extLst>
+          </a:blip>
+          <a:stretch>
+            <a:fillRect/>
+          </a:stretch>
+        </p:blipFill>
+        <p:spPr>
+          <a:xfrm>
+            <a:off x="284257" y="3940287"/>
+            <a:ext cx="451472" cy="451472"/>
+          </a:xfrm>
+          <a:prstGeom prst="rect">
+            <a:avLst/>
+          </a:prstGeom>
+        </p:spPr>
+      </p:pic>
+      <p:pic>
+        <p:nvPicPr>
+          <p:cNvPr id="41" name="그림 40">
+            <a:extLst>
+              <a:ext uri="{FF2B5EF4-FFF2-40B4-BE49-F238E27FC236}">
+                <a16:creationId xmlns:a16="http://schemas.microsoft.com/office/drawing/2014/main" xmlns="" id="{D53452B1-ABA5-48F9-AF1E-DBED3545F5B4}"/>
+              </a:ext>
+            </a:extLst>
+          </p:cNvPr>
+          <p:cNvPicPr>
+            <a:picLocks noChangeAspect="1"/>
+          </p:cNvPicPr>
+          <p:nvPr/>
+        </p:nvPicPr>
+        <p:blipFill>
+          <a:blip r:embed="rId5" cstate="print">
+            <a:lum bright="70000" contrast="-70000"/>
+            <a:extLst>
+              <a:ext uri="{28A0092B-C50C-407E-A947-70E740481C1C}">
+                <a14:useLocalDpi xmlns:a14="http://schemas.microsoft.com/office/drawing/2010/main" val="0"/>
+              </a:ext>
+            </a:extLst>
+          </a:blip>
+          <a:stretch>
+            <a:fillRect/>
+          </a:stretch>
+        </p:blipFill>
+        <p:spPr>
+          <a:xfrm>
+            <a:off x="262993" y="4673287"/>
+            <a:ext cx="434729" cy="434729"/>
+          </a:xfrm>
+          <a:prstGeom prst="rect">
+            <a:avLst/>
+          </a:prstGeom>
+        </p:spPr>
+      </p:pic>
+      <p:pic>
+        <p:nvPicPr>
+          <p:cNvPr id="42" name="그림 41">
+            <a:extLst>
+              <a:ext uri="{FF2B5EF4-FFF2-40B4-BE49-F238E27FC236}">
+                <a16:creationId xmlns:a16="http://schemas.microsoft.com/office/drawing/2014/main" xmlns="" id="{0609759E-5532-43AC-8D1C-B3776E9C8EAF}"/>
+              </a:ext>
+            </a:extLst>
+          </p:cNvPr>
+          <p:cNvPicPr>
+            <a:picLocks noChangeAspect="1"/>
+          </p:cNvPicPr>
+          <p:nvPr/>
+        </p:nvPicPr>
+        <p:blipFill>
+          <a:blip r:embed="rId6" cstate="print">
+            <a:lum bright="70000" contrast="-70000"/>
+            <a:extLst>
+              <a:ext uri="{28A0092B-C50C-407E-A947-70E740481C1C}">
+                <a14:useLocalDpi xmlns:a14="http://schemas.microsoft.com/office/drawing/2010/main" val="0"/>
+              </a:ext>
+            </a:extLst>
+          </a:blip>
+          <a:stretch>
+            <a:fillRect/>
+          </a:stretch>
+        </p:blipFill>
+        <p:spPr>
+          <a:xfrm>
+            <a:off x="280962" y="5330868"/>
+            <a:ext cx="470266" cy="470266"/>
+          </a:xfrm>
+          <a:prstGeom prst="rect">
+            <a:avLst/>
+          </a:prstGeom>
+        </p:spPr>
+      </p:pic>
+      <p:pic>
+        <p:nvPicPr>
+          <p:cNvPr id="22" name="그림 21"/>
+          <p:cNvPicPr>
+            <a:picLocks noChangeAspect="1"/>
+          </p:cNvPicPr>
+          <p:nvPr/>
+        </p:nvPicPr>
+        <p:blipFill>
+          <a:blip r:embed="rId7" cstate="print">
+            <a:lum bright="70000" contrast="-70000"/>
+            <a:extLst>
+              <a:ext uri="{28A0092B-C50C-407E-A947-70E740481C1C}">
+                <a14:useLocalDpi xmlns:a14="http://schemas.microsoft.com/office/drawing/2010/main" val="0"/>
+              </a:ext>
+            </a:extLst>
+          </a:blip>
+          <a:stretch>
+            <a:fillRect/>
+          </a:stretch>
+        </p:blipFill>
+        <p:spPr>
+          <a:xfrm>
+            <a:off x="205355" y="1049701"/>
+            <a:ext cx="588852" cy="588852"/>
+          </a:xfrm>
+          <a:prstGeom prst="rect">
+            <a:avLst/>
+          </a:prstGeom>
+        </p:spPr>
+      </p:pic>
+      <p:pic>
+        <p:nvPicPr>
+          <p:cNvPr id="24" name="그림 23">
+            <a:extLst>
+              <a:ext uri="{FF2B5EF4-FFF2-40B4-BE49-F238E27FC236}">
+                <a16:creationId xmlns:a16="http://schemas.microsoft.com/office/drawing/2014/main" xmlns="" id="{4C81044B-815A-416A-A1A1-5AE8439E1F18}"/>
+              </a:ext>
+            </a:extLst>
+          </p:cNvPr>
+          <p:cNvPicPr>
+            <a:picLocks noChangeAspect="1"/>
+          </p:cNvPicPr>
+          <p:nvPr/>
+        </p:nvPicPr>
+        <p:blipFill rotWithShape="1">
+          <a:blip r:embed="rId8" cstate="print">
+            <a:lum bright="70000" contrast="-70000"/>
+            <a:extLst>
+              <a:ext uri="{28A0092B-C50C-407E-A947-70E740481C1C}">
+                <a14:useLocalDpi xmlns:a14="http://schemas.microsoft.com/office/drawing/2010/main" val="0"/>
+              </a:ext>
+            </a:extLst>
+          </a:blip>
+          <a:srcRect l="4346" t="45154" r="-1" b="-2"/>
+          <a:stretch/>
+        </p:blipFill>
+        <p:spPr>
+          <a:xfrm>
+            <a:off x="208348" y="2660876"/>
+            <a:ext cx="620519" cy="355800"/>
+          </a:xfrm>
+          <a:prstGeom prst="rect">
+            <a:avLst/>
+          </a:prstGeom>
+        </p:spPr>
+      </p:pic>
+      <p:grpSp>
+        <p:nvGrpSpPr>
+          <p:cNvPr id="25" name="그룹 24"/>
+          <p:cNvGrpSpPr/>
+          <p:nvPr/>
+        </p:nvGrpSpPr>
+        <p:grpSpPr>
+          <a:xfrm>
+            <a:off x="185365" y="3221550"/>
+            <a:ext cx="553212" cy="478246"/>
+            <a:chOff x="286675" y="1057144"/>
+            <a:chExt cx="737616" cy="637661"/>
+          </a:xfrm>
+        </p:grpSpPr>
+        <p:sp>
+          <p:nvSpPr>
+            <p:cNvPr id="26" name="직사각형 25"/>
+            <p:cNvSpPr/>
+            <p:nvPr/>
+          </p:nvSpPr>
+          <p:spPr>
+            <a:xfrm>
+              <a:off x="286675" y="1057144"/>
+              <a:ext cx="75474" cy="637661"/>
+            </a:xfrm>
+            <a:prstGeom prst="rect">
+              <a:avLst/>
+            </a:prstGeom>
+            <a:solidFill>
+              <a:srgbClr val="DA9B00"/>
+            </a:solidFill>
+            <a:ln>
+              <a:noFill/>
+            </a:ln>
+          </p:spPr>
+          <p:style>
+            <a:lnRef idx="2">
+              <a:schemeClr val="accent1">
+                <a:shade val="50000"/>
+              </a:schemeClr>
+            </a:lnRef>
+            <a:fillRef idx="1">
+              <a:schemeClr val="accent1"/>
+            </a:fillRef>
+            <a:effectRef idx="0">
+              <a:schemeClr val="accent1"/>
+            </a:effectRef>
+            <a:fontRef idx="minor">
+              <a:schemeClr val="lt1"/>
+            </a:fontRef>
+          </p:style>
+          <p:txBody>
+            <a:bodyPr rtlCol="0" anchor="ctr"/>
+            <a:lstStyle/>
+            <a:p>
+              <a:pPr algn="ctr"/>
+              <a:endParaRPr lang="ko-KR" altLang="en-US" sz="1350"/>
+            </a:p>
+          </p:txBody>
+        </p:sp>
+        <p:cxnSp>
+          <p:nvCxnSpPr>
+            <p:cNvPr id="27" name="직선 연결선 26"/>
+            <p:cNvCxnSpPr/>
+            <p:nvPr/>
+          </p:nvCxnSpPr>
+          <p:spPr>
+            <a:xfrm>
+              <a:off x="286675" y="1057144"/>
+              <a:ext cx="737616" cy="0"/>
+            </a:xfrm>
+            <a:prstGeom prst="line">
+              <a:avLst/>
+            </a:prstGeom>
+            <a:ln w="12700">
+              <a:solidFill>
+                <a:srgbClr val="DA9B00"/>
+              </a:solidFill>
+            </a:ln>
+          </p:spPr>
+          <p:style>
+            <a:lnRef idx="1">
+              <a:schemeClr val="accent1"/>
+            </a:lnRef>
+            <a:fillRef idx="0">
+              <a:schemeClr val="accent1"/>
+            </a:fillRef>
+            <a:effectRef idx="0">
+              <a:schemeClr val="accent1"/>
+            </a:effectRef>
+            <a:fontRef idx="minor">
+              <a:schemeClr val="tx1"/>
+            </a:fontRef>
+          </p:style>
+        </p:cxnSp>
+        <p:cxnSp>
+          <p:nvCxnSpPr>
+            <p:cNvPr id="28" name="직선 연결선 27"/>
+            <p:cNvCxnSpPr/>
+            <p:nvPr/>
+          </p:nvCxnSpPr>
+          <p:spPr>
+            <a:xfrm>
+              <a:off x="286675" y="1694805"/>
+              <a:ext cx="737616" cy="0"/>
+            </a:xfrm>
+            <a:prstGeom prst="line">
+              <a:avLst/>
+            </a:prstGeom>
+            <a:ln w="12700">
+              <a:solidFill>
+                <a:srgbClr val="DA9B00"/>
+              </a:solidFill>
+            </a:ln>
+          </p:spPr>
+          <p:style>
+            <a:lnRef idx="1">
+              <a:schemeClr val="accent1"/>
+            </a:lnRef>
+            <a:fillRef idx="0">
+              <a:schemeClr val="accent1"/>
+            </a:fillRef>
+            <a:effectRef idx="0">
+              <a:schemeClr val="accent1"/>
+            </a:effectRef>
+            <a:fontRef idx="minor">
+              <a:schemeClr val="tx1"/>
+            </a:fontRef>
+          </p:style>
+        </p:cxnSp>
+      </p:grpSp>
+      <p:pic>
+        <p:nvPicPr>
+          <p:cNvPr id="29" name="그림 28"/>
+          <p:cNvPicPr>
+            <a:picLocks noChangeAspect="1"/>
+          </p:cNvPicPr>
+          <p:nvPr/>
+        </p:nvPicPr>
+        <p:blipFill>
+          <a:blip r:embed="rId3" cstate="print">
+            <a:duotone>
+              <a:schemeClr val="accent4">
+                <a:shade val="45000"/>
+                <a:satMod val="135000"/>
+              </a:schemeClr>
+              <a:prstClr val="white"/>
+            </a:duotone>
+            <a:extLst>
+              <a:ext uri="{28A0092B-C50C-407E-A947-70E740481C1C}">
+                <a14:useLocalDpi xmlns:a14="http://schemas.microsoft.com/office/drawing/2010/main" val="0"/>
+              </a:ext>
+            </a:extLst>
+          </a:blip>
+          <a:stretch>
+            <a:fillRect/>
+          </a:stretch>
+        </p:blipFill>
+        <p:spPr>
+          <a:xfrm>
+            <a:off x="265335" y="3219179"/>
+            <a:ext cx="467800" cy="467800"/>
+          </a:xfrm>
+          <a:prstGeom prst="rect">
+            <a:avLst/>
+          </a:prstGeom>
+        </p:spPr>
+      </p:pic>
+      <p:sp>
+        <p:nvSpPr>
+          <p:cNvPr id="36" name="TextBox 35"/>
+          <p:cNvSpPr txBox="1"/>
+          <p:nvPr/>
+        </p:nvSpPr>
+        <p:spPr>
+          <a:xfrm>
+            <a:off x="1140228" y="1190357"/>
+            <a:ext cx="4431516" cy="584775"/>
+          </a:xfrm>
+          <a:prstGeom prst="rect">
+            <a:avLst/>
+          </a:prstGeom>
+          <a:noFill/>
+        </p:spPr>
+        <p:txBody>
+          <a:bodyPr wrap="square" rtlCol="0">
+            <a:spAutoFit/>
+          </a:bodyPr>
+          <a:lstStyle/>
+          <a:p>
+            <a:r>
+              <a:rPr lang="en-US" altLang="ko-KR" sz="3200" b="1" dirty="0" err="1" smtClean="0"/>
+              <a:t>Json</a:t>
+            </a:r>
+            <a:r>
+              <a:rPr lang="en-US" altLang="ko-KR" sz="3200" b="1" dirty="0" smtClean="0"/>
+              <a:t> </a:t>
+            </a:r>
+            <a:r>
+              <a:rPr lang="ko-KR" altLang="en-US" sz="3200" b="1" dirty="0" smtClean="0"/>
+              <a:t>형식 </a:t>
+            </a:r>
+            <a:r>
+              <a:rPr lang="en-US" altLang="ko-KR" sz="3200" b="1" dirty="0" smtClean="0"/>
+              <a:t>(</a:t>
+            </a:r>
+            <a:r>
+              <a:rPr lang="ko-KR" altLang="en-US" sz="3200" b="1" dirty="0" smtClean="0"/>
+              <a:t>투표</a:t>
+            </a:r>
+            <a:r>
+              <a:rPr lang="en-US" altLang="ko-KR" sz="3200" b="1" dirty="0" smtClean="0"/>
+              <a:t>)</a:t>
+            </a:r>
+            <a:endParaRPr lang="ko-KR" altLang="en-US" sz="3200" b="1" dirty="0"/>
+          </a:p>
+        </p:txBody>
+      </p:sp>
+      <p:sp>
+        <p:nvSpPr>
+          <p:cNvPr id="44" name="TextBox 43"/>
+          <p:cNvSpPr txBox="1"/>
+          <p:nvPr/>
+        </p:nvSpPr>
+        <p:spPr>
+          <a:xfrm>
+            <a:off x="2330835" y="2546513"/>
+            <a:ext cx="1349993" cy="369332"/>
+          </a:xfrm>
+          <a:prstGeom prst="rect">
+            <a:avLst/>
+          </a:prstGeom>
+          <a:noFill/>
+        </p:spPr>
+        <p:txBody>
+          <a:bodyPr wrap="square" rtlCol="0">
+            <a:spAutoFit/>
+          </a:bodyPr>
+          <a:lstStyle/>
+          <a:p>
+            <a:r>
+              <a:rPr lang="ko-KR" altLang="en-US" b="1" dirty="0" smtClean="0"/>
+              <a:t>클라이언</a:t>
+            </a:r>
+            <a:r>
+              <a:rPr lang="ko-KR" altLang="en-US" b="1" dirty="0"/>
+              <a:t>트</a:t>
+            </a:r>
+            <a:endParaRPr lang="ko-KR" altLang="en-US" b="1" dirty="0"/>
+          </a:p>
+        </p:txBody>
+      </p:sp>
+      <p:cxnSp>
+        <p:nvCxnSpPr>
+          <p:cNvPr id="3" name="직선 화살표 연결선 2"/>
+          <p:cNvCxnSpPr/>
+          <p:nvPr/>
+        </p:nvCxnSpPr>
+        <p:spPr>
+          <a:xfrm>
+            <a:off x="4115462" y="3052790"/>
+            <a:ext cx="1658112" cy="0"/>
+          </a:xfrm>
+          <a:prstGeom prst="straightConnector1">
+            <a:avLst/>
+          </a:prstGeom>
+          <a:ln>
+            <a:tailEnd type="arrow"/>
+          </a:ln>
+        </p:spPr>
+        <p:style>
+          <a:lnRef idx="1">
+            <a:schemeClr val="accent1"/>
+          </a:lnRef>
+          <a:fillRef idx="0">
+            <a:schemeClr val="accent1"/>
+          </a:fillRef>
+          <a:effectRef idx="0">
+            <a:schemeClr val="accent1"/>
+          </a:effectRef>
+          <a:fontRef idx="minor">
+            <a:schemeClr val="tx1"/>
+          </a:fontRef>
+        </p:style>
+      </p:cxnSp>
+      <p:sp>
+        <p:nvSpPr>
+          <p:cNvPr id="4" name="직사각형 3"/>
+          <p:cNvSpPr/>
+          <p:nvPr/>
+        </p:nvSpPr>
+        <p:spPr>
+          <a:xfrm>
+            <a:off x="1904115" y="2390165"/>
+            <a:ext cx="2215758" cy="2523253"/>
+          </a:xfrm>
+          <a:prstGeom prst="rect">
+            <a:avLst/>
+          </a:prstGeom>
+          <a:noFill/>
+          <a:ln>
+            <a:solidFill>
+              <a:srgbClr val="FF5050"/>
+            </a:solidFill>
+          </a:ln>
+        </p:spPr>
+        <p:style>
+          <a:lnRef idx="2">
+            <a:schemeClr val="accent1">
+              <a:shade val="50000"/>
+            </a:schemeClr>
+          </a:lnRef>
+          <a:fillRef idx="1">
+            <a:schemeClr val="accent1"/>
+          </a:fillRef>
+          <a:effectRef idx="0">
+            <a:schemeClr val="accent1"/>
+          </a:effectRef>
+          <a:fontRef idx="minor">
+            <a:schemeClr val="lt1"/>
+          </a:fontRef>
+        </p:style>
+        <p:txBody>
+          <a:bodyPr rtlCol="0" anchor="ctr"/>
+          <a:lstStyle/>
+          <a:p>
+            <a:pPr algn="ctr"/>
+            <a:endParaRPr lang="ko-KR" altLang="en-US"/>
+          </a:p>
+        </p:txBody>
+      </p:sp>
+      <p:cxnSp>
+        <p:nvCxnSpPr>
+          <p:cNvPr id="7" name="직선 화살표 연결선 6"/>
+          <p:cNvCxnSpPr/>
+          <p:nvPr/>
+        </p:nvCxnSpPr>
+        <p:spPr>
+          <a:xfrm flipH="1">
+            <a:off x="4115462" y="4396741"/>
+            <a:ext cx="1658112" cy="0"/>
+          </a:xfrm>
+          <a:prstGeom prst="straightConnector1">
+            <a:avLst/>
+          </a:prstGeom>
+          <a:ln>
+            <a:tailEnd type="arrow"/>
+          </a:ln>
+        </p:spPr>
+        <p:style>
+          <a:lnRef idx="1">
+            <a:schemeClr val="accent1"/>
+          </a:lnRef>
+          <a:fillRef idx="0">
+            <a:schemeClr val="accent1"/>
+          </a:fillRef>
+          <a:effectRef idx="0">
+            <a:schemeClr val="accent1"/>
+          </a:effectRef>
+          <a:fontRef idx="minor">
+            <a:schemeClr val="tx1"/>
+          </a:fontRef>
+        </p:style>
+      </p:cxnSp>
+      <p:sp>
+        <p:nvSpPr>
+          <p:cNvPr id="8" name="TextBox 7"/>
+          <p:cNvSpPr txBox="1"/>
+          <p:nvPr/>
+        </p:nvSpPr>
+        <p:spPr>
+          <a:xfrm>
+            <a:off x="6192696" y="3467126"/>
+            <a:ext cx="822960" cy="369332"/>
+          </a:xfrm>
+          <a:prstGeom prst="rect">
+            <a:avLst/>
+          </a:prstGeom>
+          <a:noFill/>
+        </p:spPr>
+        <p:txBody>
+          <a:bodyPr wrap="square" rtlCol="0">
+            <a:spAutoFit/>
+          </a:bodyPr>
+          <a:lstStyle/>
+          <a:p>
+            <a:r>
+              <a:rPr lang="ko-KR" altLang="en-US" dirty="0" smtClean="0"/>
+              <a:t>서</a:t>
+            </a:r>
+            <a:r>
+              <a:rPr lang="ko-KR" altLang="en-US" dirty="0"/>
+              <a:t>버</a:t>
+            </a:r>
+          </a:p>
+        </p:txBody>
+      </p:sp>
+      <p:sp>
+        <p:nvSpPr>
+          <p:cNvPr id="9" name="직사각형 8"/>
+          <p:cNvSpPr/>
+          <p:nvPr/>
+        </p:nvSpPr>
+        <p:spPr>
+          <a:xfrm>
+            <a:off x="5773574" y="2745225"/>
+            <a:ext cx="1548384" cy="1821073"/>
+          </a:xfrm>
+          <a:prstGeom prst="rect">
+            <a:avLst/>
+          </a:prstGeom>
+          <a:noFill/>
+          <a:ln>
+            <a:solidFill>
+              <a:schemeClr val="accent5"/>
+            </a:solidFill>
+          </a:ln>
+        </p:spPr>
+        <p:style>
+          <a:lnRef idx="2">
+            <a:schemeClr val="accent1">
+              <a:shade val="50000"/>
+            </a:schemeClr>
+          </a:lnRef>
+          <a:fillRef idx="1">
+            <a:schemeClr val="accent1"/>
+          </a:fillRef>
+          <a:effectRef idx="0">
+            <a:schemeClr val="accent1"/>
+          </a:effectRef>
+          <a:fontRef idx="minor">
+            <a:schemeClr val="lt1"/>
+          </a:fontRef>
+        </p:style>
+        <p:txBody>
+          <a:bodyPr rtlCol="0" anchor="ctr"/>
+          <a:lstStyle/>
+          <a:p>
+            <a:pPr algn="ctr"/>
+            <a:endParaRPr lang="ko-KR" altLang="en-US"/>
+          </a:p>
+        </p:txBody>
+      </p:sp>
+      <p:sp>
+        <p:nvSpPr>
+          <p:cNvPr id="10" name="TextBox 9"/>
+          <p:cNvSpPr txBox="1"/>
+          <p:nvPr/>
+        </p:nvSpPr>
+        <p:spPr>
+          <a:xfrm>
+            <a:off x="4094421" y="2675714"/>
+            <a:ext cx="1805667" cy="369332"/>
+          </a:xfrm>
+          <a:prstGeom prst="rect">
+            <a:avLst/>
+          </a:prstGeom>
+          <a:noFill/>
+        </p:spPr>
+        <p:txBody>
+          <a:bodyPr wrap="square" rtlCol="0">
+            <a:spAutoFit/>
+          </a:bodyPr>
+          <a:lstStyle/>
+          <a:p>
+            <a:r>
+              <a:rPr lang="en-US" altLang="ko-KR" dirty="0" smtClean="0"/>
+              <a:t>1. </a:t>
+            </a:r>
+            <a:r>
+              <a:rPr lang="ko-KR" altLang="en-US" dirty="0"/>
+              <a:t> </a:t>
+            </a:r>
+            <a:r>
+              <a:rPr lang="en-US" altLang="ko-KR" dirty="0" smtClean="0"/>
+              <a:t>Post</a:t>
+            </a:r>
+            <a:r>
+              <a:rPr lang="ko-KR" altLang="en-US" dirty="0" smtClean="0"/>
+              <a:t>로 요청</a:t>
+            </a:r>
+            <a:endParaRPr lang="ko-KR" altLang="en-US" dirty="0"/>
+          </a:p>
+        </p:txBody>
+      </p:sp>
+      <p:sp>
+        <p:nvSpPr>
+          <p:cNvPr id="46" name="TextBox 45"/>
+          <p:cNvSpPr txBox="1"/>
+          <p:nvPr/>
+        </p:nvSpPr>
+        <p:spPr>
+          <a:xfrm>
+            <a:off x="4432454" y="4027409"/>
+            <a:ext cx="1024128" cy="369332"/>
+          </a:xfrm>
+          <a:prstGeom prst="rect">
+            <a:avLst/>
+          </a:prstGeom>
+          <a:noFill/>
+        </p:spPr>
+        <p:txBody>
+          <a:bodyPr wrap="square" rtlCol="0">
+            <a:spAutoFit/>
+          </a:bodyPr>
+          <a:lstStyle/>
+          <a:p>
+            <a:pPr marL="342900" indent="-342900">
+              <a:buAutoNum type="arabicPeriod" startAt="2"/>
+            </a:pPr>
+            <a:r>
+              <a:rPr lang="ko-KR" altLang="en-US" dirty="0" smtClean="0"/>
+              <a:t>응답</a:t>
+            </a:r>
+            <a:endParaRPr lang="en-US" altLang="ko-KR" dirty="0" smtClean="0"/>
+          </a:p>
+        </p:txBody>
+      </p:sp>
+      <p:sp>
+        <p:nvSpPr>
+          <p:cNvPr id="43" name="직사각형 42"/>
+          <p:cNvSpPr/>
+          <p:nvPr/>
+        </p:nvSpPr>
+        <p:spPr>
+          <a:xfrm>
+            <a:off x="2377943" y="3221323"/>
+            <a:ext cx="1255776" cy="569656"/>
+          </a:xfrm>
+          <a:prstGeom prst="rect">
+            <a:avLst/>
+          </a:prstGeom>
+          <a:solidFill>
+            <a:schemeClr val="accent2">
+              <a:lumMod val="60000"/>
+              <a:lumOff val="40000"/>
+            </a:schemeClr>
+          </a:solidFill>
+          <a:ln>
+            <a:solidFill>
+              <a:schemeClr val="accent4"/>
+            </a:solidFill>
+          </a:ln>
+        </p:spPr>
+        <p:style>
+          <a:lnRef idx="2">
+            <a:schemeClr val="accent1">
+              <a:shade val="50000"/>
+            </a:schemeClr>
+          </a:lnRef>
+          <a:fillRef idx="1">
+            <a:schemeClr val="accent1"/>
+          </a:fillRef>
+          <a:effectRef idx="0">
+            <a:schemeClr val="accent1"/>
+          </a:effectRef>
+          <a:fontRef idx="minor">
+            <a:schemeClr val="lt1"/>
+          </a:fontRef>
+        </p:style>
+        <p:txBody>
+          <a:bodyPr rtlCol="0" anchor="ctr"/>
+          <a:lstStyle/>
+          <a:p>
+            <a:pPr algn="ctr"/>
+            <a:r>
+              <a:rPr lang="en-US" altLang="ko-KR" dirty="0" smtClean="0"/>
+              <a:t>id</a:t>
+            </a:r>
+            <a:endParaRPr lang="en-US" altLang="ko-KR" dirty="0" smtClean="0"/>
+          </a:p>
+        </p:txBody>
+      </p:sp>
+      <p:sp>
+        <p:nvSpPr>
+          <p:cNvPr id="48" name="직사각형 47"/>
+          <p:cNvSpPr/>
+          <p:nvPr/>
+        </p:nvSpPr>
+        <p:spPr>
+          <a:xfrm>
+            <a:off x="2377943" y="4062234"/>
+            <a:ext cx="1255776" cy="569656"/>
+          </a:xfrm>
+          <a:prstGeom prst="rect">
+            <a:avLst/>
+          </a:prstGeom>
+          <a:solidFill>
+            <a:schemeClr val="accent2">
+              <a:lumMod val="60000"/>
+              <a:lumOff val="40000"/>
+            </a:schemeClr>
+          </a:solidFill>
+          <a:ln>
+            <a:solidFill>
+              <a:schemeClr val="accent4"/>
+            </a:solidFill>
+          </a:ln>
+        </p:spPr>
+        <p:style>
+          <a:lnRef idx="2">
+            <a:schemeClr val="accent1">
+              <a:shade val="50000"/>
+            </a:schemeClr>
+          </a:lnRef>
+          <a:fillRef idx="1">
+            <a:schemeClr val="accent1"/>
+          </a:fillRef>
+          <a:effectRef idx="0">
+            <a:schemeClr val="accent1"/>
+          </a:effectRef>
+          <a:fontRef idx="minor">
+            <a:schemeClr val="lt1"/>
+          </a:fontRef>
+        </p:style>
+        <p:txBody>
+          <a:bodyPr rtlCol="0" anchor="ctr"/>
+          <a:lstStyle/>
+          <a:p>
+            <a:pPr algn="ctr"/>
+            <a:r>
+              <a:rPr lang="en-US" altLang="ko-KR" dirty="0" err="1" smtClean="0"/>
+              <a:t>boardIp</a:t>
+            </a:r>
+            <a:endParaRPr lang="ko-KR" altLang="en-US" dirty="0"/>
+          </a:p>
+        </p:txBody>
+      </p:sp>
+    </p:spTree>
+    <p:extLst>
+      <p:ext uri="{BB962C8B-B14F-4D97-AF65-F5344CB8AC3E}">
+        <p14:creationId xmlns:p14="http://schemas.microsoft.com/office/powerpoint/2010/main" val="4181532299"/>
+      </p:ext>
+    </p:extLst>
+  </p:cSld>
+  <p:clrMapOvr>
+    <a:masterClrMapping/>
+  </p:clrMapOvr>
+</p:sld>
+</file>
+
+<file path=ppt/slides/slide11.xml><?xml version="1.0" encoding="utf-8"?>
+<p:sld xmlns:a="http://schemas.openxmlformats.org/drawingml/2006/main" xmlns:r="http://schemas.openxmlformats.org/officeDocument/2006/relationships" xmlns:p="http://schemas.openxmlformats.org/presentationml/2006/main">
+  <p:cSld>
+    <p:spTree>
+      <p:nvGrpSpPr>
+        <p:cNvPr id="1" name=""/>
+        <p:cNvGrpSpPr/>
+        <p:nvPr/>
+      </p:nvGrpSpPr>
+      <p:grpSpPr>
+        <a:xfrm>
+          <a:off x="0" y="0"/>
+          <a:ext cx="0" cy="0"/>
+          <a:chOff x="0" y="0"/>
+          <a:chExt cx="0" cy="0"/>
+        </a:xfrm>
+      </p:grpSpPr>
+      <p:sp>
+        <p:nvSpPr>
+          <p:cNvPr id="54" name="TextBox 53"/>
+          <p:cNvSpPr txBox="1"/>
+          <p:nvPr/>
+        </p:nvSpPr>
+        <p:spPr>
+          <a:xfrm>
+            <a:off x="1904115" y="472345"/>
+            <a:ext cx="1574470" cy="400110"/>
+          </a:xfrm>
+          <a:prstGeom prst="rect">
+            <a:avLst/>
+          </a:prstGeom>
+          <a:noFill/>
+        </p:spPr>
+        <p:txBody>
+          <a:bodyPr wrap="none">
+            <a:spAutoFit/>
+          </a:bodyPr>
+          <a:lstStyle/>
+          <a:p>
+            <a:pPr lvl="0"/>
+            <a:r>
+              <a:rPr lang="en-US" altLang="ko-KR" sz="2000" dirty="0" smtClean="0">
+                <a:solidFill>
+                  <a:prstClr val="black"/>
+                </a:solidFill>
+                <a:latin typeface="나눔스퀘어 Bold" panose="020B0600000101010101" pitchFamily="50" charset="-127"/>
+                <a:ea typeface="나눔스퀘어 Bold" panose="020B0600000101010101" pitchFamily="50" charset="-127"/>
+              </a:rPr>
+              <a:t>04.</a:t>
+            </a:r>
+            <a:r>
+              <a:rPr lang="ko-KR" altLang="en-US" sz="2000" dirty="0" smtClean="0">
+                <a:solidFill>
+                  <a:prstClr val="black"/>
+                </a:solidFill>
+                <a:latin typeface="나눔스퀘어 Bold" panose="020B0600000101010101" pitchFamily="50" charset="-127"/>
+                <a:ea typeface="나눔스퀘어 Bold" panose="020B0600000101010101" pitchFamily="50" charset="-127"/>
+              </a:rPr>
+              <a:t>구현 결과</a:t>
+            </a:r>
+            <a:endParaRPr lang="en-US" altLang="ko-KR" sz="2000" dirty="0">
+              <a:solidFill>
+                <a:prstClr val="black"/>
+              </a:solidFill>
+              <a:latin typeface="나눔스퀘어 Bold" panose="020B0600000101010101" pitchFamily="50" charset="-127"/>
+              <a:ea typeface="나눔스퀘어 Bold" panose="020B0600000101010101" pitchFamily="50" charset="-127"/>
+            </a:endParaRPr>
+          </a:p>
+        </p:txBody>
+      </p:sp>
+      <p:pic>
+        <p:nvPicPr>
+          <p:cNvPr id="37" name="그림 36">
+            <a:extLst>
+              <a:ext uri="{FF2B5EF4-FFF2-40B4-BE49-F238E27FC236}">
+                <a16:creationId xmlns:a16="http://schemas.microsoft.com/office/drawing/2014/main" xmlns="" id="{70E05654-BCBC-4524-9A92-264C1DA7A617}"/>
+              </a:ext>
+            </a:extLst>
+          </p:cNvPr>
+          <p:cNvPicPr>
+            <a:picLocks noChangeAspect="1"/>
+          </p:cNvPicPr>
+          <p:nvPr/>
+        </p:nvPicPr>
+        <p:blipFill>
+          <a:blip r:embed="rId2" cstate="print">
+            <a:lum bright="70000" contrast="-70000"/>
+            <a:extLst>
+              <a:ext uri="{28A0092B-C50C-407E-A947-70E740481C1C}">
+                <a14:useLocalDpi xmlns:a14="http://schemas.microsoft.com/office/drawing/2010/main" val="0"/>
+              </a:ext>
+            </a:extLst>
+          </a:blip>
+          <a:stretch>
+            <a:fillRect/>
+          </a:stretch>
+        </p:blipFill>
+        <p:spPr>
+          <a:xfrm>
+            <a:off x="184072" y="1778399"/>
+            <a:ext cx="625643" cy="625643"/>
+          </a:xfrm>
+          <a:prstGeom prst="rect">
+            <a:avLst/>
+          </a:prstGeom>
+        </p:spPr>
+      </p:pic>
+      <p:pic>
+        <p:nvPicPr>
+          <p:cNvPr id="39" name="그림 38">
+            <a:extLst>
+              <a:ext uri="{FF2B5EF4-FFF2-40B4-BE49-F238E27FC236}">
+                <a16:creationId xmlns:a16="http://schemas.microsoft.com/office/drawing/2014/main" xmlns="" id="{916400B3-91C4-4C1B-A681-ABD8D5BDF8C9}"/>
+              </a:ext>
+            </a:extLst>
+          </p:cNvPr>
+          <p:cNvPicPr>
+            <a:picLocks noChangeAspect="1"/>
+          </p:cNvPicPr>
+          <p:nvPr/>
+        </p:nvPicPr>
+        <p:blipFill>
+          <a:blip r:embed="rId3" cstate="print">
+            <a:lum bright="70000" contrast="-70000"/>
+            <a:extLst>
+              <a:ext uri="{28A0092B-C50C-407E-A947-70E740481C1C}">
+                <a14:useLocalDpi xmlns:a14="http://schemas.microsoft.com/office/drawing/2010/main" val="0"/>
+              </a:ext>
+            </a:extLst>
+          </a:blip>
+          <a:stretch>
+            <a:fillRect/>
+          </a:stretch>
+        </p:blipFill>
+        <p:spPr>
+          <a:xfrm>
+            <a:off x="262993" y="3216979"/>
+            <a:ext cx="467800" cy="467800"/>
+          </a:xfrm>
+          <a:prstGeom prst="rect">
+            <a:avLst/>
+          </a:prstGeom>
+        </p:spPr>
+      </p:pic>
+      <p:pic>
+        <p:nvPicPr>
+          <p:cNvPr id="40" name="그림 39">
+            <a:extLst>
+              <a:ext uri="{FF2B5EF4-FFF2-40B4-BE49-F238E27FC236}">
+                <a16:creationId xmlns:a16="http://schemas.microsoft.com/office/drawing/2014/main" xmlns="" id="{02F3A68E-CE10-41CF-A039-9A1F88D554F6}"/>
+              </a:ext>
+            </a:extLst>
+          </p:cNvPr>
+          <p:cNvPicPr>
+            <a:picLocks noChangeAspect="1"/>
+          </p:cNvPicPr>
+          <p:nvPr/>
+        </p:nvPicPr>
+        <p:blipFill>
+          <a:blip r:embed="rId4" cstate="print">
+            <a:lum bright="70000" contrast="-70000"/>
+            <a:extLst>
+              <a:ext uri="{28A0092B-C50C-407E-A947-70E740481C1C}">
+                <a14:useLocalDpi xmlns:a14="http://schemas.microsoft.com/office/drawing/2010/main" val="0"/>
+              </a:ext>
+            </a:extLst>
+          </a:blip>
+          <a:stretch>
+            <a:fillRect/>
+          </a:stretch>
+        </p:blipFill>
+        <p:spPr>
+          <a:xfrm>
+            <a:off x="284257" y="3940287"/>
+            <a:ext cx="451472" cy="451472"/>
+          </a:xfrm>
+          <a:prstGeom prst="rect">
+            <a:avLst/>
+          </a:prstGeom>
+        </p:spPr>
+      </p:pic>
+      <p:pic>
+        <p:nvPicPr>
+          <p:cNvPr id="41" name="그림 40">
+            <a:extLst>
+              <a:ext uri="{FF2B5EF4-FFF2-40B4-BE49-F238E27FC236}">
+                <a16:creationId xmlns:a16="http://schemas.microsoft.com/office/drawing/2014/main" xmlns="" id="{D53452B1-ABA5-48F9-AF1E-DBED3545F5B4}"/>
+              </a:ext>
+            </a:extLst>
+          </p:cNvPr>
+          <p:cNvPicPr>
+            <a:picLocks noChangeAspect="1"/>
+          </p:cNvPicPr>
+          <p:nvPr/>
+        </p:nvPicPr>
+        <p:blipFill>
+          <a:blip r:embed="rId5" cstate="print">
+            <a:lum bright="70000" contrast="-70000"/>
+            <a:extLst>
+              <a:ext uri="{28A0092B-C50C-407E-A947-70E740481C1C}">
+                <a14:useLocalDpi xmlns:a14="http://schemas.microsoft.com/office/drawing/2010/main" val="0"/>
+              </a:ext>
+            </a:extLst>
+          </a:blip>
+          <a:stretch>
+            <a:fillRect/>
+          </a:stretch>
+        </p:blipFill>
+        <p:spPr>
+          <a:xfrm>
+            <a:off x="262993" y="4673287"/>
+            <a:ext cx="434729" cy="434729"/>
+          </a:xfrm>
+          <a:prstGeom prst="rect">
+            <a:avLst/>
+          </a:prstGeom>
+        </p:spPr>
+      </p:pic>
+      <p:pic>
+        <p:nvPicPr>
+          <p:cNvPr id="42" name="그림 41">
+            <a:extLst>
+              <a:ext uri="{FF2B5EF4-FFF2-40B4-BE49-F238E27FC236}">
+                <a16:creationId xmlns:a16="http://schemas.microsoft.com/office/drawing/2014/main" xmlns="" id="{0609759E-5532-43AC-8D1C-B3776E9C8EAF}"/>
+              </a:ext>
+            </a:extLst>
+          </p:cNvPr>
+          <p:cNvPicPr>
+            <a:picLocks noChangeAspect="1"/>
+          </p:cNvPicPr>
+          <p:nvPr/>
+        </p:nvPicPr>
+        <p:blipFill>
+          <a:blip r:embed="rId6" cstate="print">
+            <a:lum bright="70000" contrast="-70000"/>
+            <a:extLst>
+              <a:ext uri="{28A0092B-C50C-407E-A947-70E740481C1C}">
+                <a14:useLocalDpi xmlns:a14="http://schemas.microsoft.com/office/drawing/2010/main" val="0"/>
+              </a:ext>
+            </a:extLst>
+          </a:blip>
+          <a:stretch>
+            <a:fillRect/>
+          </a:stretch>
+        </p:blipFill>
+        <p:spPr>
+          <a:xfrm>
+            <a:off x="280962" y="5330868"/>
+            <a:ext cx="470266" cy="470266"/>
+          </a:xfrm>
+          <a:prstGeom prst="rect">
+            <a:avLst/>
+          </a:prstGeom>
+        </p:spPr>
+      </p:pic>
+      <p:pic>
+        <p:nvPicPr>
+          <p:cNvPr id="22" name="그림 21"/>
+          <p:cNvPicPr>
+            <a:picLocks noChangeAspect="1"/>
+          </p:cNvPicPr>
+          <p:nvPr/>
+        </p:nvPicPr>
+        <p:blipFill>
+          <a:blip r:embed="rId7" cstate="print">
+            <a:lum bright="70000" contrast="-70000"/>
+            <a:extLst>
+              <a:ext uri="{28A0092B-C50C-407E-A947-70E740481C1C}">
+                <a14:useLocalDpi xmlns:a14="http://schemas.microsoft.com/office/drawing/2010/main" val="0"/>
+              </a:ext>
+            </a:extLst>
+          </a:blip>
+          <a:stretch>
+            <a:fillRect/>
+          </a:stretch>
+        </p:blipFill>
+        <p:spPr>
+          <a:xfrm>
+            <a:off x="205355" y="1049701"/>
+            <a:ext cx="588852" cy="588852"/>
+          </a:xfrm>
+          <a:prstGeom prst="rect">
+            <a:avLst/>
+          </a:prstGeom>
+        </p:spPr>
+      </p:pic>
+      <p:pic>
+        <p:nvPicPr>
+          <p:cNvPr id="24" name="그림 23">
+            <a:extLst>
+              <a:ext uri="{FF2B5EF4-FFF2-40B4-BE49-F238E27FC236}">
+                <a16:creationId xmlns:a16="http://schemas.microsoft.com/office/drawing/2014/main" xmlns="" id="{4C81044B-815A-416A-A1A1-5AE8439E1F18}"/>
+              </a:ext>
+            </a:extLst>
+          </p:cNvPr>
+          <p:cNvPicPr>
+            <a:picLocks noChangeAspect="1"/>
+          </p:cNvPicPr>
+          <p:nvPr/>
+        </p:nvPicPr>
+        <p:blipFill rotWithShape="1">
+          <a:blip r:embed="rId8" cstate="print">
+            <a:lum bright="70000" contrast="-70000"/>
+            <a:extLst>
+              <a:ext uri="{28A0092B-C50C-407E-A947-70E740481C1C}">
+                <a14:useLocalDpi xmlns:a14="http://schemas.microsoft.com/office/drawing/2010/main" val="0"/>
+              </a:ext>
+            </a:extLst>
+          </a:blip>
+          <a:srcRect l="4346" t="45154" r="-1" b="-2"/>
+          <a:stretch/>
+        </p:blipFill>
+        <p:spPr>
+          <a:xfrm>
+            <a:off x="208348" y="2660876"/>
+            <a:ext cx="620519" cy="355800"/>
+          </a:xfrm>
+          <a:prstGeom prst="rect">
+            <a:avLst/>
+          </a:prstGeom>
+        </p:spPr>
+      </p:pic>
+      <p:grpSp>
+        <p:nvGrpSpPr>
+          <p:cNvPr id="25" name="그룹 24"/>
+          <p:cNvGrpSpPr/>
+          <p:nvPr/>
+        </p:nvGrpSpPr>
+        <p:grpSpPr>
+          <a:xfrm>
+            <a:off x="185365" y="3221550"/>
+            <a:ext cx="553212" cy="478246"/>
+            <a:chOff x="286675" y="1057144"/>
+            <a:chExt cx="737616" cy="637661"/>
+          </a:xfrm>
+        </p:grpSpPr>
+        <p:sp>
+          <p:nvSpPr>
+            <p:cNvPr id="26" name="직사각형 25"/>
+            <p:cNvSpPr/>
+            <p:nvPr/>
+          </p:nvSpPr>
+          <p:spPr>
+            <a:xfrm>
+              <a:off x="286675" y="1057144"/>
+              <a:ext cx="75474" cy="637661"/>
+            </a:xfrm>
+            <a:prstGeom prst="rect">
+              <a:avLst/>
+            </a:prstGeom>
+            <a:solidFill>
+              <a:srgbClr val="DA9B00"/>
+            </a:solidFill>
+            <a:ln>
+              <a:noFill/>
+            </a:ln>
+          </p:spPr>
+          <p:style>
+            <a:lnRef idx="2">
+              <a:schemeClr val="accent1">
+                <a:shade val="50000"/>
+              </a:schemeClr>
+            </a:lnRef>
+            <a:fillRef idx="1">
+              <a:schemeClr val="accent1"/>
+            </a:fillRef>
+            <a:effectRef idx="0">
+              <a:schemeClr val="accent1"/>
+            </a:effectRef>
+            <a:fontRef idx="minor">
+              <a:schemeClr val="lt1"/>
+            </a:fontRef>
+          </p:style>
+          <p:txBody>
+            <a:bodyPr rtlCol="0" anchor="ctr"/>
+            <a:lstStyle/>
+            <a:p>
+              <a:pPr algn="ctr"/>
+              <a:endParaRPr lang="ko-KR" altLang="en-US" sz="1350"/>
+            </a:p>
+          </p:txBody>
+        </p:sp>
+        <p:cxnSp>
+          <p:nvCxnSpPr>
+            <p:cNvPr id="27" name="직선 연결선 26"/>
+            <p:cNvCxnSpPr/>
+            <p:nvPr/>
+          </p:nvCxnSpPr>
+          <p:spPr>
+            <a:xfrm>
+              <a:off x="286675" y="1057144"/>
+              <a:ext cx="737616" cy="0"/>
+            </a:xfrm>
+            <a:prstGeom prst="line">
+              <a:avLst/>
+            </a:prstGeom>
+            <a:ln w="12700">
+              <a:solidFill>
+                <a:srgbClr val="DA9B00"/>
+              </a:solidFill>
+            </a:ln>
+          </p:spPr>
+          <p:style>
+            <a:lnRef idx="1">
+              <a:schemeClr val="accent1"/>
+            </a:lnRef>
+            <a:fillRef idx="0">
+              <a:schemeClr val="accent1"/>
+            </a:fillRef>
+            <a:effectRef idx="0">
+              <a:schemeClr val="accent1"/>
+            </a:effectRef>
+            <a:fontRef idx="minor">
+              <a:schemeClr val="tx1"/>
+            </a:fontRef>
+          </p:style>
+        </p:cxnSp>
+        <p:cxnSp>
+          <p:nvCxnSpPr>
+            <p:cNvPr id="28" name="직선 연결선 27"/>
+            <p:cNvCxnSpPr/>
+            <p:nvPr/>
+          </p:nvCxnSpPr>
+          <p:spPr>
+            <a:xfrm>
+              <a:off x="286675" y="1694805"/>
+              <a:ext cx="737616" cy="0"/>
+            </a:xfrm>
+            <a:prstGeom prst="line">
+              <a:avLst/>
+            </a:prstGeom>
+            <a:ln w="12700">
+              <a:solidFill>
+                <a:srgbClr val="DA9B00"/>
+              </a:solidFill>
+            </a:ln>
+          </p:spPr>
+          <p:style>
+            <a:lnRef idx="1">
+              <a:schemeClr val="accent1"/>
+            </a:lnRef>
+            <a:fillRef idx="0">
+              <a:schemeClr val="accent1"/>
+            </a:fillRef>
+            <a:effectRef idx="0">
+              <a:schemeClr val="accent1"/>
+            </a:effectRef>
+            <a:fontRef idx="minor">
+              <a:schemeClr val="tx1"/>
+            </a:fontRef>
+          </p:style>
+        </p:cxnSp>
+      </p:grpSp>
+      <p:pic>
+        <p:nvPicPr>
+          <p:cNvPr id="29" name="그림 28"/>
+          <p:cNvPicPr>
+            <a:picLocks noChangeAspect="1"/>
+          </p:cNvPicPr>
+          <p:nvPr/>
+        </p:nvPicPr>
+        <p:blipFill>
+          <a:blip r:embed="rId3" cstate="print">
+            <a:duotone>
+              <a:schemeClr val="accent4">
+                <a:shade val="45000"/>
+                <a:satMod val="135000"/>
+              </a:schemeClr>
+              <a:prstClr val="white"/>
+            </a:duotone>
+            <a:extLst>
+              <a:ext uri="{28A0092B-C50C-407E-A947-70E740481C1C}">
+                <a14:useLocalDpi xmlns:a14="http://schemas.microsoft.com/office/drawing/2010/main" val="0"/>
+              </a:ext>
+            </a:extLst>
+          </a:blip>
+          <a:stretch>
+            <a:fillRect/>
+          </a:stretch>
+        </p:blipFill>
+        <p:spPr>
+          <a:xfrm>
+            <a:off x="265335" y="3219179"/>
+            <a:ext cx="467800" cy="467800"/>
+          </a:xfrm>
+          <a:prstGeom prst="rect">
+            <a:avLst/>
+          </a:prstGeom>
+        </p:spPr>
+      </p:pic>
+      <p:sp>
+        <p:nvSpPr>
+          <p:cNvPr id="21" name="TextBox 20"/>
+          <p:cNvSpPr txBox="1"/>
+          <p:nvPr/>
+        </p:nvSpPr>
+        <p:spPr>
+          <a:xfrm>
+            <a:off x="1294470" y="1321336"/>
+            <a:ext cx="2546010" cy="400110"/>
+          </a:xfrm>
+          <a:prstGeom prst="rect">
+            <a:avLst/>
+          </a:prstGeom>
+          <a:noFill/>
+        </p:spPr>
+        <p:txBody>
+          <a:bodyPr wrap="square" rtlCol="0">
+            <a:spAutoFit/>
+          </a:bodyPr>
+          <a:lstStyle/>
+          <a:p>
+            <a:r>
+              <a:rPr lang="ko-KR" altLang="en-US" sz="2000" b="1" dirty="0" smtClean="0"/>
+              <a:t>커뮤니티 </a:t>
+            </a:r>
+            <a:r>
+              <a:rPr lang="ko-KR" altLang="en-US" sz="2000" b="1" dirty="0" smtClean="0"/>
+              <a:t>화면</a:t>
+            </a:r>
+            <a:endParaRPr lang="ko-KR" altLang="en-US" sz="2000" b="1" dirty="0"/>
+          </a:p>
+        </p:txBody>
+      </p:sp>
+      <p:sp>
+        <p:nvSpPr>
+          <p:cNvPr id="19" name="TextBox 18"/>
+          <p:cNvSpPr txBox="1"/>
+          <p:nvPr/>
+        </p:nvSpPr>
+        <p:spPr>
+          <a:xfrm>
+            <a:off x="1294470" y="2260766"/>
+            <a:ext cx="4557690" cy="276999"/>
+          </a:xfrm>
+          <a:prstGeom prst="rect">
+            <a:avLst/>
+          </a:prstGeom>
+          <a:noFill/>
+        </p:spPr>
+        <p:txBody>
+          <a:bodyPr wrap="square" rtlCol="0">
+            <a:spAutoFit/>
+          </a:bodyPr>
+          <a:lstStyle/>
+          <a:p>
+            <a:r>
+              <a:rPr lang="en-US" altLang="ko-KR" sz="1200" b="1" dirty="0" smtClean="0"/>
+              <a:t>1. </a:t>
+            </a:r>
+            <a:r>
+              <a:rPr lang="ko-KR" altLang="en-US" sz="1200" b="1" dirty="0" err="1" smtClean="0"/>
+              <a:t>게시글</a:t>
+            </a:r>
+            <a:r>
+              <a:rPr lang="ko-KR" altLang="en-US" sz="1200" b="1" dirty="0" smtClean="0"/>
+              <a:t> 등록</a:t>
+            </a:r>
+            <a:r>
+              <a:rPr lang="en-US" altLang="ko-KR" sz="1200" b="1" dirty="0" smtClean="0"/>
+              <a:t>: </a:t>
+            </a:r>
+            <a:r>
+              <a:rPr lang="ko-KR" altLang="en-US" sz="1200" b="1" dirty="0" err="1" smtClean="0"/>
+              <a:t>유튜브</a:t>
+            </a:r>
+            <a:r>
+              <a:rPr lang="ko-KR" altLang="en-US" sz="1200" b="1" dirty="0" smtClean="0"/>
+              <a:t> 링크를 등록할 수 있다</a:t>
+            </a:r>
+            <a:r>
+              <a:rPr lang="en-US" altLang="ko-KR" sz="1200" b="1" dirty="0" smtClean="0"/>
+              <a:t>. (5</a:t>
+            </a:r>
+            <a:r>
+              <a:rPr lang="ko-KR" altLang="en-US" sz="1200" b="1" dirty="0" smtClean="0"/>
+              <a:t>분에 </a:t>
+            </a:r>
+            <a:r>
+              <a:rPr lang="en-US" altLang="ko-KR" sz="1200" b="1" dirty="0" smtClean="0"/>
+              <a:t>1</a:t>
+            </a:r>
+            <a:r>
+              <a:rPr lang="ko-KR" altLang="en-US" sz="1200" b="1" dirty="0" smtClean="0"/>
+              <a:t>개만 가능</a:t>
+            </a:r>
+            <a:r>
+              <a:rPr lang="en-US" altLang="ko-KR" sz="1200" b="1" dirty="0" smtClean="0"/>
+              <a:t>)</a:t>
+            </a:r>
+            <a:endParaRPr lang="ko-KR" altLang="en-US" sz="1200" b="1" dirty="0"/>
+          </a:p>
+        </p:txBody>
+      </p:sp>
+      <p:sp>
+        <p:nvSpPr>
+          <p:cNvPr id="20" name="TextBox 19"/>
+          <p:cNvSpPr txBox="1"/>
+          <p:nvPr/>
+        </p:nvSpPr>
+        <p:spPr>
+          <a:xfrm>
+            <a:off x="1294470" y="3016676"/>
+            <a:ext cx="4557690" cy="830997"/>
+          </a:xfrm>
+          <a:prstGeom prst="rect">
+            <a:avLst/>
+          </a:prstGeom>
+          <a:noFill/>
+        </p:spPr>
+        <p:txBody>
+          <a:bodyPr wrap="square" rtlCol="0">
+            <a:spAutoFit/>
+          </a:bodyPr>
+          <a:lstStyle/>
+          <a:p>
+            <a:r>
+              <a:rPr lang="en-US" altLang="ko-KR" sz="1200" b="1" dirty="0" smtClean="0"/>
+              <a:t>2. </a:t>
+            </a:r>
+            <a:r>
+              <a:rPr lang="ko-KR" altLang="en-US" sz="1200" b="1" dirty="0" smtClean="0"/>
+              <a:t>투표기능</a:t>
+            </a:r>
+            <a:r>
+              <a:rPr lang="en-US" altLang="ko-KR" sz="1200" b="1" dirty="0" smtClean="0"/>
+              <a:t>: </a:t>
+            </a:r>
+            <a:r>
+              <a:rPr lang="ko-KR" altLang="en-US" sz="1200" b="1" dirty="0" smtClean="0"/>
+              <a:t>좋아요</a:t>
+            </a:r>
+            <a:r>
+              <a:rPr lang="en-US" altLang="ko-KR" sz="1200" b="1" dirty="0" smtClean="0"/>
+              <a:t>, </a:t>
+            </a:r>
+            <a:r>
+              <a:rPr lang="ko-KR" altLang="en-US" sz="1200" b="1" dirty="0" smtClean="0"/>
+              <a:t>싫어요 기능을  통해  영상을  평가한다 </a:t>
+            </a:r>
+            <a:endParaRPr lang="en-US" altLang="ko-KR" sz="1200" b="1" dirty="0"/>
+          </a:p>
+          <a:p>
+            <a:r>
+              <a:rPr lang="en-US" altLang="ko-KR" sz="1200" b="1" dirty="0"/>
+              <a:t>	</a:t>
+            </a:r>
+            <a:r>
+              <a:rPr lang="en-US" altLang="ko-KR" sz="1200" b="1" dirty="0" smtClean="0"/>
+              <a:t>	</a:t>
+            </a:r>
+            <a:r>
+              <a:rPr lang="ko-KR" altLang="en-US" sz="1200" b="1" dirty="0" smtClean="0"/>
+              <a:t>영상 </a:t>
+            </a:r>
+            <a:r>
+              <a:rPr lang="en-US" altLang="ko-KR" sz="1200" b="1" dirty="0" smtClean="0"/>
+              <a:t>1</a:t>
+            </a:r>
+            <a:r>
+              <a:rPr lang="ko-KR" altLang="en-US" sz="1200" b="1" dirty="0" smtClean="0"/>
+              <a:t>개당 </a:t>
+            </a:r>
+            <a:r>
+              <a:rPr lang="en-US" altLang="ko-KR" sz="1200" b="1" dirty="0" smtClean="0"/>
+              <a:t>1</a:t>
+            </a:r>
+            <a:r>
+              <a:rPr lang="ko-KR" altLang="en-US" sz="1200" b="1" dirty="0" smtClean="0"/>
+              <a:t>개의 투표만 가능토록  설정</a:t>
+            </a:r>
+            <a:endParaRPr lang="en-US" altLang="ko-KR" sz="1200" b="1" dirty="0" smtClean="0"/>
+          </a:p>
+          <a:p>
+            <a:r>
+              <a:rPr lang="en-US" altLang="ko-KR" sz="1200" b="1" dirty="0"/>
+              <a:t>	</a:t>
+            </a:r>
+            <a:r>
+              <a:rPr lang="en-US" altLang="ko-KR" sz="1200" b="1" dirty="0" smtClean="0"/>
+              <a:t>	</a:t>
+            </a:r>
+            <a:r>
+              <a:rPr lang="ko-KR" altLang="en-US" sz="1200" b="1" dirty="0" smtClean="0"/>
+              <a:t>좋아요 개수와 </a:t>
+            </a:r>
+            <a:r>
+              <a:rPr lang="ko-KR" altLang="en-US" sz="1200" b="1" dirty="0"/>
+              <a:t> </a:t>
+            </a:r>
+            <a:r>
+              <a:rPr lang="ko-KR" altLang="en-US" sz="1200" b="1" dirty="0" smtClean="0"/>
+              <a:t>싫어요 개수의  합계를  영상 </a:t>
+            </a:r>
+            <a:r>
+              <a:rPr lang="en-US" altLang="ko-KR" sz="1200" b="1" dirty="0" smtClean="0"/>
+              <a:t>			</a:t>
+            </a:r>
+            <a:r>
+              <a:rPr lang="ko-KR" altLang="en-US" sz="1200" b="1" dirty="0" smtClean="0"/>
+              <a:t>좌측하단에  숫자로 표현해준다</a:t>
+            </a:r>
+            <a:endParaRPr lang="ko-KR" altLang="en-US" sz="1200" b="1" dirty="0"/>
+          </a:p>
+        </p:txBody>
+      </p:sp>
+      <p:sp>
+        <p:nvSpPr>
+          <p:cNvPr id="23" name="TextBox 22"/>
+          <p:cNvSpPr txBox="1"/>
+          <p:nvPr/>
+        </p:nvSpPr>
+        <p:spPr>
+          <a:xfrm>
+            <a:off x="1294470" y="4247123"/>
+            <a:ext cx="4557690" cy="276999"/>
+          </a:xfrm>
+          <a:prstGeom prst="rect">
+            <a:avLst/>
+          </a:prstGeom>
+          <a:noFill/>
+        </p:spPr>
+        <p:txBody>
+          <a:bodyPr wrap="square" rtlCol="0">
+            <a:spAutoFit/>
+          </a:bodyPr>
+          <a:lstStyle/>
+          <a:p>
+            <a:r>
+              <a:rPr lang="en-US" altLang="ko-KR" sz="1200" b="1" dirty="0" smtClean="0"/>
+              <a:t>3. </a:t>
+            </a:r>
+            <a:r>
+              <a:rPr lang="ko-KR" altLang="en-US" sz="1200" b="1" dirty="0" smtClean="0"/>
+              <a:t>영상을 클릭하면 </a:t>
+            </a:r>
+            <a:r>
+              <a:rPr lang="ko-KR" altLang="en-US" sz="1200" b="1" dirty="0" err="1" smtClean="0"/>
+              <a:t>유튜브</a:t>
+            </a:r>
+            <a:r>
+              <a:rPr lang="ko-KR" altLang="en-US" sz="1200" b="1" dirty="0" smtClean="0"/>
+              <a:t> </a:t>
+            </a:r>
+            <a:r>
+              <a:rPr lang="ko-KR" altLang="en-US" sz="1200" b="1" dirty="0" err="1" smtClean="0"/>
+              <a:t>앱이나</a:t>
+            </a:r>
+            <a:r>
+              <a:rPr lang="ko-KR" altLang="en-US" sz="1200" b="1" dirty="0" smtClean="0"/>
+              <a:t> </a:t>
+            </a:r>
+            <a:r>
+              <a:rPr lang="ko-KR" altLang="en-US" sz="1200" b="1" dirty="0" err="1" smtClean="0"/>
+              <a:t>웹브라우저가</a:t>
+            </a:r>
+            <a:r>
+              <a:rPr lang="ko-KR" altLang="en-US" sz="1200" b="1" dirty="0" smtClean="0"/>
+              <a:t> 열리면서 실행</a:t>
+            </a:r>
+            <a:endParaRPr lang="ko-KR" altLang="en-US" sz="1200" b="1" dirty="0"/>
+          </a:p>
+        </p:txBody>
+      </p:sp>
+      <p:pic>
+        <p:nvPicPr>
+          <p:cNvPr id="2" name="Picture 2"/>
+          <p:cNvPicPr>
+            <a:picLocks noChangeAspect="1" noChangeArrowheads="1"/>
+          </p:cNvPicPr>
+          <p:nvPr/>
+        </p:nvPicPr>
+        <p:blipFill>
+          <a:blip r:embed="rId9">
+            <a:extLst>
+              <a:ext uri="{28A0092B-C50C-407E-A947-70E740481C1C}">
+                <a14:useLocalDpi xmlns:a14="http://schemas.microsoft.com/office/drawing/2010/main" val="0"/>
+              </a:ext>
+            </a:extLst>
+          </a:blip>
+          <a:srcRect/>
+          <a:stretch>
+            <a:fillRect/>
+          </a:stretch>
+        </p:blipFill>
+        <p:spPr bwMode="auto">
+          <a:xfrm>
+            <a:off x="6053901" y="1284115"/>
+            <a:ext cx="2425670" cy="4801327"/>
+          </a:xfrm>
+          <a:prstGeom prst="rect">
+            <a:avLst/>
+          </a:prstGeom>
+          <a:noFill/>
+          <a:ln>
+            <a:noFill/>
+          </a:ln>
+          <a:extLst>
+            <a:ext uri="{909E8E84-426E-40DD-AFC4-6F175D3DCCD1}">
+              <a14:hiddenFill xmlns:a14="http://schemas.microsoft.com/office/drawing/2010/main">
+                <a:solidFill>
+                  <a:schemeClr val="accent1"/>
+                </a:solidFill>
+              </a14:hiddenFill>
+            </a:ext>
+            <a:ext uri="{91240B29-F687-4F45-9708-019B960494DF}">
+              <a14:hiddenLine xmlns:a14="http://schemas.microsoft.com/office/drawing/2010/main" w="9525">
+                <a:solidFill>
+                  <a:schemeClr val="tx1"/>
+                </a:solidFill>
+                <a:miter lim="800000"/>
+                <a:headEnd/>
+                <a:tailEnd/>
+              </a14:hiddenLine>
+            </a:ext>
+          </a:extLst>
+        </p:spPr>
+      </p:pic>
+    </p:spTree>
+    <p:extLst>
+      <p:ext uri="{BB962C8B-B14F-4D97-AF65-F5344CB8AC3E}">
+        <p14:creationId xmlns:p14="http://schemas.microsoft.com/office/powerpoint/2010/main" val="3890895923"/>
+      </p:ext>
+    </p:extLst>
+  </p:cSld>
+  <p:clrMapOvr>
+    <a:masterClrMapping/>
+  </p:clrMapOvr>
+</p:sld>
+</file>
+
+<file path=ppt/slides/slide12.xml><?xml version="1.0" encoding="utf-8"?>
+<p:sld xmlns:a="http://schemas.openxmlformats.org/drawingml/2006/main" xmlns:r="http://schemas.openxmlformats.org/officeDocument/2006/relationships" xmlns:p="http://schemas.openxmlformats.org/presentationml/2006/main">
+  <p:cSld>
+    <p:spTree>
+      <p:nvGrpSpPr>
+        <p:cNvPr id="1" name=""/>
+        <p:cNvGrpSpPr/>
+        <p:nvPr/>
+      </p:nvGrpSpPr>
+      <p:grpSpPr>
+        <a:xfrm>
+          <a:off x="0" y="0"/>
+          <a:ext cx="0" cy="0"/>
+          <a:chOff x="0" y="0"/>
+          <a:chExt cx="0" cy="0"/>
+        </a:xfrm>
+      </p:grpSpPr>
+      <p:sp>
+        <p:nvSpPr>
+          <p:cNvPr id="2" name="Rectangle 239"/>
+          <p:cNvSpPr>
+            <a:spLocks noChangeArrowheads="1"/>
+          </p:cNvSpPr>
+          <p:nvPr/>
+        </p:nvSpPr>
+        <p:spPr>
+          <a:xfrm>
+            <a:off x="1448826" y="2556499"/>
+            <a:ext cx="6426994" cy="641747"/>
+          </a:xfrm>
+          <a:prstGeom prst="rect">
+            <a:avLst/>
+          </a:prstGeom>
+          <a:noFill/>
+          <a:ln w="9525">
+            <a:noFill/>
+            <a:miter/>
+          </a:ln>
+          <a:effectLst>
+            <a:outerShdw blurRad="50800" dist="38100" dir="2700000" algn="tl" rotWithShape="0">
+              <a:prstClr val="black"/>
+            </a:outerShdw>
+          </a:effectLst>
+        </p:spPr>
+        <p:txBody>
+          <a:bodyPr/>
+          <a:lstStyle/>
+          <a:p>
+            <a:pPr marL="0" marR="0" lvl="0" indent="0" algn="ctr" defTabSz="457200" rtl="0" eaLnBrk="1" fontAlgn="auto" latinLnBrk="1" hangingPunct="1">
+              <a:lnSpc>
+                <a:spcPct val="90000"/>
+              </a:lnSpc>
+              <a:spcBef>
+                <a:spcPts val="0"/>
+              </a:spcBef>
+              <a:spcAft>
+                <a:spcPts val="0"/>
+              </a:spcAft>
+              <a:buClrTx/>
+              <a:buSzTx/>
+              <a:buFontTx/>
+              <a:buNone/>
+              <a:tabLst/>
+              <a:defRPr/>
+            </a:pPr>
+            <a:r>
+              <a:rPr kumimoji="0" lang="en-US" altLang="ko-KR" sz="10000" b="0" i="0" u="none" strike="noStrike" kern="1200" cap="none" spc="0" normalizeH="0" baseline="0" noProof="0">
+                <a:ln>
+                  <a:noFill/>
+                </a:ln>
+                <a:solidFill>
+                  <a:prstClr val="white"/>
+                </a:solidFill>
+                <a:effectLst>
+                  <a:outerShdw blurRad="38100" dist="38100" dir="2700000" algn="tl" rotWithShape="0">
+                    <a:srgbClr val="000000">
+                      <a:alpha val="40000"/>
+                    </a:srgbClr>
+                  </a:outerShdw>
+                </a:effectLst>
+                <a:uLnTx/>
+                <a:uFillTx/>
+                <a:latin typeface="Calibri" panose="20000000000000000000"/>
+                <a:ea typeface="맑은 고딕" panose="020B0503020000020004" pitchFamily="50" charset="-127"/>
+                <a:cs typeface="+mn-cs"/>
+              </a:rPr>
+              <a:t>Q / A</a:t>
+            </a:r>
+          </a:p>
+        </p:txBody>
+      </p:sp>
+    </p:spTree>
+    <p:extLst>
+      <p:ext uri="{BB962C8B-B14F-4D97-AF65-F5344CB8AC3E}">
+        <p14:creationId xmlns:p14="http://schemas.microsoft.com/office/powerpoint/2010/main" val="2398376437"/>
+      </p:ext>
+    </p:extLst>
+  </p:cSld>
+  <p:clrMapOvr>
+    <a:masterClrMapping/>
+  </p:clrMapOvr>
+</p:sld>
+</file>
+
+<file path=ppt/slides/slide13.xml><?xml version="1.0" encoding="utf-8"?>
+<p:sld xmlns:a="http://schemas.openxmlformats.org/drawingml/2006/main" xmlns:r="http://schemas.openxmlformats.org/officeDocument/2006/relationships" xmlns:p="http://schemas.openxmlformats.org/presentationml/2006/main">
+  <p:cSld>
+    <p:spTree>
+      <p:nvGrpSpPr>
+        <p:cNvPr id="1" name=""/>
+        <p:cNvGrpSpPr/>
+        <p:nvPr/>
+      </p:nvGrpSpPr>
+      <p:grpSpPr>
+        <a:xfrm>
+          <a:off x="0" y="0"/>
+          <a:ext cx="0" cy="0"/>
+          <a:chOff x="0" y="0"/>
+          <a:chExt cx="0" cy="0"/>
+        </a:xfrm>
+      </p:grpSpPr>
+      <p:sp>
+        <p:nvSpPr>
+          <p:cNvPr id="12" name="Rectangle 239"/>
+          <p:cNvSpPr>
+            <a:spLocks noChangeArrowheads="1"/>
+          </p:cNvSpPr>
+          <p:nvPr/>
+        </p:nvSpPr>
+        <p:spPr bwMode="auto">
+          <a:xfrm>
+            <a:off x="1358502" y="3984502"/>
+            <a:ext cx="6426994" cy="641747"/>
+          </a:xfrm>
+          <a:prstGeom prst="rect">
+            <a:avLst/>
+          </a:prstGeom>
+          <a:noFill/>
+          <a:ln w="9525">
+            <a:noFill/>
+            <a:miter lim="800000"/>
+            <a:headEnd/>
+            <a:tailEnd/>
+          </a:ln>
+          <a:effectLst>
+            <a:outerShdw blurRad="50800" dist="38100" dir="2700000" algn="tl" rotWithShape="0">
+              <a:prstClr val="black"/>
+            </a:outerShdw>
+          </a:effectLst>
+        </p:spPr>
+        <p:txBody>
+          <a:bodyPr/>
+          <a:lstStyle/>
+          <a:p>
+            <a:pPr algn="ctr" eaLnBrk="1" latinLnBrk="1" hangingPunct="1">
+              <a:lnSpc>
+                <a:spcPct val="90000"/>
+              </a:lnSpc>
+              <a:defRPr/>
+            </a:pPr>
+            <a:r>
+              <a:rPr lang="ko-KR" altLang="en-US" sz="4000" dirty="0">
+                <a:solidFill>
+                  <a:schemeClr val="bg1"/>
+                </a:solidFill>
+                <a:effectLst>
+                  <a:outerShdw blurRad="38100" dist="38100" dir="2700000" algn="tl">
+                    <a:srgbClr val="000000">
+                      <a:alpha val="43137"/>
+                    </a:srgbClr>
+                  </a:outerShdw>
+                </a:effectLst>
+                <a:latin typeface="나눔고딕" panose="020D0604000000000000" pitchFamily="50" charset="-127"/>
+                <a:ea typeface="나눔고딕" panose="020D0604000000000000" pitchFamily="50" charset="-127"/>
+              </a:rPr>
+              <a:t>감사합니다</a:t>
+            </a:r>
+            <a:endParaRPr lang="en-US" altLang="ko-KR" sz="4000" dirty="0">
+              <a:solidFill>
+                <a:schemeClr val="bg1"/>
+              </a:solidFill>
+              <a:effectLst>
+                <a:outerShdw blurRad="38100" dist="38100" dir="2700000" algn="tl">
+                  <a:srgbClr val="000000">
+                    <a:alpha val="43137"/>
+                  </a:srgbClr>
+                </a:outerShdw>
+              </a:effectLst>
+              <a:latin typeface="나눔고딕" panose="020D0604000000000000" pitchFamily="50" charset="-127"/>
+              <a:ea typeface="나눔고딕" panose="020D0604000000000000" pitchFamily="50" charset="-127"/>
+            </a:endParaRPr>
+          </a:p>
+        </p:txBody>
+      </p:sp>
+      <p:sp>
+        <p:nvSpPr>
+          <p:cNvPr id="13" name="Text Box 6"/>
+          <p:cNvSpPr txBox="1">
+            <a:spLocks noChangeArrowheads="1"/>
+          </p:cNvSpPr>
+          <p:nvPr/>
+        </p:nvSpPr>
+        <p:spPr bwMode="auto">
+          <a:xfrm>
+            <a:off x="2128463" y="3231192"/>
+            <a:ext cx="4960144" cy="523220"/>
+          </a:xfrm>
+          <a:prstGeom prst="rect">
+            <a:avLst/>
+          </a:prstGeom>
+          <a:noFill/>
+          <a:ln>
+            <a:noFill/>
+          </a:ln>
+          <a:extLst>
+            <a:ext uri="{909E8E84-426E-40DD-AFC4-6F175D3DCCD1}">
+              <a14:hiddenFill xmlns:a14="http://schemas.microsoft.com/office/drawing/2010/main">
+                <a:solidFill>
+                  <a:srgbClr val="FFFFFF"/>
+                </a:solidFill>
+              </a14:hiddenFill>
+            </a:ext>
+            <a:ext uri="{91240B29-F687-4F45-9708-019B960494DF}">
+              <a14:hiddenLine xmlns:a14="http://schemas.microsoft.com/office/drawing/2010/main" w="9525">
+                <a:solidFill>
+                  <a:srgbClr val="000000"/>
+                </a:solidFill>
+                <a:miter lim="800000"/>
+                <a:headEnd/>
+                <a:tailEnd/>
+              </a14:hiddenLine>
+            </a:ext>
+          </a:extLst>
+        </p:spPr>
+        <p:txBody>
+          <a:bodyPr>
+            <a:spAutoFit/>
+          </a:bodyPr>
+          <a:lstStyle>
+            <a:lvl1pPr eaLnBrk="0" hangingPunct="0">
+              <a:defRPr kumimoji="1">
+                <a:solidFill>
+                  <a:schemeClr val="tx1"/>
+                </a:solidFill>
+                <a:latin typeface="굴림" pitchFamily="50" charset="-127"/>
+                <a:ea typeface="굴림" pitchFamily="50" charset="-127"/>
+              </a:defRPr>
+            </a:lvl1pPr>
+            <a:lvl2pPr marL="742950" indent="-285750" eaLnBrk="0" hangingPunct="0">
+              <a:defRPr kumimoji="1">
+                <a:solidFill>
+                  <a:schemeClr val="tx1"/>
+                </a:solidFill>
+                <a:latin typeface="굴림" pitchFamily="50" charset="-127"/>
+                <a:ea typeface="굴림" pitchFamily="50" charset="-127"/>
+              </a:defRPr>
+            </a:lvl2pPr>
+            <a:lvl3pPr marL="1143000" indent="-228600" eaLnBrk="0" hangingPunct="0">
+              <a:defRPr kumimoji="1">
+                <a:solidFill>
+                  <a:schemeClr val="tx1"/>
+                </a:solidFill>
+                <a:latin typeface="굴림" pitchFamily="50" charset="-127"/>
+                <a:ea typeface="굴림" pitchFamily="50" charset="-127"/>
+              </a:defRPr>
+            </a:lvl3pPr>
+            <a:lvl4pPr marL="1600200" indent="-228600" eaLnBrk="0" hangingPunct="0">
+              <a:defRPr kumimoji="1">
+                <a:solidFill>
+                  <a:schemeClr val="tx1"/>
+                </a:solidFill>
+                <a:latin typeface="굴림" pitchFamily="50" charset="-127"/>
+                <a:ea typeface="굴림" pitchFamily="50" charset="-127"/>
+              </a:defRPr>
+            </a:lvl4pPr>
+            <a:lvl5pPr marL="2057400" indent="-228600" eaLnBrk="0" hangingPunct="0">
+              <a:defRPr kumimoji="1">
+                <a:solidFill>
+                  <a:schemeClr val="tx1"/>
+                </a:solidFill>
+                <a:latin typeface="굴림" pitchFamily="50" charset="-127"/>
+                <a:ea typeface="굴림" pitchFamily="50" charset="-127"/>
+              </a:defRPr>
+            </a:lvl5pPr>
+            <a:lvl6pPr marL="2514600" indent="-228600" eaLnBrk="0" fontAlgn="base" hangingPunct="0">
+              <a:spcBef>
+                <a:spcPct val="0"/>
+              </a:spcBef>
+              <a:spcAft>
+                <a:spcPct val="0"/>
+              </a:spcAft>
+              <a:defRPr kumimoji="1">
+                <a:solidFill>
+                  <a:schemeClr val="tx1"/>
+                </a:solidFill>
+                <a:latin typeface="굴림" pitchFamily="50" charset="-127"/>
+                <a:ea typeface="굴림" pitchFamily="50" charset="-127"/>
+              </a:defRPr>
+            </a:lvl6pPr>
+            <a:lvl7pPr marL="2971800" indent="-228600" eaLnBrk="0" fontAlgn="base" hangingPunct="0">
+              <a:spcBef>
+                <a:spcPct val="0"/>
+              </a:spcBef>
+              <a:spcAft>
+                <a:spcPct val="0"/>
+              </a:spcAft>
+              <a:defRPr kumimoji="1">
+                <a:solidFill>
+                  <a:schemeClr val="tx1"/>
+                </a:solidFill>
+                <a:latin typeface="굴림" pitchFamily="50" charset="-127"/>
+                <a:ea typeface="굴림" pitchFamily="50" charset="-127"/>
+              </a:defRPr>
+            </a:lvl7pPr>
+            <a:lvl8pPr marL="3429000" indent="-228600" eaLnBrk="0" fontAlgn="base" hangingPunct="0">
+              <a:spcBef>
+                <a:spcPct val="0"/>
+              </a:spcBef>
+              <a:spcAft>
+                <a:spcPct val="0"/>
+              </a:spcAft>
+              <a:defRPr kumimoji="1">
+                <a:solidFill>
+                  <a:schemeClr val="tx1"/>
+                </a:solidFill>
+                <a:latin typeface="굴림" pitchFamily="50" charset="-127"/>
+                <a:ea typeface="굴림" pitchFamily="50" charset="-127"/>
+              </a:defRPr>
+            </a:lvl8pPr>
+            <a:lvl9pPr marL="3886200" indent="-228600" eaLnBrk="0" fontAlgn="base" hangingPunct="0">
+              <a:spcBef>
+                <a:spcPct val="0"/>
+              </a:spcBef>
+              <a:spcAft>
+                <a:spcPct val="0"/>
+              </a:spcAft>
+              <a:defRPr kumimoji="1">
+                <a:solidFill>
+                  <a:schemeClr val="tx1"/>
+                </a:solidFill>
+                <a:latin typeface="굴림" pitchFamily="50" charset="-127"/>
+                <a:ea typeface="굴림" pitchFamily="50" charset="-127"/>
+              </a:defRPr>
+            </a:lvl9pPr>
+          </a:lstStyle>
+          <a:p>
+            <a:pPr algn="ctr" eaLnBrk="1" latinLnBrk="1" hangingPunct="1">
+              <a:defRPr/>
+            </a:pPr>
+            <a:r>
+              <a:rPr lang="en-US" altLang="ko-KR" sz="2800" dirty="0">
+                <a:solidFill>
+                  <a:schemeClr val="bg1"/>
+                </a:solidFill>
+                <a:latin typeface="나눔고딕" panose="020D0604000000000000" pitchFamily="50" charset="-127"/>
+                <a:ea typeface="나눔고딕" panose="020D0604000000000000" pitchFamily="50" charset="-127"/>
+              </a:rPr>
+              <a:t>Thank you for your attention</a:t>
+            </a:r>
+            <a:endParaRPr lang="ko-KR" altLang="en-US" sz="2800" dirty="0">
+              <a:solidFill>
+                <a:schemeClr val="bg1"/>
+              </a:solidFill>
+              <a:latin typeface="나눔고딕" panose="020D0604000000000000" pitchFamily="50" charset="-127"/>
+              <a:ea typeface="나눔고딕" panose="020D0604000000000000" pitchFamily="50" charset="-127"/>
+            </a:endParaRPr>
+          </a:p>
+        </p:txBody>
+      </p:sp>
+      <p:sp>
+        <p:nvSpPr>
+          <p:cNvPr id="23" name="직사각형 22">
+            <a:extLst>
+              <a:ext uri="{FF2B5EF4-FFF2-40B4-BE49-F238E27FC236}">
+                <a16:creationId xmlns:a16="http://schemas.microsoft.com/office/drawing/2014/main" xmlns="" id="{7B03D4AB-3931-4F42-9B99-190F024B01A4}"/>
+              </a:ext>
+            </a:extLst>
+          </p:cNvPr>
+          <p:cNvSpPr/>
+          <p:nvPr/>
+        </p:nvSpPr>
+        <p:spPr>
+          <a:xfrm>
+            <a:off x="3176724" y="2599724"/>
+            <a:ext cx="2804029" cy="73471"/>
+          </a:xfrm>
+          <a:prstGeom prst="rect">
+            <a:avLst/>
+          </a:prstGeom>
+          <a:solidFill>
+            <a:schemeClr val="bg1"/>
+          </a:solidFill>
+          <a:ln>
+            <a:noFill/>
+          </a:ln>
+        </p:spPr>
+        <p:style>
+          <a:lnRef idx="2">
+            <a:schemeClr val="accent1">
+              <a:shade val="50000"/>
+            </a:schemeClr>
+          </a:lnRef>
+          <a:fillRef idx="1">
+            <a:schemeClr val="accent1"/>
+          </a:fillRef>
+          <a:effectRef idx="0">
+            <a:schemeClr val="accent1"/>
+          </a:effectRef>
+          <a:fontRef idx="minor">
+            <a:schemeClr val="lt1"/>
+          </a:fontRef>
+        </p:style>
+        <p:txBody>
+          <a:bodyPr rtlCol="0" anchor="ctr"/>
+          <a:lstStyle/>
+          <a:p>
+            <a:pPr algn="ctr"/>
+            <a:endParaRPr lang="ko-KR" altLang="en-US"/>
+          </a:p>
+        </p:txBody>
+      </p:sp>
+      <p:grpSp>
+        <p:nvGrpSpPr>
+          <p:cNvPr id="25" name="그룹 24">
+            <a:extLst>
+              <a:ext uri="{FF2B5EF4-FFF2-40B4-BE49-F238E27FC236}">
+                <a16:creationId xmlns:a16="http://schemas.microsoft.com/office/drawing/2014/main" xmlns="" id="{95712292-A041-4918-B4E9-3B5E0C702A14}"/>
+              </a:ext>
+            </a:extLst>
+          </p:cNvPr>
+          <p:cNvGrpSpPr/>
+          <p:nvPr/>
+        </p:nvGrpSpPr>
+        <p:grpSpPr>
+          <a:xfrm>
+            <a:off x="4285200" y="1354472"/>
+            <a:ext cx="587073" cy="450990"/>
+            <a:chOff x="4810427" y="1659948"/>
+            <a:chExt cx="1384300" cy="1063421"/>
+          </a:xfrm>
+        </p:grpSpPr>
+        <p:sp>
+          <p:nvSpPr>
+            <p:cNvPr id="26" name="이등변 삼각형 25">
+              <a:extLst>
+                <a:ext uri="{FF2B5EF4-FFF2-40B4-BE49-F238E27FC236}">
+                  <a16:creationId xmlns:a16="http://schemas.microsoft.com/office/drawing/2014/main" xmlns="" id="{B924EC44-6686-470A-BB96-4F57AB341D1D}"/>
+                </a:ext>
+              </a:extLst>
+            </p:cNvPr>
+            <p:cNvSpPr/>
+            <p:nvPr/>
+          </p:nvSpPr>
+          <p:spPr>
+            <a:xfrm rot="8920199">
+              <a:off x="4810427" y="1707369"/>
+              <a:ext cx="812800" cy="1016000"/>
+            </a:xfrm>
+            <a:prstGeom prst="triangle">
+              <a:avLst/>
+            </a:prstGeom>
+            <a:solidFill>
+              <a:schemeClr val="bg1"/>
+            </a:solidFill>
+            <a:ln>
+              <a:noFill/>
+            </a:ln>
+          </p:spPr>
+          <p:style>
+            <a:lnRef idx="2">
+              <a:schemeClr val="accent1">
+                <a:shade val="50000"/>
+              </a:schemeClr>
+            </a:lnRef>
+            <a:fillRef idx="1">
+              <a:schemeClr val="accent1"/>
+            </a:fillRef>
+            <a:effectRef idx="0">
+              <a:schemeClr val="accent1"/>
+            </a:effectRef>
+            <a:fontRef idx="minor">
+              <a:schemeClr val="lt1"/>
+            </a:fontRef>
+          </p:style>
+          <p:txBody>
+            <a:bodyPr rtlCol="0" anchor="ctr"/>
+            <a:lstStyle/>
+            <a:p>
+              <a:pPr algn="ctr"/>
+              <a:endParaRPr lang="ko-KR" altLang="en-US"/>
+            </a:p>
+          </p:txBody>
+        </p:sp>
+        <p:sp>
+          <p:nvSpPr>
+            <p:cNvPr id="27" name="이등변 삼각형 26">
+              <a:extLst>
+                <a:ext uri="{FF2B5EF4-FFF2-40B4-BE49-F238E27FC236}">
+                  <a16:creationId xmlns:a16="http://schemas.microsoft.com/office/drawing/2014/main" xmlns="" id="{D46E3EA2-09BF-4DC9-B17D-AFA369557E73}"/>
+                </a:ext>
+              </a:extLst>
+            </p:cNvPr>
+            <p:cNvSpPr/>
+            <p:nvPr/>
+          </p:nvSpPr>
+          <p:spPr>
+            <a:xfrm rot="14031529">
+              <a:off x="5280327" y="1558348"/>
+              <a:ext cx="812800" cy="1016000"/>
+            </a:xfrm>
+            <a:prstGeom prst="triangle">
+              <a:avLst/>
+            </a:prstGeom>
+            <a:solidFill>
+              <a:schemeClr val="bg1"/>
+            </a:solidFill>
+            <a:ln>
+              <a:noFill/>
+            </a:ln>
+          </p:spPr>
+          <p:style>
+            <a:lnRef idx="2">
+              <a:schemeClr val="accent1">
+                <a:shade val="50000"/>
+              </a:schemeClr>
+            </a:lnRef>
+            <a:fillRef idx="1">
+              <a:schemeClr val="accent1"/>
+            </a:fillRef>
+            <a:effectRef idx="0">
+              <a:schemeClr val="accent1"/>
+            </a:effectRef>
+            <a:fontRef idx="minor">
+              <a:schemeClr val="lt1"/>
+            </a:fontRef>
+          </p:style>
+          <p:txBody>
+            <a:bodyPr rtlCol="0" anchor="ctr"/>
+            <a:lstStyle/>
+            <a:p>
+              <a:pPr algn="ctr"/>
+              <a:endParaRPr lang="ko-KR" altLang="en-US"/>
+            </a:p>
+          </p:txBody>
+        </p:sp>
+      </p:grpSp>
+      <p:sp>
+        <p:nvSpPr>
+          <p:cNvPr id="10" name="TextBox 9">
+            <a:extLst>
+              <a:ext uri="{FF2B5EF4-FFF2-40B4-BE49-F238E27FC236}">
+                <a16:creationId xmlns:a16="http://schemas.microsoft.com/office/drawing/2014/main" xmlns="" id="{6F91DDEA-1769-4AD9-B89F-E48C3BF11509}"/>
+              </a:ext>
+            </a:extLst>
+          </p:cNvPr>
+          <p:cNvSpPr txBox="1"/>
+          <p:nvPr/>
+        </p:nvSpPr>
+        <p:spPr>
+          <a:xfrm>
+            <a:off x="3618313" y="1793070"/>
+            <a:ext cx="2077039" cy="830997"/>
+          </a:xfrm>
+          <a:prstGeom prst="rect">
+            <a:avLst/>
+          </a:prstGeom>
+          <a:noFill/>
+        </p:spPr>
+        <p:txBody>
+          <a:bodyPr wrap="square" rtlCol="0">
+            <a:spAutoFit/>
+          </a:bodyPr>
+          <a:lstStyle/>
+          <a:p>
+            <a:pPr algn="dist"/>
+            <a:r>
+              <a:rPr lang="en-US" altLang="ko-KR" sz="4800" dirty="0">
+                <a:solidFill>
+                  <a:schemeClr val="bg1"/>
+                </a:solidFill>
+                <a:latin typeface="나눔고딕 ExtraBold" panose="020D0904000000000000" pitchFamily="50" charset="-127"/>
+                <a:ea typeface="나눔고딕 ExtraBold" panose="020D0904000000000000" pitchFamily="50" charset="-127"/>
+              </a:rPr>
+              <a:t>CSSM</a:t>
+            </a:r>
+            <a:endParaRPr lang="ko-KR" altLang="en-US" sz="4800" dirty="0">
+              <a:solidFill>
+                <a:schemeClr val="bg1"/>
+              </a:solidFill>
+              <a:latin typeface="나눔고딕 ExtraBold" panose="020D0904000000000000" pitchFamily="50" charset="-127"/>
+              <a:ea typeface="나눔고딕 ExtraBold" panose="020D0904000000000000" pitchFamily="50" charset="-127"/>
+            </a:endParaRPr>
+          </a:p>
+        </p:txBody>
+      </p:sp>
+      <p:sp>
+        <p:nvSpPr>
+          <p:cNvPr id="11" name="Text Box 6"/>
+          <p:cNvSpPr txBox="1">
+            <a:spLocks noChangeArrowheads="1"/>
+          </p:cNvSpPr>
+          <p:nvPr/>
+        </p:nvSpPr>
+        <p:spPr bwMode="auto">
+          <a:xfrm>
+            <a:off x="2128461" y="2719837"/>
+            <a:ext cx="4960144" cy="723275"/>
+          </a:xfrm>
+          <a:prstGeom prst="rect">
+            <a:avLst/>
+          </a:prstGeom>
+          <a:noFill/>
+          <a:ln>
+            <a:noFill/>
+          </a:ln>
+          <a:extLst>
+            <a:ext uri="{909E8E84-426E-40DD-AFC4-6F175D3DCCD1}">
+              <a14:hiddenFill xmlns:a14="http://schemas.microsoft.com/office/drawing/2010/main">
+                <a:solidFill>
+                  <a:srgbClr val="FFFFFF"/>
+                </a:solidFill>
+              </a14:hiddenFill>
+            </a:ext>
+            <a:ext uri="{91240B29-F687-4F45-9708-019B960494DF}">
+              <a14:hiddenLine xmlns:a14="http://schemas.microsoft.com/office/drawing/2010/main" w="9525">
+                <a:solidFill>
+                  <a:srgbClr val="000000"/>
+                </a:solidFill>
+                <a:miter lim="800000"/>
+                <a:headEnd/>
+                <a:tailEnd/>
+              </a14:hiddenLine>
+            </a:ext>
+          </a:extLst>
+        </p:spPr>
+        <p:txBody>
+          <a:bodyPr>
+            <a:spAutoFit/>
+          </a:bodyPr>
+          <a:lstStyle>
+            <a:lvl1pPr eaLnBrk="0" hangingPunct="0">
+              <a:defRPr kumimoji="1">
+                <a:solidFill>
+                  <a:schemeClr val="tx1"/>
+                </a:solidFill>
+                <a:latin typeface="굴림" pitchFamily="50" charset="-127"/>
+                <a:ea typeface="굴림" pitchFamily="50" charset="-127"/>
+              </a:defRPr>
+            </a:lvl1pPr>
+            <a:lvl2pPr marL="742950" indent="-285750" eaLnBrk="0" hangingPunct="0">
+              <a:defRPr kumimoji="1">
+                <a:solidFill>
+                  <a:schemeClr val="tx1"/>
+                </a:solidFill>
+                <a:latin typeface="굴림" pitchFamily="50" charset="-127"/>
+                <a:ea typeface="굴림" pitchFamily="50" charset="-127"/>
+              </a:defRPr>
+            </a:lvl2pPr>
+            <a:lvl3pPr marL="1143000" indent="-228600" eaLnBrk="0" hangingPunct="0">
+              <a:defRPr kumimoji="1">
+                <a:solidFill>
+                  <a:schemeClr val="tx1"/>
+                </a:solidFill>
+                <a:latin typeface="굴림" pitchFamily="50" charset="-127"/>
+                <a:ea typeface="굴림" pitchFamily="50" charset="-127"/>
+              </a:defRPr>
+            </a:lvl3pPr>
+            <a:lvl4pPr marL="1600200" indent="-228600" eaLnBrk="0" hangingPunct="0">
+              <a:defRPr kumimoji="1">
+                <a:solidFill>
+                  <a:schemeClr val="tx1"/>
+                </a:solidFill>
+                <a:latin typeface="굴림" pitchFamily="50" charset="-127"/>
+                <a:ea typeface="굴림" pitchFamily="50" charset="-127"/>
+              </a:defRPr>
+            </a:lvl4pPr>
+            <a:lvl5pPr marL="2057400" indent="-228600" eaLnBrk="0" hangingPunct="0">
+              <a:defRPr kumimoji="1">
+                <a:solidFill>
+                  <a:schemeClr val="tx1"/>
+                </a:solidFill>
+                <a:latin typeface="굴림" pitchFamily="50" charset="-127"/>
+                <a:ea typeface="굴림" pitchFamily="50" charset="-127"/>
+              </a:defRPr>
+            </a:lvl5pPr>
+            <a:lvl6pPr marL="2514600" indent="-228600" eaLnBrk="0" fontAlgn="base" hangingPunct="0">
+              <a:spcBef>
+                <a:spcPct val="0"/>
+              </a:spcBef>
+              <a:spcAft>
+                <a:spcPct val="0"/>
+              </a:spcAft>
+              <a:defRPr kumimoji="1">
+                <a:solidFill>
+                  <a:schemeClr val="tx1"/>
+                </a:solidFill>
+                <a:latin typeface="굴림" pitchFamily="50" charset="-127"/>
+                <a:ea typeface="굴림" pitchFamily="50" charset="-127"/>
+              </a:defRPr>
+            </a:lvl6pPr>
+            <a:lvl7pPr marL="2971800" indent="-228600" eaLnBrk="0" fontAlgn="base" hangingPunct="0">
+              <a:spcBef>
+                <a:spcPct val="0"/>
+              </a:spcBef>
+              <a:spcAft>
+                <a:spcPct val="0"/>
+              </a:spcAft>
+              <a:defRPr kumimoji="1">
+                <a:solidFill>
+                  <a:schemeClr val="tx1"/>
+                </a:solidFill>
+                <a:latin typeface="굴림" pitchFamily="50" charset="-127"/>
+                <a:ea typeface="굴림" pitchFamily="50" charset="-127"/>
+              </a:defRPr>
+            </a:lvl7pPr>
+            <a:lvl8pPr marL="3429000" indent="-228600" eaLnBrk="0" fontAlgn="base" hangingPunct="0">
+              <a:spcBef>
+                <a:spcPct val="0"/>
+              </a:spcBef>
+              <a:spcAft>
+                <a:spcPct val="0"/>
+              </a:spcAft>
+              <a:defRPr kumimoji="1">
+                <a:solidFill>
+                  <a:schemeClr val="tx1"/>
+                </a:solidFill>
+                <a:latin typeface="굴림" pitchFamily="50" charset="-127"/>
+                <a:ea typeface="굴림" pitchFamily="50" charset="-127"/>
+              </a:defRPr>
+            </a:lvl8pPr>
+            <a:lvl9pPr marL="3886200" indent="-228600" eaLnBrk="0" fontAlgn="base" hangingPunct="0">
+              <a:spcBef>
+                <a:spcPct val="0"/>
+              </a:spcBef>
+              <a:spcAft>
+                <a:spcPct val="0"/>
+              </a:spcAft>
+              <a:defRPr kumimoji="1">
+                <a:solidFill>
+                  <a:schemeClr val="tx1"/>
+                </a:solidFill>
+                <a:latin typeface="굴림" pitchFamily="50" charset="-127"/>
+                <a:ea typeface="굴림" pitchFamily="50" charset="-127"/>
+              </a:defRPr>
+            </a:lvl9pPr>
+          </a:lstStyle>
+          <a:p>
+            <a:pPr algn="ctr" eaLnBrk="1" latinLnBrk="1" hangingPunct="1">
+              <a:defRPr/>
+            </a:pPr>
+            <a:r>
+              <a:rPr lang="en-US" altLang="ko-KR" sz="2000" b="1" dirty="0">
+                <a:solidFill>
+                  <a:schemeClr val="bg1"/>
+                </a:solidFill>
+                <a:latin typeface="+mn-ea"/>
+                <a:ea typeface="+mn-ea"/>
+              </a:rPr>
+              <a:t>Computer Science Sharing Messenger</a:t>
+            </a:r>
+            <a:endParaRPr lang="ko-KR" altLang="en-US" sz="4400" b="1" dirty="0">
+              <a:solidFill>
+                <a:schemeClr val="bg1"/>
+              </a:solidFill>
+              <a:latin typeface="+mn-ea"/>
+              <a:ea typeface="+mn-ea"/>
+            </a:endParaRPr>
+          </a:p>
+          <a:p>
+            <a:pPr algn="ctr" eaLnBrk="1" latinLnBrk="1" hangingPunct="1">
+              <a:defRPr/>
+            </a:pPr>
+            <a:endParaRPr lang="ko-KR" altLang="en-US" sz="2100" dirty="0">
+              <a:solidFill>
+                <a:schemeClr val="bg1"/>
+              </a:solidFill>
+              <a:latin typeface="나눔스퀘어라운드 Bold" panose="020B0600000101010101" pitchFamily="50" charset="-127"/>
+              <a:ea typeface="나눔스퀘어라운드 Bold" panose="020B0600000101010101" pitchFamily="50" charset="-127"/>
+            </a:endParaRPr>
+          </a:p>
+        </p:txBody>
+      </p:sp>
+    </p:spTree>
+    <p:extLst>
+      <p:ext uri="{BB962C8B-B14F-4D97-AF65-F5344CB8AC3E}">
+        <p14:creationId xmlns:p14="http://schemas.microsoft.com/office/powerpoint/2010/main" val="4014119164"/>
+      </p:ext>
+    </p:extLst>
+  </p:cSld>
+  <p:clrMapOvr>
+    <a:masterClrMapping/>
+  </p:clrMapOvr>
+</p:sld>
+</file>
+
 <file path=ppt/slides/slide2.xml><?xml version="1.0" encoding="utf-8"?>
 <p:sld xmlns:a="http://schemas.openxmlformats.org/drawingml/2006/main" xmlns:r="http://schemas.openxmlformats.org/officeDocument/2006/relationships" xmlns:p="http://schemas.openxmlformats.org/presentationml/2006/main">
   <p:cSld>
@@ -9824,7 +12412,7 @@
         </p:nvSpPr>
         <p:spPr>
           <a:xfrm>
-            <a:off x="3765177" y="4242565"/>
+            <a:off x="3765173" y="4042510"/>
             <a:ext cx="5179039" cy="400110"/>
           </a:xfrm>
           <a:prstGeom prst="rect">
@@ -14587,17 +17175,7 @@
                 <a:latin typeface="나눔스퀘어 Bold" panose="020B0600000101010101" pitchFamily="50" charset="-127"/>
                 <a:ea typeface="나눔스퀘어 Bold" panose="020B0600000101010101" pitchFamily="50" charset="-127"/>
               </a:rPr>
-              <a:t>프로토</a:t>
-            </a:r>
-            <a:r>
-              <a:rPr lang="ko-KR" altLang="en-US" sz="2000" dirty="0" err="1" smtClean="0">
-                <a:solidFill>
-                  <a:prstClr val="black"/>
-                </a:solidFill>
-                <a:latin typeface="나눔스퀘어 Bold" panose="020B0600000101010101" pitchFamily="50" charset="-127"/>
-                <a:ea typeface="나눔스퀘어 Bold" panose="020B0600000101010101" pitchFamily="50" charset="-127"/>
-              </a:rPr>
-              <a:t>타</a:t>
+              <a:t>프로토타</a:t>
             </a:r>
             <a:r>
               <a:rPr lang="ko-KR" altLang="en-US" sz="2000" dirty="0" err="1">
@@ -15184,7 +17762,11 @@
           <a:p>
             <a:r>
               <a:rPr lang="ko-KR" altLang="en-US" sz="1000" b="1" dirty="0" smtClean="0"/>
-              <a:t>커뮤니티 화면</a:t>
+              <a:t>커뮤니티 </a:t>
+            </a:r>
+            <a:r>
+              <a:rPr lang="ko-KR" altLang="en-US" sz="1000" b="1" dirty="0" smtClean="0"/>
+              <a:t>화면</a:t>
             </a:r>
             <a:r>
               <a:rPr lang="en-US" altLang="ko-KR" sz="1000" b="1" dirty="0" smtClean="0"/>
@@ -15246,82 +17828,1215 @@
       </p:grpSpPr>
       <p:sp>
         <p:nvSpPr>
-          <p:cNvPr id="2" name="Rectangle 239"/>
-          <p:cNvSpPr>
-            <a:spLocks noChangeArrowheads="1"/>
-          </p:cNvSpPr>
+          <p:cNvPr id="54" name="TextBox 53"/>
+          <p:cNvSpPr txBox="1"/>
           <p:nvPr/>
         </p:nvSpPr>
         <p:spPr>
           <a:xfrm>
-            <a:off x="1448826" y="2556499"/>
-            <a:ext cx="6426994" cy="641747"/>
+            <a:off x="1904115" y="472345"/>
+            <a:ext cx="1672253" cy="400110"/>
           </a:xfrm>
           <a:prstGeom prst="rect">
             <a:avLst/>
           </a:prstGeom>
           <a:noFill/>
-          <a:ln w="9525">
-            <a:noFill/>
-            <a:miter/>
+        </p:spPr>
+        <p:txBody>
+          <a:bodyPr wrap="none">
+            <a:spAutoFit/>
+          </a:bodyPr>
+          <a:lstStyle/>
+          <a:p>
+            <a:r>
+              <a:rPr lang="en-US" altLang="ko-KR" sz="2000" dirty="0" smtClean="0">
+                <a:solidFill>
+                  <a:prstClr val="black"/>
+                </a:solidFill>
+                <a:latin typeface="나눔스퀘어 Bold" panose="020B0600000101010101" pitchFamily="50" charset="-127"/>
+                <a:ea typeface="나눔스퀘어 Bold" panose="020B0600000101010101" pitchFamily="50" charset="-127"/>
+              </a:rPr>
+              <a:t>04. </a:t>
+            </a:r>
+            <a:r>
+              <a:rPr lang="en-US" altLang="ko-KR" sz="2000" b="1" dirty="0" err="1"/>
+              <a:t>Json</a:t>
+            </a:r>
+            <a:r>
+              <a:rPr lang="en-US" altLang="ko-KR" sz="2000" b="1" dirty="0"/>
+              <a:t> </a:t>
+            </a:r>
+            <a:r>
+              <a:rPr lang="ko-KR" altLang="en-US" sz="2000" b="1" dirty="0"/>
+              <a:t>형식</a:t>
+            </a:r>
+            <a:endParaRPr lang="ko-KR" altLang="en-US" sz="2000" b="1" dirty="0"/>
+          </a:p>
+        </p:txBody>
+      </p:sp>
+      <p:pic>
+        <p:nvPicPr>
+          <p:cNvPr id="37" name="그림 36">
+            <a:extLst>
+              <a:ext uri="{FF2B5EF4-FFF2-40B4-BE49-F238E27FC236}">
+                <a16:creationId xmlns:a16="http://schemas.microsoft.com/office/drawing/2014/main" xmlns="" id="{70E05654-BCBC-4524-9A92-264C1DA7A617}"/>
+              </a:ext>
+            </a:extLst>
+          </p:cNvPr>
+          <p:cNvPicPr>
+            <a:picLocks noChangeAspect="1"/>
+          </p:cNvPicPr>
+          <p:nvPr/>
+        </p:nvPicPr>
+        <p:blipFill>
+          <a:blip r:embed="rId2" cstate="print">
+            <a:lum bright="70000" contrast="-70000"/>
+            <a:extLst>
+              <a:ext uri="{28A0092B-C50C-407E-A947-70E740481C1C}">
+                <a14:useLocalDpi xmlns:a14="http://schemas.microsoft.com/office/drawing/2010/main" val="0"/>
+              </a:ext>
+            </a:extLst>
+          </a:blip>
+          <a:stretch>
+            <a:fillRect/>
+          </a:stretch>
+        </p:blipFill>
+        <p:spPr>
+          <a:xfrm>
+            <a:off x="184072" y="1778399"/>
+            <a:ext cx="625643" cy="625643"/>
+          </a:xfrm>
+          <a:prstGeom prst="rect">
+            <a:avLst/>
+          </a:prstGeom>
+        </p:spPr>
+      </p:pic>
+      <p:pic>
+        <p:nvPicPr>
+          <p:cNvPr id="39" name="그림 38">
+            <a:extLst>
+              <a:ext uri="{FF2B5EF4-FFF2-40B4-BE49-F238E27FC236}">
+                <a16:creationId xmlns:a16="http://schemas.microsoft.com/office/drawing/2014/main" xmlns="" id="{916400B3-91C4-4C1B-A681-ABD8D5BDF8C9}"/>
+              </a:ext>
+            </a:extLst>
+          </p:cNvPr>
+          <p:cNvPicPr>
+            <a:picLocks noChangeAspect="1"/>
+          </p:cNvPicPr>
+          <p:nvPr/>
+        </p:nvPicPr>
+        <p:blipFill>
+          <a:blip r:embed="rId3" cstate="print">
+            <a:lum bright="70000" contrast="-70000"/>
+            <a:extLst>
+              <a:ext uri="{28A0092B-C50C-407E-A947-70E740481C1C}">
+                <a14:useLocalDpi xmlns:a14="http://schemas.microsoft.com/office/drawing/2010/main" val="0"/>
+              </a:ext>
+            </a:extLst>
+          </a:blip>
+          <a:stretch>
+            <a:fillRect/>
+          </a:stretch>
+        </p:blipFill>
+        <p:spPr>
+          <a:xfrm>
+            <a:off x="262993" y="3216979"/>
+            <a:ext cx="467800" cy="467800"/>
+          </a:xfrm>
+          <a:prstGeom prst="rect">
+            <a:avLst/>
+          </a:prstGeom>
+        </p:spPr>
+      </p:pic>
+      <p:pic>
+        <p:nvPicPr>
+          <p:cNvPr id="40" name="그림 39">
+            <a:extLst>
+              <a:ext uri="{FF2B5EF4-FFF2-40B4-BE49-F238E27FC236}">
+                <a16:creationId xmlns:a16="http://schemas.microsoft.com/office/drawing/2014/main" xmlns="" id="{02F3A68E-CE10-41CF-A039-9A1F88D554F6}"/>
+              </a:ext>
+            </a:extLst>
+          </p:cNvPr>
+          <p:cNvPicPr>
+            <a:picLocks noChangeAspect="1"/>
+          </p:cNvPicPr>
+          <p:nvPr/>
+        </p:nvPicPr>
+        <p:blipFill>
+          <a:blip r:embed="rId4" cstate="print">
+            <a:lum bright="70000" contrast="-70000"/>
+            <a:extLst>
+              <a:ext uri="{28A0092B-C50C-407E-A947-70E740481C1C}">
+                <a14:useLocalDpi xmlns:a14="http://schemas.microsoft.com/office/drawing/2010/main" val="0"/>
+              </a:ext>
+            </a:extLst>
+          </a:blip>
+          <a:stretch>
+            <a:fillRect/>
+          </a:stretch>
+        </p:blipFill>
+        <p:spPr>
+          <a:xfrm>
+            <a:off x="284257" y="3940287"/>
+            <a:ext cx="451472" cy="451472"/>
+          </a:xfrm>
+          <a:prstGeom prst="rect">
+            <a:avLst/>
+          </a:prstGeom>
+        </p:spPr>
+      </p:pic>
+      <p:pic>
+        <p:nvPicPr>
+          <p:cNvPr id="41" name="그림 40">
+            <a:extLst>
+              <a:ext uri="{FF2B5EF4-FFF2-40B4-BE49-F238E27FC236}">
+                <a16:creationId xmlns:a16="http://schemas.microsoft.com/office/drawing/2014/main" xmlns="" id="{D53452B1-ABA5-48F9-AF1E-DBED3545F5B4}"/>
+              </a:ext>
+            </a:extLst>
+          </p:cNvPr>
+          <p:cNvPicPr>
+            <a:picLocks noChangeAspect="1"/>
+          </p:cNvPicPr>
+          <p:nvPr/>
+        </p:nvPicPr>
+        <p:blipFill>
+          <a:blip r:embed="rId5" cstate="print">
+            <a:lum bright="70000" contrast="-70000"/>
+            <a:extLst>
+              <a:ext uri="{28A0092B-C50C-407E-A947-70E740481C1C}">
+                <a14:useLocalDpi xmlns:a14="http://schemas.microsoft.com/office/drawing/2010/main" val="0"/>
+              </a:ext>
+            </a:extLst>
+          </a:blip>
+          <a:stretch>
+            <a:fillRect/>
+          </a:stretch>
+        </p:blipFill>
+        <p:spPr>
+          <a:xfrm>
+            <a:off x="262993" y="4673287"/>
+            <a:ext cx="434729" cy="434729"/>
+          </a:xfrm>
+          <a:prstGeom prst="rect">
+            <a:avLst/>
+          </a:prstGeom>
+        </p:spPr>
+      </p:pic>
+      <p:pic>
+        <p:nvPicPr>
+          <p:cNvPr id="42" name="그림 41">
+            <a:extLst>
+              <a:ext uri="{FF2B5EF4-FFF2-40B4-BE49-F238E27FC236}">
+                <a16:creationId xmlns:a16="http://schemas.microsoft.com/office/drawing/2014/main" xmlns="" id="{0609759E-5532-43AC-8D1C-B3776E9C8EAF}"/>
+              </a:ext>
+            </a:extLst>
+          </p:cNvPr>
+          <p:cNvPicPr>
+            <a:picLocks noChangeAspect="1"/>
+          </p:cNvPicPr>
+          <p:nvPr/>
+        </p:nvPicPr>
+        <p:blipFill>
+          <a:blip r:embed="rId6" cstate="print">
+            <a:lum bright="70000" contrast="-70000"/>
+            <a:extLst>
+              <a:ext uri="{28A0092B-C50C-407E-A947-70E740481C1C}">
+                <a14:useLocalDpi xmlns:a14="http://schemas.microsoft.com/office/drawing/2010/main" val="0"/>
+              </a:ext>
+            </a:extLst>
+          </a:blip>
+          <a:stretch>
+            <a:fillRect/>
+          </a:stretch>
+        </p:blipFill>
+        <p:spPr>
+          <a:xfrm>
+            <a:off x="280962" y="5330868"/>
+            <a:ext cx="470266" cy="470266"/>
+          </a:xfrm>
+          <a:prstGeom prst="rect">
+            <a:avLst/>
+          </a:prstGeom>
+        </p:spPr>
+      </p:pic>
+      <p:pic>
+        <p:nvPicPr>
+          <p:cNvPr id="22" name="그림 21"/>
+          <p:cNvPicPr>
+            <a:picLocks noChangeAspect="1"/>
+          </p:cNvPicPr>
+          <p:nvPr/>
+        </p:nvPicPr>
+        <p:blipFill>
+          <a:blip r:embed="rId7" cstate="print">
+            <a:lum bright="70000" contrast="-70000"/>
+            <a:extLst>
+              <a:ext uri="{28A0092B-C50C-407E-A947-70E740481C1C}">
+                <a14:useLocalDpi xmlns:a14="http://schemas.microsoft.com/office/drawing/2010/main" val="0"/>
+              </a:ext>
+            </a:extLst>
+          </a:blip>
+          <a:stretch>
+            <a:fillRect/>
+          </a:stretch>
+        </p:blipFill>
+        <p:spPr>
+          <a:xfrm>
+            <a:off x="205355" y="1049701"/>
+            <a:ext cx="588852" cy="588852"/>
+          </a:xfrm>
+          <a:prstGeom prst="rect">
+            <a:avLst/>
+          </a:prstGeom>
+        </p:spPr>
+      </p:pic>
+      <p:pic>
+        <p:nvPicPr>
+          <p:cNvPr id="24" name="그림 23">
+            <a:extLst>
+              <a:ext uri="{FF2B5EF4-FFF2-40B4-BE49-F238E27FC236}">
+                <a16:creationId xmlns:a16="http://schemas.microsoft.com/office/drawing/2014/main" xmlns="" id="{4C81044B-815A-416A-A1A1-5AE8439E1F18}"/>
+              </a:ext>
+            </a:extLst>
+          </p:cNvPr>
+          <p:cNvPicPr>
+            <a:picLocks noChangeAspect="1"/>
+          </p:cNvPicPr>
+          <p:nvPr/>
+        </p:nvPicPr>
+        <p:blipFill rotWithShape="1">
+          <a:blip r:embed="rId8" cstate="print">
+            <a:lum bright="70000" contrast="-70000"/>
+            <a:extLst>
+              <a:ext uri="{28A0092B-C50C-407E-A947-70E740481C1C}">
+                <a14:useLocalDpi xmlns:a14="http://schemas.microsoft.com/office/drawing/2010/main" val="0"/>
+              </a:ext>
+            </a:extLst>
+          </a:blip>
+          <a:srcRect l="4346" t="45154" r="-1" b="-2"/>
+          <a:stretch/>
+        </p:blipFill>
+        <p:spPr>
+          <a:xfrm>
+            <a:off x="208348" y="2660876"/>
+            <a:ext cx="620519" cy="355800"/>
+          </a:xfrm>
+          <a:prstGeom prst="rect">
+            <a:avLst/>
+          </a:prstGeom>
+        </p:spPr>
+      </p:pic>
+      <p:grpSp>
+        <p:nvGrpSpPr>
+          <p:cNvPr id="25" name="그룹 24"/>
+          <p:cNvGrpSpPr/>
+          <p:nvPr/>
+        </p:nvGrpSpPr>
+        <p:grpSpPr>
+          <a:xfrm>
+            <a:off x="185365" y="3221550"/>
+            <a:ext cx="553212" cy="478246"/>
+            <a:chOff x="286675" y="1057144"/>
+            <a:chExt cx="737616" cy="637661"/>
+          </a:xfrm>
+        </p:grpSpPr>
+        <p:sp>
+          <p:nvSpPr>
+            <p:cNvPr id="26" name="직사각형 25"/>
+            <p:cNvSpPr/>
+            <p:nvPr/>
+          </p:nvSpPr>
+          <p:spPr>
+            <a:xfrm>
+              <a:off x="286675" y="1057144"/>
+              <a:ext cx="75474" cy="637661"/>
+            </a:xfrm>
+            <a:prstGeom prst="rect">
+              <a:avLst/>
+            </a:prstGeom>
+            <a:solidFill>
+              <a:srgbClr val="DA9B00"/>
+            </a:solidFill>
+            <a:ln>
+              <a:noFill/>
+            </a:ln>
+          </p:spPr>
+          <p:style>
+            <a:lnRef idx="2">
+              <a:schemeClr val="accent1">
+                <a:shade val="50000"/>
+              </a:schemeClr>
+            </a:lnRef>
+            <a:fillRef idx="1">
+              <a:schemeClr val="accent1"/>
+            </a:fillRef>
+            <a:effectRef idx="0">
+              <a:schemeClr val="accent1"/>
+            </a:effectRef>
+            <a:fontRef idx="minor">
+              <a:schemeClr val="lt1"/>
+            </a:fontRef>
+          </p:style>
+          <p:txBody>
+            <a:bodyPr rtlCol="0" anchor="ctr"/>
+            <a:lstStyle/>
+            <a:p>
+              <a:pPr algn="ctr"/>
+              <a:endParaRPr lang="ko-KR" altLang="en-US" sz="1350"/>
+            </a:p>
+          </p:txBody>
+        </p:sp>
+        <p:cxnSp>
+          <p:nvCxnSpPr>
+            <p:cNvPr id="27" name="직선 연결선 26"/>
+            <p:cNvCxnSpPr/>
+            <p:nvPr/>
+          </p:nvCxnSpPr>
+          <p:spPr>
+            <a:xfrm>
+              <a:off x="286675" y="1057144"/>
+              <a:ext cx="737616" cy="0"/>
+            </a:xfrm>
+            <a:prstGeom prst="line">
+              <a:avLst/>
+            </a:prstGeom>
+            <a:ln w="12700">
+              <a:solidFill>
+                <a:srgbClr val="DA9B00"/>
+              </a:solidFill>
+            </a:ln>
+          </p:spPr>
+          <p:style>
+            <a:lnRef idx="1">
+              <a:schemeClr val="accent1"/>
+            </a:lnRef>
+            <a:fillRef idx="0">
+              <a:schemeClr val="accent1"/>
+            </a:fillRef>
+            <a:effectRef idx="0">
+              <a:schemeClr val="accent1"/>
+            </a:effectRef>
+            <a:fontRef idx="minor">
+              <a:schemeClr val="tx1"/>
+            </a:fontRef>
+          </p:style>
+        </p:cxnSp>
+        <p:cxnSp>
+          <p:nvCxnSpPr>
+            <p:cNvPr id="28" name="직선 연결선 27"/>
+            <p:cNvCxnSpPr/>
+            <p:nvPr/>
+          </p:nvCxnSpPr>
+          <p:spPr>
+            <a:xfrm>
+              <a:off x="286675" y="1694805"/>
+              <a:ext cx="737616" cy="0"/>
+            </a:xfrm>
+            <a:prstGeom prst="line">
+              <a:avLst/>
+            </a:prstGeom>
+            <a:ln w="12700">
+              <a:solidFill>
+                <a:srgbClr val="DA9B00"/>
+              </a:solidFill>
+            </a:ln>
+          </p:spPr>
+          <p:style>
+            <a:lnRef idx="1">
+              <a:schemeClr val="accent1"/>
+            </a:lnRef>
+            <a:fillRef idx="0">
+              <a:schemeClr val="accent1"/>
+            </a:fillRef>
+            <a:effectRef idx="0">
+              <a:schemeClr val="accent1"/>
+            </a:effectRef>
+            <a:fontRef idx="minor">
+              <a:schemeClr val="tx1"/>
+            </a:fontRef>
+          </p:style>
+        </p:cxnSp>
+      </p:grpSp>
+      <p:pic>
+        <p:nvPicPr>
+          <p:cNvPr id="29" name="그림 28"/>
+          <p:cNvPicPr>
+            <a:picLocks noChangeAspect="1"/>
+          </p:cNvPicPr>
+          <p:nvPr/>
+        </p:nvPicPr>
+        <p:blipFill>
+          <a:blip r:embed="rId3" cstate="print">
+            <a:duotone>
+              <a:schemeClr val="accent4">
+                <a:shade val="45000"/>
+                <a:satMod val="135000"/>
+              </a:schemeClr>
+              <a:prstClr val="white"/>
+            </a:duotone>
+            <a:extLst>
+              <a:ext uri="{28A0092B-C50C-407E-A947-70E740481C1C}">
+                <a14:useLocalDpi xmlns:a14="http://schemas.microsoft.com/office/drawing/2010/main" val="0"/>
+              </a:ext>
+            </a:extLst>
+          </a:blip>
+          <a:stretch>
+            <a:fillRect/>
+          </a:stretch>
+        </p:blipFill>
+        <p:spPr>
+          <a:xfrm>
+            <a:off x="265335" y="3219179"/>
+            <a:ext cx="467800" cy="467800"/>
+          </a:xfrm>
+          <a:prstGeom prst="rect">
+            <a:avLst/>
+          </a:prstGeom>
+        </p:spPr>
+      </p:pic>
+      <p:sp>
+        <p:nvSpPr>
+          <p:cNvPr id="36" name="TextBox 35"/>
+          <p:cNvSpPr txBox="1"/>
+          <p:nvPr/>
+        </p:nvSpPr>
+        <p:spPr>
+          <a:xfrm>
+            <a:off x="1140228" y="1190357"/>
+            <a:ext cx="4431516" cy="584775"/>
+          </a:xfrm>
+          <a:prstGeom prst="rect">
+            <a:avLst/>
+          </a:prstGeom>
+          <a:noFill/>
+        </p:spPr>
+        <p:txBody>
+          <a:bodyPr wrap="square" rtlCol="0">
+            <a:spAutoFit/>
+          </a:bodyPr>
+          <a:lstStyle/>
+          <a:p>
+            <a:r>
+              <a:rPr lang="en-US" altLang="ko-KR" sz="3200" b="1" dirty="0" err="1" smtClean="0"/>
+              <a:t>Json</a:t>
+            </a:r>
+            <a:r>
+              <a:rPr lang="en-US" altLang="ko-KR" sz="3200" b="1" dirty="0" smtClean="0"/>
+              <a:t> </a:t>
+            </a:r>
+            <a:r>
+              <a:rPr lang="ko-KR" altLang="en-US" sz="3200" b="1" dirty="0" smtClean="0"/>
+              <a:t>형식 </a:t>
+            </a:r>
+            <a:r>
+              <a:rPr lang="en-US" altLang="ko-KR" sz="3200" b="1" dirty="0" smtClean="0"/>
+              <a:t>(</a:t>
+            </a:r>
+            <a:r>
+              <a:rPr lang="ko-KR" altLang="en-US" sz="3200" b="1" dirty="0" smtClean="0"/>
+              <a:t>영상 </a:t>
+            </a:r>
+            <a:r>
+              <a:rPr lang="ko-KR" altLang="en-US" sz="3200" b="1" dirty="0" err="1" smtClean="0"/>
+              <a:t>로딩시</a:t>
+            </a:r>
+            <a:r>
+              <a:rPr lang="en-US" altLang="ko-KR" sz="3200" b="1" dirty="0" smtClean="0"/>
+              <a:t>)</a:t>
+            </a:r>
+            <a:endParaRPr lang="ko-KR" altLang="en-US" sz="3200" b="1" dirty="0"/>
+          </a:p>
+        </p:txBody>
+      </p:sp>
+      <p:sp>
+        <p:nvSpPr>
+          <p:cNvPr id="5" name="직사각형 4"/>
+          <p:cNvSpPr/>
+          <p:nvPr/>
+        </p:nvSpPr>
+        <p:spPr>
+          <a:xfrm>
+            <a:off x="5139973" y="2081498"/>
+            <a:ext cx="1255776" cy="569656"/>
+          </a:xfrm>
+          <a:prstGeom prst="rect">
+            <a:avLst/>
+          </a:prstGeom>
+        </p:spPr>
+        <p:style>
+          <a:lnRef idx="2">
+            <a:schemeClr val="accent1">
+              <a:shade val="50000"/>
+            </a:schemeClr>
+          </a:lnRef>
+          <a:fillRef idx="1">
+            <a:schemeClr val="accent1"/>
+          </a:fillRef>
+          <a:effectRef idx="0">
+            <a:schemeClr val="accent1"/>
+          </a:effectRef>
+          <a:fontRef idx="minor">
+            <a:schemeClr val="lt1"/>
+          </a:fontRef>
+        </p:style>
+        <p:txBody>
+          <a:bodyPr rtlCol="0" anchor="ctr"/>
+          <a:lstStyle/>
+          <a:p>
+            <a:pPr algn="ctr"/>
+            <a:r>
+              <a:rPr lang="en-US" altLang="ko-KR" dirty="0" smtClean="0"/>
+              <a:t>Writer</a:t>
+            </a:r>
+          </a:p>
+        </p:txBody>
+      </p:sp>
+      <p:sp>
+        <p:nvSpPr>
+          <p:cNvPr id="23" name="직사각형 22"/>
+          <p:cNvSpPr/>
+          <p:nvPr/>
+        </p:nvSpPr>
+        <p:spPr>
+          <a:xfrm>
+            <a:off x="5158537" y="5577980"/>
+            <a:ext cx="1255776" cy="569656"/>
+          </a:xfrm>
+          <a:prstGeom prst="rect">
+            <a:avLst/>
+          </a:prstGeom>
+        </p:spPr>
+        <p:style>
+          <a:lnRef idx="2">
+            <a:schemeClr val="accent1">
+              <a:shade val="50000"/>
+            </a:schemeClr>
+          </a:lnRef>
+          <a:fillRef idx="1">
+            <a:schemeClr val="accent1"/>
+          </a:fillRef>
+          <a:effectRef idx="0">
+            <a:schemeClr val="accent1"/>
+          </a:effectRef>
+          <a:fontRef idx="minor">
+            <a:schemeClr val="lt1"/>
+          </a:fontRef>
+        </p:style>
+        <p:txBody>
+          <a:bodyPr rtlCol="0" anchor="ctr"/>
+          <a:lstStyle/>
+          <a:p>
+            <a:pPr algn="ctr"/>
+            <a:r>
+              <a:rPr lang="en-US" altLang="ko-KR" dirty="0" err="1"/>
+              <a:t>thumbnailUrl</a:t>
+            </a:r>
+            <a:endParaRPr lang="ko-KR" altLang="en-US" dirty="0"/>
+          </a:p>
+        </p:txBody>
+      </p:sp>
+      <p:sp>
+        <p:nvSpPr>
+          <p:cNvPr id="30" name="직사각형 29"/>
+          <p:cNvSpPr/>
+          <p:nvPr/>
+        </p:nvSpPr>
+        <p:spPr>
+          <a:xfrm>
+            <a:off x="5139973" y="2801060"/>
+            <a:ext cx="1255776" cy="569656"/>
+          </a:xfrm>
+          <a:prstGeom prst="rect">
+            <a:avLst/>
+          </a:prstGeom>
+        </p:spPr>
+        <p:style>
+          <a:lnRef idx="2">
+            <a:schemeClr val="accent1">
+              <a:shade val="50000"/>
+            </a:schemeClr>
+          </a:lnRef>
+          <a:fillRef idx="1">
+            <a:schemeClr val="accent1"/>
+          </a:fillRef>
+          <a:effectRef idx="0">
+            <a:schemeClr val="accent1"/>
+          </a:effectRef>
+          <a:fontRef idx="minor">
+            <a:schemeClr val="lt1"/>
+          </a:fontRef>
+        </p:style>
+        <p:txBody>
+          <a:bodyPr rtlCol="0" anchor="ctr"/>
+          <a:lstStyle/>
+          <a:p>
+            <a:pPr algn="ctr"/>
+            <a:r>
+              <a:rPr lang="en-US" altLang="ko-KR" dirty="0" err="1" smtClean="0"/>
+              <a:t>writerTitle</a:t>
+            </a:r>
+            <a:endParaRPr lang="en-US" altLang="ko-KR" dirty="0" smtClean="0"/>
+          </a:p>
+        </p:txBody>
+      </p:sp>
+      <p:sp>
+        <p:nvSpPr>
+          <p:cNvPr id="31" name="직사각형 30"/>
+          <p:cNvSpPr/>
+          <p:nvPr/>
+        </p:nvSpPr>
+        <p:spPr>
+          <a:xfrm>
+            <a:off x="5155351" y="4898467"/>
+            <a:ext cx="1255776" cy="569656"/>
+          </a:xfrm>
+          <a:prstGeom prst="rect">
+            <a:avLst/>
+          </a:prstGeom>
+        </p:spPr>
+        <p:style>
+          <a:lnRef idx="2">
+            <a:schemeClr val="accent1">
+              <a:shade val="50000"/>
+            </a:schemeClr>
+          </a:lnRef>
+          <a:fillRef idx="1">
+            <a:schemeClr val="accent1"/>
+          </a:fillRef>
+          <a:effectRef idx="0">
+            <a:schemeClr val="accent1"/>
+          </a:effectRef>
+          <a:fontRef idx="minor">
+            <a:schemeClr val="lt1"/>
+          </a:fontRef>
+        </p:style>
+        <p:txBody>
+          <a:bodyPr rtlCol="0" anchor="ctr"/>
+          <a:lstStyle/>
+          <a:p>
+            <a:pPr algn="ctr"/>
+            <a:r>
+              <a:rPr lang="en-US" altLang="ko-KR" dirty="0" err="1"/>
+              <a:t>linkChannel</a:t>
+            </a:r>
+            <a:endParaRPr lang="ko-KR" altLang="en-US" dirty="0"/>
+          </a:p>
+        </p:txBody>
+      </p:sp>
+      <p:sp>
+        <p:nvSpPr>
+          <p:cNvPr id="32" name="직사각형 31"/>
+          <p:cNvSpPr/>
+          <p:nvPr/>
+        </p:nvSpPr>
+        <p:spPr>
+          <a:xfrm>
+            <a:off x="5139973" y="3492877"/>
+            <a:ext cx="1255776" cy="569656"/>
+          </a:xfrm>
+          <a:prstGeom prst="rect">
+            <a:avLst/>
+          </a:prstGeom>
+        </p:spPr>
+        <p:style>
+          <a:lnRef idx="2">
+            <a:schemeClr val="accent1">
+              <a:shade val="50000"/>
+            </a:schemeClr>
+          </a:lnRef>
+          <a:fillRef idx="1">
+            <a:schemeClr val="accent1"/>
+          </a:fillRef>
+          <a:effectRef idx="0">
+            <a:schemeClr val="accent1"/>
+          </a:effectRef>
+          <a:fontRef idx="minor">
+            <a:schemeClr val="lt1"/>
+          </a:fontRef>
+        </p:style>
+        <p:txBody>
+          <a:bodyPr rtlCol="0" anchor="ctr"/>
+          <a:lstStyle/>
+          <a:p>
+            <a:pPr algn="ctr"/>
+            <a:r>
+              <a:rPr lang="en-US" altLang="ko-KR" dirty="0" err="1"/>
+              <a:t>linkUrl</a:t>
+            </a:r>
+            <a:endParaRPr lang="ko-KR" altLang="en-US" dirty="0"/>
+          </a:p>
+        </p:txBody>
+      </p:sp>
+      <p:sp>
+        <p:nvSpPr>
+          <p:cNvPr id="33" name="직사각형 32"/>
+          <p:cNvSpPr/>
+          <p:nvPr/>
+        </p:nvSpPr>
+        <p:spPr>
+          <a:xfrm>
+            <a:off x="5158537" y="4187399"/>
+            <a:ext cx="1255776" cy="569656"/>
+          </a:xfrm>
+          <a:prstGeom prst="rect">
+            <a:avLst/>
+          </a:prstGeom>
+        </p:spPr>
+        <p:style>
+          <a:lnRef idx="2">
+            <a:schemeClr val="accent1">
+              <a:shade val="50000"/>
+            </a:schemeClr>
+          </a:lnRef>
+          <a:fillRef idx="1">
+            <a:schemeClr val="accent1"/>
+          </a:fillRef>
+          <a:effectRef idx="0">
+            <a:schemeClr val="accent1"/>
+          </a:effectRef>
+          <a:fontRef idx="minor">
+            <a:schemeClr val="lt1"/>
+          </a:fontRef>
+        </p:style>
+        <p:txBody>
+          <a:bodyPr rtlCol="0" anchor="ctr"/>
+          <a:lstStyle/>
+          <a:p>
+            <a:pPr algn="ctr"/>
+            <a:r>
+              <a:rPr lang="en-US" altLang="ko-KR" dirty="0" err="1" smtClean="0"/>
+              <a:t>linkTitle</a:t>
+            </a:r>
+            <a:endParaRPr lang="en-US" altLang="ko-KR" dirty="0" smtClean="0"/>
+          </a:p>
+        </p:txBody>
+      </p:sp>
+      <p:sp>
+        <p:nvSpPr>
+          <p:cNvPr id="34" name="직사각형 33"/>
+          <p:cNvSpPr/>
+          <p:nvPr/>
+        </p:nvSpPr>
+        <p:spPr>
+          <a:xfrm>
+            <a:off x="6773701" y="2081498"/>
+            <a:ext cx="1255776" cy="569656"/>
+          </a:xfrm>
+          <a:prstGeom prst="rect">
+            <a:avLst/>
+          </a:prstGeom>
+        </p:spPr>
+        <p:style>
+          <a:lnRef idx="2">
+            <a:schemeClr val="accent1">
+              <a:shade val="50000"/>
+            </a:schemeClr>
+          </a:lnRef>
+          <a:fillRef idx="1">
+            <a:schemeClr val="accent1"/>
+          </a:fillRef>
+          <a:effectRef idx="0">
+            <a:schemeClr val="accent1"/>
+          </a:effectRef>
+          <a:fontRef idx="minor">
+            <a:schemeClr val="lt1"/>
+          </a:fontRef>
+        </p:style>
+        <p:txBody>
+          <a:bodyPr rtlCol="0" anchor="ctr"/>
+          <a:lstStyle/>
+          <a:p>
+            <a:pPr algn="ctr"/>
+            <a:r>
+              <a:rPr lang="en-US" altLang="ko-KR" dirty="0" err="1" smtClean="0"/>
+              <a:t>likeCount</a:t>
+            </a:r>
+            <a:endParaRPr lang="en-US" altLang="ko-KR" dirty="0" smtClean="0"/>
+          </a:p>
+        </p:txBody>
+      </p:sp>
+      <p:sp>
+        <p:nvSpPr>
+          <p:cNvPr id="35" name="직사각형 34"/>
+          <p:cNvSpPr/>
+          <p:nvPr/>
+        </p:nvSpPr>
+        <p:spPr>
+          <a:xfrm>
+            <a:off x="6773701" y="2801060"/>
+            <a:ext cx="1255776" cy="569656"/>
+          </a:xfrm>
+          <a:prstGeom prst="rect">
+            <a:avLst/>
+          </a:prstGeom>
+        </p:spPr>
+        <p:style>
+          <a:lnRef idx="2">
+            <a:schemeClr val="accent1">
+              <a:shade val="50000"/>
+            </a:schemeClr>
+          </a:lnRef>
+          <a:fillRef idx="1">
+            <a:schemeClr val="accent1"/>
+          </a:fillRef>
+          <a:effectRef idx="0">
+            <a:schemeClr val="accent1"/>
+          </a:effectRef>
+          <a:fontRef idx="minor">
+            <a:schemeClr val="lt1"/>
+          </a:fontRef>
+        </p:style>
+        <p:txBody>
+          <a:bodyPr rtlCol="0" anchor="ctr"/>
+          <a:lstStyle/>
+          <a:p>
+            <a:pPr algn="ctr"/>
+            <a:r>
+              <a:rPr lang="en-US" altLang="ko-KR" dirty="0" err="1" smtClean="0"/>
+              <a:t>dislikeCount</a:t>
+            </a:r>
+            <a:endParaRPr lang="en-US" altLang="ko-KR" dirty="0" smtClean="0"/>
+          </a:p>
+        </p:txBody>
+      </p:sp>
+      <p:sp>
+        <p:nvSpPr>
+          <p:cNvPr id="38" name="직사각형 37"/>
+          <p:cNvSpPr/>
+          <p:nvPr/>
+        </p:nvSpPr>
+        <p:spPr>
+          <a:xfrm>
+            <a:off x="6773701" y="3474482"/>
+            <a:ext cx="1255776" cy="569656"/>
+          </a:xfrm>
+          <a:prstGeom prst="rect">
+            <a:avLst/>
+          </a:prstGeom>
+        </p:spPr>
+        <p:style>
+          <a:lnRef idx="2">
+            <a:schemeClr val="accent1">
+              <a:shade val="50000"/>
+            </a:schemeClr>
+          </a:lnRef>
+          <a:fillRef idx="1">
+            <a:schemeClr val="accent1"/>
+          </a:fillRef>
+          <a:effectRef idx="0">
+            <a:schemeClr val="accent1"/>
+          </a:effectRef>
+          <a:fontRef idx="minor">
+            <a:schemeClr val="lt1"/>
+          </a:fontRef>
+        </p:style>
+        <p:txBody>
+          <a:bodyPr rtlCol="0" anchor="ctr"/>
+          <a:lstStyle/>
+          <a:p>
+            <a:pPr algn="ctr"/>
+            <a:r>
+              <a:rPr lang="en-US" altLang="ko-KR" dirty="0" err="1" smtClean="0"/>
+              <a:t>fireCount</a:t>
+            </a:r>
+            <a:endParaRPr lang="en-US" altLang="ko-KR" dirty="0" smtClean="0"/>
+          </a:p>
+        </p:txBody>
+      </p:sp>
+      <p:sp>
+        <p:nvSpPr>
+          <p:cNvPr id="44" name="TextBox 43"/>
+          <p:cNvSpPr txBox="1"/>
+          <p:nvPr/>
+        </p:nvSpPr>
+        <p:spPr>
+          <a:xfrm>
+            <a:off x="6184373" y="1768677"/>
+            <a:ext cx="4557690" cy="369332"/>
+          </a:xfrm>
+          <a:prstGeom prst="rect">
+            <a:avLst/>
+          </a:prstGeom>
+          <a:noFill/>
+        </p:spPr>
+        <p:txBody>
+          <a:bodyPr wrap="square" rtlCol="0">
+            <a:spAutoFit/>
+          </a:bodyPr>
+          <a:lstStyle/>
+          <a:p>
+            <a:r>
+              <a:rPr lang="ko-KR" altLang="en-US" b="1" dirty="0" smtClean="0"/>
+              <a:t>서버</a:t>
+            </a:r>
+            <a:endParaRPr lang="ko-KR" altLang="en-US" b="1" dirty="0"/>
+          </a:p>
+        </p:txBody>
+      </p:sp>
+      <p:cxnSp>
+        <p:nvCxnSpPr>
+          <p:cNvPr id="3" name="직선 화살표 연결선 2"/>
+          <p:cNvCxnSpPr/>
+          <p:nvPr/>
+        </p:nvCxnSpPr>
+        <p:spPr>
+          <a:xfrm>
+            <a:off x="3197333" y="3085888"/>
+            <a:ext cx="1658112" cy="0"/>
+          </a:xfrm>
+          <a:prstGeom prst="straightConnector1">
+            <a:avLst/>
+          </a:prstGeom>
+          <a:ln>
+            <a:tailEnd type="arrow"/>
           </a:ln>
-          <a:effectLst>
-            <a:outerShdw blurRad="50800" dist="38100" dir="2700000" algn="tl" rotWithShape="0">
-              <a:prstClr val="black"/>
-            </a:outerShdw>
-          </a:effectLst>
-        </p:spPr>
-        <p:txBody>
-          <a:bodyPr/>
+        </p:spPr>
+        <p:style>
+          <a:lnRef idx="1">
+            <a:schemeClr val="accent1"/>
+          </a:lnRef>
+          <a:fillRef idx="0">
+            <a:schemeClr val="accent1"/>
+          </a:fillRef>
+          <a:effectRef idx="0">
+            <a:schemeClr val="accent1"/>
+          </a:effectRef>
+          <a:fontRef idx="minor">
+            <a:schemeClr val="tx1"/>
+          </a:fontRef>
+        </p:style>
+      </p:cxnSp>
+      <p:sp>
+        <p:nvSpPr>
+          <p:cNvPr id="4" name="직사각형 3"/>
+          <p:cNvSpPr/>
+          <p:nvPr/>
+        </p:nvSpPr>
+        <p:spPr>
+          <a:xfrm>
+            <a:off x="4855445" y="1765410"/>
+            <a:ext cx="3364992" cy="4576900"/>
+          </a:xfrm>
+          <a:prstGeom prst="rect">
+            <a:avLst/>
+          </a:prstGeom>
+          <a:noFill/>
+        </p:spPr>
+        <p:style>
+          <a:lnRef idx="2">
+            <a:schemeClr val="accent1">
+              <a:shade val="50000"/>
+            </a:schemeClr>
+          </a:lnRef>
+          <a:fillRef idx="1">
+            <a:schemeClr val="accent1"/>
+          </a:fillRef>
+          <a:effectRef idx="0">
+            <a:schemeClr val="accent1"/>
+          </a:effectRef>
+          <a:fontRef idx="minor">
+            <a:schemeClr val="lt1"/>
+          </a:fontRef>
+        </p:style>
+        <p:txBody>
+          <a:bodyPr rtlCol="0" anchor="ctr"/>
           <a:lstStyle/>
           <a:p>
-            <a:pPr marL="0" marR="0" lvl="0" indent="0" algn="ctr" defTabSz="457200" rtl="0" eaLnBrk="1" fontAlgn="auto" latinLnBrk="1" hangingPunct="1">
-              <a:lnSpc>
-                <a:spcPct val="90000"/>
-              </a:lnSpc>
-              <a:spcBef>
-                <a:spcPts val="0"/>
-              </a:spcBef>
-              <a:spcAft>
-                <a:spcPts val="0"/>
-              </a:spcAft>
-              <a:buClrTx/>
-              <a:buSzTx/>
-              <a:buFontTx/>
-              <a:buNone/>
-              <a:tabLst/>
-              <a:defRPr/>
+            <a:pPr algn="ctr"/>
+            <a:endParaRPr lang="ko-KR" altLang="en-US"/>
+          </a:p>
+        </p:txBody>
+      </p:sp>
+      <p:cxnSp>
+        <p:nvCxnSpPr>
+          <p:cNvPr id="7" name="직선 화살표 연결선 6"/>
+          <p:cNvCxnSpPr>
+            <a:stCxn id="4" idx="1"/>
+          </p:cNvCxnSpPr>
+          <p:nvPr/>
+        </p:nvCxnSpPr>
+        <p:spPr>
+          <a:xfrm flipH="1">
+            <a:off x="3197333" y="4053860"/>
+            <a:ext cx="1658112" cy="0"/>
+          </a:xfrm>
+          <a:prstGeom prst="straightConnector1">
+            <a:avLst/>
+          </a:prstGeom>
+          <a:ln>
+            <a:tailEnd type="arrow"/>
+          </a:ln>
+        </p:spPr>
+        <p:style>
+          <a:lnRef idx="1">
+            <a:schemeClr val="accent1"/>
+          </a:lnRef>
+          <a:fillRef idx="0">
+            <a:schemeClr val="accent1"/>
+          </a:fillRef>
+          <a:effectRef idx="0">
+            <a:schemeClr val="accent1"/>
+          </a:effectRef>
+          <a:fontRef idx="minor">
+            <a:schemeClr val="tx1"/>
+          </a:fontRef>
+        </p:style>
+      </p:cxnSp>
+      <p:sp>
+        <p:nvSpPr>
+          <p:cNvPr id="8" name="TextBox 7"/>
+          <p:cNvSpPr txBox="1"/>
+          <p:nvPr/>
+        </p:nvSpPr>
+        <p:spPr>
+          <a:xfrm>
+            <a:off x="1752857" y="3406518"/>
+            <a:ext cx="1645920" cy="369332"/>
+          </a:xfrm>
+          <a:prstGeom prst="rect">
+            <a:avLst/>
+          </a:prstGeom>
+          <a:noFill/>
+        </p:spPr>
+        <p:txBody>
+          <a:bodyPr wrap="square" rtlCol="0">
+            <a:spAutoFit/>
+          </a:bodyPr>
+          <a:lstStyle/>
+          <a:p>
+            <a:r>
+              <a:rPr lang="ko-KR" altLang="en-US" smtClean="0"/>
+              <a:t>클라이언트</a:t>
+            </a:r>
+            <a:endParaRPr lang="ko-KR" altLang="en-US"/>
+          </a:p>
+        </p:txBody>
+      </p:sp>
+      <p:sp>
+        <p:nvSpPr>
+          <p:cNvPr id="9" name="직사각형 8"/>
+          <p:cNvSpPr/>
+          <p:nvPr/>
+        </p:nvSpPr>
+        <p:spPr>
+          <a:xfrm>
+            <a:off x="1648949" y="2680647"/>
+            <a:ext cx="1548384" cy="1821073"/>
+          </a:xfrm>
+          <a:prstGeom prst="rect">
+            <a:avLst/>
+          </a:prstGeom>
+          <a:noFill/>
+          <a:ln>
+            <a:solidFill>
+              <a:srgbClr val="FF0000"/>
+            </a:solidFill>
+          </a:ln>
+        </p:spPr>
+        <p:style>
+          <a:lnRef idx="2">
+            <a:schemeClr val="accent1">
+              <a:shade val="50000"/>
+            </a:schemeClr>
+          </a:lnRef>
+          <a:fillRef idx="1">
+            <a:schemeClr val="accent1"/>
+          </a:fillRef>
+          <a:effectRef idx="0">
+            <a:schemeClr val="accent1"/>
+          </a:effectRef>
+          <a:fontRef idx="minor">
+            <a:schemeClr val="lt1"/>
+          </a:fontRef>
+        </p:style>
+        <p:txBody>
+          <a:bodyPr rtlCol="0" anchor="ctr"/>
+          <a:lstStyle/>
+          <a:p>
+            <a:pPr algn="ctr"/>
+            <a:endParaRPr lang="ko-KR" altLang="en-US"/>
+          </a:p>
+        </p:txBody>
+      </p:sp>
+      <p:sp>
+        <p:nvSpPr>
+          <p:cNvPr id="10" name="TextBox 9"/>
+          <p:cNvSpPr txBox="1"/>
+          <p:nvPr/>
+        </p:nvSpPr>
+        <p:spPr>
+          <a:xfrm>
+            <a:off x="3123555" y="2716556"/>
+            <a:ext cx="1805667" cy="369332"/>
+          </a:xfrm>
+          <a:prstGeom prst="rect">
+            <a:avLst/>
+          </a:prstGeom>
+          <a:noFill/>
+        </p:spPr>
+        <p:txBody>
+          <a:bodyPr wrap="square" rtlCol="0">
+            <a:spAutoFit/>
+          </a:bodyPr>
+          <a:lstStyle/>
+          <a:p>
+            <a:r>
+              <a:rPr lang="en-US" altLang="ko-KR" dirty="0" smtClean="0"/>
+              <a:t>1. </a:t>
+            </a:r>
+            <a:r>
+              <a:rPr lang="ko-KR" altLang="en-US" dirty="0"/>
+              <a:t> </a:t>
+            </a:r>
+            <a:r>
+              <a:rPr lang="en-US" altLang="ko-KR" dirty="0" smtClean="0"/>
+              <a:t>Get</a:t>
+            </a:r>
+            <a:r>
+              <a:rPr lang="ko-KR" altLang="en-US" dirty="0" smtClean="0"/>
+              <a:t>으로 요청</a:t>
+            </a:r>
+            <a:endParaRPr lang="ko-KR" altLang="en-US" dirty="0"/>
+          </a:p>
+        </p:txBody>
+      </p:sp>
+      <p:sp>
+        <p:nvSpPr>
+          <p:cNvPr id="46" name="TextBox 45"/>
+          <p:cNvSpPr txBox="1"/>
+          <p:nvPr/>
+        </p:nvSpPr>
+        <p:spPr>
+          <a:xfrm>
+            <a:off x="3514325" y="3674806"/>
+            <a:ext cx="1024128" cy="369332"/>
+          </a:xfrm>
+          <a:prstGeom prst="rect">
+            <a:avLst/>
+          </a:prstGeom>
+          <a:noFill/>
+        </p:spPr>
+        <p:txBody>
+          <a:bodyPr wrap="square" rtlCol="0">
+            <a:spAutoFit/>
+          </a:bodyPr>
+          <a:lstStyle/>
+          <a:p>
+            <a:pPr marL="342900" indent="-342900">
+              <a:buAutoNum type="arabicPeriod" startAt="2"/>
             </a:pPr>
             <a:r>
-              <a:rPr kumimoji="0" lang="en-US" altLang="ko-KR" sz="10000" b="0" i="0" u="none" strike="noStrike" kern="1200" cap="none" spc="0" normalizeH="0" baseline="0" noProof="0">
-                <a:ln>
-                  <a:noFill/>
-                </a:ln>
-                <a:solidFill>
-                  <a:prstClr val="white"/>
-                </a:solidFill>
-                <a:effectLst>
-                  <a:outerShdw blurRad="38100" dist="38100" dir="2700000" algn="tl" rotWithShape="0">
-                    <a:srgbClr val="000000">
-                      <a:alpha val="40000"/>
-                    </a:srgbClr>
-                  </a:outerShdw>
-                </a:effectLst>
-                <a:uLnTx/>
-                <a:uFillTx/>
-                <a:latin typeface="Calibri" panose="20000000000000000000"/>
-                <a:ea typeface="맑은 고딕" panose="020B0503020000020004" pitchFamily="50" charset="-127"/>
-                <a:cs typeface="+mn-cs"/>
-              </a:rPr>
-              <a:t>Q / A</a:t>
-            </a:r>
+              <a:rPr lang="ko-KR" altLang="en-US" dirty="0" smtClean="0"/>
+              <a:t>응답</a:t>
+            </a:r>
+            <a:endParaRPr lang="en-US" altLang="ko-KR" dirty="0" smtClean="0"/>
           </a:p>
         </p:txBody>
       </p:sp>
     </p:spTree>
     <p:extLst>
       <p:ext uri="{BB962C8B-B14F-4D97-AF65-F5344CB8AC3E}">
-        <p14:creationId xmlns:p14="http://schemas.microsoft.com/office/powerpoint/2010/main" val="2398376437"/>
+        <p14:creationId xmlns:p14="http://schemas.microsoft.com/office/powerpoint/2010/main" val="2511025034"/>
       </p:ext>
     </p:extLst>
   </p:cSld>
@@ -15350,346 +19065,334 @@
       </p:grpSpPr>
       <p:sp>
         <p:nvSpPr>
-          <p:cNvPr id="12" name="Rectangle 239"/>
-          <p:cNvSpPr>
-            <a:spLocks noChangeArrowheads="1"/>
-          </p:cNvSpPr>
+          <p:cNvPr id="54" name="TextBox 53"/>
+          <p:cNvSpPr txBox="1"/>
           <p:nvPr/>
         </p:nvSpPr>
-        <p:spPr bwMode="auto">
-          <a:xfrm>
-            <a:off x="1358502" y="3984502"/>
-            <a:ext cx="6426994" cy="641747"/>
+        <p:spPr>
+          <a:xfrm>
+            <a:off x="1904115" y="472345"/>
+            <a:ext cx="1672253" cy="400110"/>
           </a:xfrm>
           <a:prstGeom prst="rect">
             <a:avLst/>
           </a:prstGeom>
           <a:noFill/>
-          <a:ln w="9525">
-            <a:noFill/>
-            <a:miter lim="800000"/>
-            <a:headEnd/>
-            <a:tailEnd/>
-          </a:ln>
-          <a:effectLst>
-            <a:outerShdw blurRad="50800" dist="38100" dir="2700000" algn="tl" rotWithShape="0">
-              <a:prstClr val="black"/>
-            </a:outerShdw>
-          </a:effectLst>
-        </p:spPr>
-        <p:txBody>
-          <a:bodyPr/>
+        </p:spPr>
+        <p:txBody>
+          <a:bodyPr wrap="none">
+            <a:spAutoFit/>
+          </a:bodyPr>
           <a:lstStyle/>
           <a:p>
-            <a:pPr algn="ctr" eaLnBrk="1" latinLnBrk="1" hangingPunct="1">
-              <a:lnSpc>
-                <a:spcPct val="90000"/>
-              </a:lnSpc>
-              <a:defRPr/>
-            </a:pPr>
-            <a:r>
-              <a:rPr lang="ko-KR" altLang="en-US" sz="4000" dirty="0">
-                <a:solidFill>
-                  <a:schemeClr val="bg1"/>
-                </a:solidFill>
-                <a:effectLst>
-                  <a:outerShdw blurRad="38100" dist="38100" dir="2700000" algn="tl">
-                    <a:srgbClr val="000000">
-                      <a:alpha val="43137"/>
-                    </a:srgbClr>
-                  </a:outerShdw>
-                </a:effectLst>
-                <a:latin typeface="나눔고딕" panose="020D0604000000000000" pitchFamily="50" charset="-127"/>
-                <a:ea typeface="나눔고딕" panose="020D0604000000000000" pitchFamily="50" charset="-127"/>
+            <a:r>
+              <a:rPr lang="en-US" altLang="ko-KR" sz="2000" dirty="0" smtClean="0">
+                <a:solidFill>
+                  <a:prstClr val="black"/>
+                </a:solidFill>
+                <a:latin typeface="나눔스퀘어 Bold" panose="020B0600000101010101" pitchFamily="50" charset="-127"/>
+                <a:ea typeface="나눔스퀘어 Bold" panose="020B0600000101010101" pitchFamily="50" charset="-127"/>
               </a:rPr>
-              <a:t>감사합니다</a:t>
-            </a:r>
-            <a:endParaRPr lang="en-US" altLang="ko-KR" sz="4000" dirty="0">
-              <a:solidFill>
-                <a:schemeClr val="bg1"/>
-              </a:solidFill>
-              <a:effectLst>
-                <a:outerShdw blurRad="38100" dist="38100" dir="2700000" algn="tl">
-                  <a:srgbClr val="000000">
-                    <a:alpha val="43137"/>
-                  </a:srgbClr>
-                </a:outerShdw>
-              </a:effectLst>
-              <a:latin typeface="나눔고딕" panose="020D0604000000000000" pitchFamily="50" charset="-127"/>
-              <a:ea typeface="나눔고딕" panose="020D0604000000000000" pitchFamily="50" charset="-127"/>
-            </a:endParaRPr>
-          </a:p>
-        </p:txBody>
-      </p:sp>
-      <p:sp>
-        <p:nvSpPr>
-          <p:cNvPr id="13" name="Text Box 6"/>
-          <p:cNvSpPr txBox="1">
-            <a:spLocks noChangeArrowheads="1"/>
-          </p:cNvSpPr>
+              <a:t>04. </a:t>
+            </a:r>
+            <a:r>
+              <a:rPr lang="en-US" altLang="ko-KR" sz="2000" b="1" dirty="0" err="1"/>
+              <a:t>Json</a:t>
+            </a:r>
+            <a:r>
+              <a:rPr lang="en-US" altLang="ko-KR" sz="2000" b="1" dirty="0"/>
+              <a:t> </a:t>
+            </a:r>
+            <a:r>
+              <a:rPr lang="ko-KR" altLang="en-US" sz="2000" b="1" dirty="0"/>
+              <a:t>형식</a:t>
+            </a:r>
+            <a:endParaRPr lang="ko-KR" altLang="en-US" sz="2000" b="1" dirty="0"/>
+          </a:p>
+        </p:txBody>
+      </p:sp>
+      <p:pic>
+        <p:nvPicPr>
+          <p:cNvPr id="37" name="그림 36">
+            <a:extLst>
+              <a:ext uri="{FF2B5EF4-FFF2-40B4-BE49-F238E27FC236}">
+                <a16:creationId xmlns:a16="http://schemas.microsoft.com/office/drawing/2014/main" xmlns="" id="{70E05654-BCBC-4524-9A92-264C1DA7A617}"/>
+              </a:ext>
+            </a:extLst>
+          </p:cNvPr>
+          <p:cNvPicPr>
+            <a:picLocks noChangeAspect="1"/>
+          </p:cNvPicPr>
           <p:nvPr/>
-        </p:nvSpPr>
-        <p:spPr bwMode="auto">
-          <a:xfrm>
-            <a:off x="2128463" y="3231192"/>
-            <a:ext cx="4960144" cy="523220"/>
+        </p:nvPicPr>
+        <p:blipFill>
+          <a:blip r:embed="rId2" cstate="print">
+            <a:lum bright="70000" contrast="-70000"/>
+            <a:extLst>
+              <a:ext uri="{28A0092B-C50C-407E-A947-70E740481C1C}">
+                <a14:useLocalDpi xmlns:a14="http://schemas.microsoft.com/office/drawing/2010/main" val="0"/>
+              </a:ext>
+            </a:extLst>
+          </a:blip>
+          <a:stretch>
+            <a:fillRect/>
+          </a:stretch>
+        </p:blipFill>
+        <p:spPr>
+          <a:xfrm>
+            <a:off x="184072" y="1778399"/>
+            <a:ext cx="625643" cy="625643"/>
           </a:xfrm>
           <a:prstGeom prst="rect">
             <a:avLst/>
           </a:prstGeom>
-          <a:noFill/>
-          <a:ln>
-            <a:noFill/>
-          </a:ln>
-          <a:extLst>
-            <a:ext uri="{909E8E84-426E-40DD-AFC4-6F175D3DCCD1}">
-              <a14:hiddenFill xmlns:a14="http://schemas.microsoft.com/office/drawing/2010/main">
-                <a:solidFill>
-                  <a:srgbClr val="FFFFFF"/>
-                </a:solidFill>
-              </a14:hiddenFill>
-            </a:ext>
-            <a:ext uri="{91240B29-F687-4F45-9708-019B960494DF}">
-              <a14:hiddenLine xmlns:a14="http://schemas.microsoft.com/office/drawing/2010/main" w="9525">
-                <a:solidFill>
-                  <a:srgbClr val="000000"/>
-                </a:solidFill>
-                <a:miter lim="800000"/>
-                <a:headEnd/>
-                <a:tailEnd/>
-              </a14:hiddenLine>
-            </a:ext>
-          </a:extLst>
-        </p:spPr>
-        <p:txBody>
-          <a:bodyPr>
-            <a:spAutoFit/>
-          </a:bodyPr>
-          <a:lstStyle>
-            <a:lvl1pPr eaLnBrk="0" hangingPunct="0">
-              <a:defRPr kumimoji="1">
-                <a:solidFill>
-                  <a:schemeClr val="tx1"/>
-                </a:solidFill>
-                <a:latin typeface="굴림" pitchFamily="50" charset="-127"/>
-                <a:ea typeface="굴림" pitchFamily="50" charset="-127"/>
-              </a:defRPr>
-            </a:lvl1pPr>
-            <a:lvl2pPr marL="742950" indent="-285750" eaLnBrk="0" hangingPunct="0">
-              <a:defRPr kumimoji="1">
-                <a:solidFill>
-                  <a:schemeClr val="tx1"/>
-                </a:solidFill>
-                <a:latin typeface="굴림" pitchFamily="50" charset="-127"/>
-                <a:ea typeface="굴림" pitchFamily="50" charset="-127"/>
-              </a:defRPr>
-            </a:lvl2pPr>
-            <a:lvl3pPr marL="1143000" indent="-228600" eaLnBrk="0" hangingPunct="0">
-              <a:defRPr kumimoji="1">
-                <a:solidFill>
-                  <a:schemeClr val="tx1"/>
-                </a:solidFill>
-                <a:latin typeface="굴림" pitchFamily="50" charset="-127"/>
-                <a:ea typeface="굴림" pitchFamily="50" charset="-127"/>
-              </a:defRPr>
-            </a:lvl3pPr>
-            <a:lvl4pPr marL="1600200" indent="-228600" eaLnBrk="0" hangingPunct="0">
-              <a:defRPr kumimoji="1">
-                <a:solidFill>
-                  <a:schemeClr val="tx1"/>
-                </a:solidFill>
-                <a:latin typeface="굴림" pitchFamily="50" charset="-127"/>
-                <a:ea typeface="굴림" pitchFamily="50" charset="-127"/>
-              </a:defRPr>
-            </a:lvl4pPr>
-            <a:lvl5pPr marL="2057400" indent="-228600" eaLnBrk="0" hangingPunct="0">
-              <a:defRPr kumimoji="1">
-                <a:solidFill>
-                  <a:schemeClr val="tx1"/>
-                </a:solidFill>
-                <a:latin typeface="굴림" pitchFamily="50" charset="-127"/>
-                <a:ea typeface="굴림" pitchFamily="50" charset="-127"/>
-              </a:defRPr>
-            </a:lvl5pPr>
-            <a:lvl6pPr marL="2514600" indent="-228600" eaLnBrk="0" fontAlgn="base" hangingPunct="0">
-              <a:spcBef>
-                <a:spcPct val="0"/>
-              </a:spcBef>
-              <a:spcAft>
-                <a:spcPct val="0"/>
-              </a:spcAft>
-              <a:defRPr kumimoji="1">
-                <a:solidFill>
-                  <a:schemeClr val="tx1"/>
-                </a:solidFill>
-                <a:latin typeface="굴림" pitchFamily="50" charset="-127"/>
-                <a:ea typeface="굴림" pitchFamily="50" charset="-127"/>
-              </a:defRPr>
-            </a:lvl6pPr>
-            <a:lvl7pPr marL="2971800" indent="-228600" eaLnBrk="0" fontAlgn="base" hangingPunct="0">
-              <a:spcBef>
-                <a:spcPct val="0"/>
-              </a:spcBef>
-              <a:spcAft>
-                <a:spcPct val="0"/>
-              </a:spcAft>
-              <a:defRPr kumimoji="1">
-                <a:solidFill>
-                  <a:schemeClr val="tx1"/>
-                </a:solidFill>
-                <a:latin typeface="굴림" pitchFamily="50" charset="-127"/>
-                <a:ea typeface="굴림" pitchFamily="50" charset="-127"/>
-              </a:defRPr>
-            </a:lvl7pPr>
-            <a:lvl8pPr marL="3429000" indent="-228600" eaLnBrk="0" fontAlgn="base" hangingPunct="0">
-              <a:spcBef>
-                <a:spcPct val="0"/>
-              </a:spcBef>
-              <a:spcAft>
-                <a:spcPct val="0"/>
-              </a:spcAft>
-              <a:defRPr kumimoji="1">
-                <a:solidFill>
-                  <a:schemeClr val="tx1"/>
-                </a:solidFill>
-                <a:latin typeface="굴림" pitchFamily="50" charset="-127"/>
-                <a:ea typeface="굴림" pitchFamily="50" charset="-127"/>
-              </a:defRPr>
-            </a:lvl8pPr>
-            <a:lvl9pPr marL="3886200" indent="-228600" eaLnBrk="0" fontAlgn="base" hangingPunct="0">
-              <a:spcBef>
-                <a:spcPct val="0"/>
-              </a:spcBef>
-              <a:spcAft>
-                <a:spcPct val="0"/>
-              </a:spcAft>
-              <a:defRPr kumimoji="1">
-                <a:solidFill>
-                  <a:schemeClr val="tx1"/>
-                </a:solidFill>
-                <a:latin typeface="굴림" pitchFamily="50" charset="-127"/>
-                <a:ea typeface="굴림" pitchFamily="50" charset="-127"/>
-              </a:defRPr>
-            </a:lvl9pPr>
-          </a:lstStyle>
-          <a:p>
-            <a:pPr algn="ctr" eaLnBrk="1" latinLnBrk="1" hangingPunct="1">
-              <a:defRPr/>
-            </a:pPr>
-            <a:r>
-              <a:rPr lang="en-US" altLang="ko-KR" sz="2800" dirty="0">
-                <a:solidFill>
-                  <a:schemeClr val="bg1"/>
-                </a:solidFill>
-                <a:latin typeface="나눔고딕" panose="020D0604000000000000" pitchFamily="50" charset="-127"/>
-                <a:ea typeface="나눔고딕" panose="020D0604000000000000" pitchFamily="50" charset="-127"/>
-              </a:rPr>
-              <a:t>Thank you for your attention</a:t>
-            </a:r>
-            <a:endParaRPr lang="ko-KR" altLang="en-US" sz="2800" dirty="0">
-              <a:solidFill>
-                <a:schemeClr val="bg1"/>
-              </a:solidFill>
-              <a:latin typeface="나눔고딕" panose="020D0604000000000000" pitchFamily="50" charset="-127"/>
-              <a:ea typeface="나눔고딕" panose="020D0604000000000000" pitchFamily="50" charset="-127"/>
-            </a:endParaRPr>
-          </a:p>
-        </p:txBody>
-      </p:sp>
-      <p:sp>
-        <p:nvSpPr>
-          <p:cNvPr id="23" name="직사각형 22">
+        </p:spPr>
+      </p:pic>
+      <p:pic>
+        <p:nvPicPr>
+          <p:cNvPr id="39" name="그림 38">
             <a:extLst>
               <a:ext uri="{FF2B5EF4-FFF2-40B4-BE49-F238E27FC236}">
-                <a16:creationId xmlns:a16="http://schemas.microsoft.com/office/drawing/2014/main" xmlns="" id="{7B03D4AB-3931-4F42-9B99-190F024B01A4}"/>
+                <a16:creationId xmlns:a16="http://schemas.microsoft.com/office/drawing/2014/main" xmlns="" id="{916400B3-91C4-4C1B-A681-ABD8D5BDF8C9}"/>
               </a:ext>
             </a:extLst>
           </p:cNvPr>
-          <p:cNvSpPr/>
+          <p:cNvPicPr>
+            <a:picLocks noChangeAspect="1"/>
+          </p:cNvPicPr>
           <p:nvPr/>
-        </p:nvSpPr>
-        <p:spPr>
-          <a:xfrm>
-            <a:off x="3176724" y="2599724"/>
-            <a:ext cx="2804029" cy="73471"/>
+        </p:nvPicPr>
+        <p:blipFill>
+          <a:blip r:embed="rId3" cstate="print">
+            <a:lum bright="70000" contrast="-70000"/>
+            <a:extLst>
+              <a:ext uri="{28A0092B-C50C-407E-A947-70E740481C1C}">
+                <a14:useLocalDpi xmlns:a14="http://schemas.microsoft.com/office/drawing/2010/main" val="0"/>
+              </a:ext>
+            </a:extLst>
+          </a:blip>
+          <a:stretch>
+            <a:fillRect/>
+          </a:stretch>
+        </p:blipFill>
+        <p:spPr>
+          <a:xfrm>
+            <a:off x="262993" y="3216979"/>
+            <a:ext cx="467800" cy="467800"/>
           </a:xfrm>
           <a:prstGeom prst="rect">
             <a:avLst/>
           </a:prstGeom>
-          <a:solidFill>
-            <a:schemeClr val="bg1"/>
-          </a:solidFill>
-          <a:ln>
-            <a:noFill/>
-          </a:ln>
-        </p:spPr>
-        <p:style>
-          <a:lnRef idx="2">
-            <a:schemeClr val="accent1">
-              <a:shade val="50000"/>
-            </a:schemeClr>
-          </a:lnRef>
-          <a:fillRef idx="1">
-            <a:schemeClr val="accent1"/>
-          </a:fillRef>
-          <a:effectRef idx="0">
-            <a:schemeClr val="accent1"/>
-          </a:effectRef>
-          <a:fontRef idx="minor">
-            <a:schemeClr val="lt1"/>
-          </a:fontRef>
-        </p:style>
-        <p:txBody>
-          <a:bodyPr rtlCol="0" anchor="ctr"/>
-          <a:lstStyle/>
-          <a:p>
-            <a:pPr algn="ctr"/>
-            <a:endParaRPr lang="ko-KR" altLang="en-US"/>
-          </a:p>
-        </p:txBody>
-      </p:sp>
-      <p:grpSp>
-        <p:nvGrpSpPr>
-          <p:cNvPr id="25" name="그룹 24">
+        </p:spPr>
+      </p:pic>
+      <p:pic>
+        <p:nvPicPr>
+          <p:cNvPr id="40" name="그림 39">
             <a:extLst>
               <a:ext uri="{FF2B5EF4-FFF2-40B4-BE49-F238E27FC236}">
-                <a16:creationId xmlns:a16="http://schemas.microsoft.com/office/drawing/2014/main" xmlns="" id="{95712292-A041-4918-B4E9-3B5E0C702A14}"/>
+                <a16:creationId xmlns:a16="http://schemas.microsoft.com/office/drawing/2014/main" xmlns="" id="{02F3A68E-CE10-41CF-A039-9A1F88D554F6}"/>
               </a:ext>
             </a:extLst>
           </p:cNvPr>
+          <p:cNvPicPr>
+            <a:picLocks noChangeAspect="1"/>
+          </p:cNvPicPr>
+          <p:nvPr/>
+        </p:nvPicPr>
+        <p:blipFill>
+          <a:blip r:embed="rId4" cstate="print">
+            <a:lum bright="70000" contrast="-70000"/>
+            <a:extLst>
+              <a:ext uri="{28A0092B-C50C-407E-A947-70E740481C1C}">
+                <a14:useLocalDpi xmlns:a14="http://schemas.microsoft.com/office/drawing/2010/main" val="0"/>
+              </a:ext>
+            </a:extLst>
+          </a:blip>
+          <a:stretch>
+            <a:fillRect/>
+          </a:stretch>
+        </p:blipFill>
+        <p:spPr>
+          <a:xfrm>
+            <a:off x="284257" y="3940287"/>
+            <a:ext cx="451472" cy="451472"/>
+          </a:xfrm>
+          <a:prstGeom prst="rect">
+            <a:avLst/>
+          </a:prstGeom>
+        </p:spPr>
+      </p:pic>
+      <p:pic>
+        <p:nvPicPr>
+          <p:cNvPr id="41" name="그림 40">
+            <a:extLst>
+              <a:ext uri="{FF2B5EF4-FFF2-40B4-BE49-F238E27FC236}">
+                <a16:creationId xmlns:a16="http://schemas.microsoft.com/office/drawing/2014/main" xmlns="" id="{D53452B1-ABA5-48F9-AF1E-DBED3545F5B4}"/>
+              </a:ext>
+            </a:extLst>
+          </p:cNvPr>
+          <p:cNvPicPr>
+            <a:picLocks noChangeAspect="1"/>
+          </p:cNvPicPr>
+          <p:nvPr/>
+        </p:nvPicPr>
+        <p:blipFill>
+          <a:blip r:embed="rId5" cstate="print">
+            <a:lum bright="70000" contrast="-70000"/>
+            <a:extLst>
+              <a:ext uri="{28A0092B-C50C-407E-A947-70E740481C1C}">
+                <a14:useLocalDpi xmlns:a14="http://schemas.microsoft.com/office/drawing/2010/main" val="0"/>
+              </a:ext>
+            </a:extLst>
+          </a:blip>
+          <a:stretch>
+            <a:fillRect/>
+          </a:stretch>
+        </p:blipFill>
+        <p:spPr>
+          <a:xfrm>
+            <a:off x="262993" y="4673287"/>
+            <a:ext cx="434729" cy="434729"/>
+          </a:xfrm>
+          <a:prstGeom prst="rect">
+            <a:avLst/>
+          </a:prstGeom>
+        </p:spPr>
+      </p:pic>
+      <p:pic>
+        <p:nvPicPr>
+          <p:cNvPr id="42" name="그림 41">
+            <a:extLst>
+              <a:ext uri="{FF2B5EF4-FFF2-40B4-BE49-F238E27FC236}">
+                <a16:creationId xmlns:a16="http://schemas.microsoft.com/office/drawing/2014/main" xmlns="" id="{0609759E-5532-43AC-8D1C-B3776E9C8EAF}"/>
+              </a:ext>
+            </a:extLst>
+          </p:cNvPr>
+          <p:cNvPicPr>
+            <a:picLocks noChangeAspect="1"/>
+          </p:cNvPicPr>
+          <p:nvPr/>
+        </p:nvPicPr>
+        <p:blipFill>
+          <a:blip r:embed="rId6" cstate="print">
+            <a:lum bright="70000" contrast="-70000"/>
+            <a:extLst>
+              <a:ext uri="{28A0092B-C50C-407E-A947-70E740481C1C}">
+                <a14:useLocalDpi xmlns:a14="http://schemas.microsoft.com/office/drawing/2010/main" val="0"/>
+              </a:ext>
+            </a:extLst>
+          </a:blip>
+          <a:stretch>
+            <a:fillRect/>
+          </a:stretch>
+        </p:blipFill>
+        <p:spPr>
+          <a:xfrm>
+            <a:off x="280962" y="5330868"/>
+            <a:ext cx="470266" cy="470266"/>
+          </a:xfrm>
+          <a:prstGeom prst="rect">
+            <a:avLst/>
+          </a:prstGeom>
+        </p:spPr>
+      </p:pic>
+      <p:pic>
+        <p:nvPicPr>
+          <p:cNvPr id="22" name="그림 21"/>
+          <p:cNvPicPr>
+            <a:picLocks noChangeAspect="1"/>
+          </p:cNvPicPr>
+          <p:nvPr/>
+        </p:nvPicPr>
+        <p:blipFill>
+          <a:blip r:embed="rId7" cstate="print">
+            <a:lum bright="70000" contrast="-70000"/>
+            <a:extLst>
+              <a:ext uri="{28A0092B-C50C-407E-A947-70E740481C1C}">
+                <a14:useLocalDpi xmlns:a14="http://schemas.microsoft.com/office/drawing/2010/main" val="0"/>
+              </a:ext>
+            </a:extLst>
+          </a:blip>
+          <a:stretch>
+            <a:fillRect/>
+          </a:stretch>
+        </p:blipFill>
+        <p:spPr>
+          <a:xfrm>
+            <a:off x="205355" y="1049701"/>
+            <a:ext cx="588852" cy="588852"/>
+          </a:xfrm>
+          <a:prstGeom prst="rect">
+            <a:avLst/>
+          </a:prstGeom>
+        </p:spPr>
+      </p:pic>
+      <p:pic>
+        <p:nvPicPr>
+          <p:cNvPr id="24" name="그림 23">
+            <a:extLst>
+              <a:ext uri="{FF2B5EF4-FFF2-40B4-BE49-F238E27FC236}">
+                <a16:creationId xmlns:a16="http://schemas.microsoft.com/office/drawing/2014/main" xmlns="" id="{4C81044B-815A-416A-A1A1-5AE8439E1F18}"/>
+              </a:ext>
+            </a:extLst>
+          </p:cNvPr>
+          <p:cNvPicPr>
+            <a:picLocks noChangeAspect="1"/>
+          </p:cNvPicPr>
+          <p:nvPr/>
+        </p:nvPicPr>
+        <p:blipFill rotWithShape="1">
+          <a:blip r:embed="rId8" cstate="print">
+            <a:lum bright="70000" contrast="-70000"/>
+            <a:extLst>
+              <a:ext uri="{28A0092B-C50C-407E-A947-70E740481C1C}">
+                <a14:useLocalDpi xmlns:a14="http://schemas.microsoft.com/office/drawing/2010/main" val="0"/>
+              </a:ext>
+            </a:extLst>
+          </a:blip>
+          <a:srcRect l="4346" t="45154" r="-1" b="-2"/>
+          <a:stretch/>
+        </p:blipFill>
+        <p:spPr>
+          <a:xfrm>
+            <a:off x="208348" y="2660876"/>
+            <a:ext cx="620519" cy="355800"/>
+          </a:xfrm>
+          <a:prstGeom prst="rect">
+            <a:avLst/>
+          </a:prstGeom>
+        </p:spPr>
+      </p:pic>
+      <p:grpSp>
+        <p:nvGrpSpPr>
+          <p:cNvPr id="25" name="그룹 24"/>
           <p:cNvGrpSpPr/>
           <p:nvPr/>
         </p:nvGrpSpPr>
         <p:grpSpPr>
           <a:xfrm>
-            <a:off x="4285200" y="1354472"/>
-            <a:ext cx="587073" cy="450990"/>
-            <a:chOff x="4810427" y="1659948"/>
-            <a:chExt cx="1384300" cy="1063421"/>
+            <a:off x="185365" y="3221550"/>
+            <a:ext cx="553212" cy="478246"/>
+            <a:chOff x="286675" y="1057144"/>
+            <a:chExt cx="737616" cy="637661"/>
           </a:xfrm>
         </p:grpSpPr>
         <p:sp>
           <p:nvSpPr>
-            <p:cNvPr id="26" name="이등변 삼각형 25">
-              <a:extLst>
-                <a:ext uri="{FF2B5EF4-FFF2-40B4-BE49-F238E27FC236}">
-                  <a16:creationId xmlns:a16="http://schemas.microsoft.com/office/drawing/2014/main" xmlns="" id="{B924EC44-6686-470A-BB96-4F57AB341D1D}"/>
-                </a:ext>
-              </a:extLst>
-            </p:cNvPr>
+            <p:cNvPr id="26" name="직사각형 25"/>
             <p:cNvSpPr/>
             <p:nvPr/>
           </p:nvSpPr>
           <p:spPr>
-            <a:xfrm rot="8920199">
-              <a:off x="4810427" y="1707369"/>
-              <a:ext cx="812800" cy="1016000"/>
+            <a:xfrm>
+              <a:off x="286675" y="1057144"/>
+              <a:ext cx="75474" cy="637661"/>
             </a:xfrm>
-            <a:prstGeom prst="triangle">
+            <a:prstGeom prst="rect">
               <a:avLst/>
             </a:prstGeom>
             <a:solidFill>
-              <a:schemeClr val="bg1"/>
+              <a:srgbClr val="DA9B00"/>
             </a:solidFill>
             <a:ln>
               <a:noFill/>
@@ -15716,79 +19419,128 @@
             <a:lstStyle/>
             <a:p>
               <a:pPr algn="ctr"/>
-              <a:endParaRPr lang="ko-KR" altLang="en-US"/>
+              <a:endParaRPr lang="ko-KR" altLang="en-US" sz="1350"/>
             </a:p>
           </p:txBody>
         </p:sp>
-        <p:sp>
-          <p:nvSpPr>
-            <p:cNvPr id="27" name="이등변 삼각형 26">
-              <a:extLst>
-                <a:ext uri="{FF2B5EF4-FFF2-40B4-BE49-F238E27FC236}">
-                  <a16:creationId xmlns:a16="http://schemas.microsoft.com/office/drawing/2014/main" xmlns="" id="{D46E3EA2-09BF-4DC9-B17D-AFA369557E73}"/>
-                </a:ext>
-              </a:extLst>
-            </p:cNvPr>
-            <p:cNvSpPr/>
+        <p:cxnSp>
+          <p:nvCxnSpPr>
+            <p:cNvPr id="27" name="직선 연결선 26"/>
+            <p:cNvCxnSpPr/>
             <p:nvPr/>
-          </p:nvSpPr>
+          </p:nvCxnSpPr>
           <p:spPr>
-            <a:xfrm rot="14031529">
-              <a:off x="5280327" y="1558348"/>
-              <a:ext cx="812800" cy="1016000"/>
+            <a:xfrm>
+              <a:off x="286675" y="1057144"/>
+              <a:ext cx="737616" cy="0"/>
             </a:xfrm>
-            <a:prstGeom prst="triangle">
+            <a:prstGeom prst="line">
               <a:avLst/>
             </a:prstGeom>
-            <a:solidFill>
-              <a:schemeClr val="bg1"/>
-            </a:solidFill>
-            <a:ln>
-              <a:noFill/>
+            <a:ln w="12700">
+              <a:solidFill>
+                <a:srgbClr val="DA9B00"/>
+              </a:solidFill>
             </a:ln>
           </p:spPr>
           <p:style>
-            <a:lnRef idx="2">
-              <a:schemeClr val="accent1">
-                <a:shade val="50000"/>
-              </a:schemeClr>
+            <a:lnRef idx="1">
+              <a:schemeClr val="accent1"/>
             </a:lnRef>
-            <a:fillRef idx="1">
+            <a:fillRef idx="0">
               <a:schemeClr val="accent1"/>
             </a:fillRef>
             <a:effectRef idx="0">
               <a:schemeClr val="accent1"/>
             </a:effectRef>
             <a:fontRef idx="minor">
-              <a:schemeClr val="lt1"/>
+              <a:schemeClr val="tx1"/>
             </a:fontRef>
           </p:style>
-          <p:txBody>
-            <a:bodyPr rtlCol="0" anchor="ctr"/>
-            <a:lstStyle/>
-            <a:p>
-              <a:pPr algn="ctr"/>
-              <a:endParaRPr lang="ko-KR" altLang="en-US"/>
-            </a:p>
-          </p:txBody>
-        </p:sp>
+        </p:cxnSp>
+        <p:cxnSp>
+          <p:nvCxnSpPr>
+            <p:cNvPr id="28" name="직선 연결선 27"/>
+            <p:cNvCxnSpPr/>
+            <p:nvPr/>
+          </p:nvCxnSpPr>
+          <p:spPr>
+            <a:xfrm>
+              <a:off x="286675" y="1694805"/>
+              <a:ext cx="737616" cy="0"/>
+            </a:xfrm>
+            <a:prstGeom prst="line">
+              <a:avLst/>
+            </a:prstGeom>
+            <a:ln w="12700">
+              <a:solidFill>
+                <a:srgbClr val="DA9B00"/>
+              </a:solidFill>
+            </a:ln>
+          </p:spPr>
+          <p:style>
+            <a:lnRef idx="1">
+              <a:schemeClr val="accent1"/>
+            </a:lnRef>
+            <a:fillRef idx="0">
+              <a:schemeClr val="accent1"/>
+            </a:fillRef>
+            <a:effectRef idx="0">
+              <a:schemeClr val="accent1"/>
+            </a:effectRef>
+            <a:fontRef idx="minor">
+              <a:schemeClr val="tx1"/>
+            </a:fontRef>
+          </p:style>
+        </p:cxnSp>
       </p:grpSp>
-      <p:sp>
-        <p:nvSpPr>
-          <p:cNvPr id="10" name="TextBox 9">
+      <p:pic>
+        <p:nvPicPr>
+          <p:cNvPr id="29" name="그림 28"/>
+          <p:cNvPicPr>
+            <a:picLocks noChangeAspect="1"/>
+          </p:cNvPicPr>
+          <p:nvPr/>
+        </p:nvPicPr>
+        <p:blipFill>
+          <a:blip r:embed="rId3" cstate="print">
+            <a:duotone>
+              <a:schemeClr val="accent4">
+                <a:shade val="45000"/>
+                <a:satMod val="135000"/>
+              </a:schemeClr>
+              <a:prstClr val="white"/>
+            </a:duotone>
             <a:extLst>
-              <a:ext uri="{FF2B5EF4-FFF2-40B4-BE49-F238E27FC236}">
-                <a16:creationId xmlns:a16="http://schemas.microsoft.com/office/drawing/2014/main" xmlns="" id="{6F91DDEA-1769-4AD9-B89F-E48C3BF11509}"/>
+              <a:ext uri="{28A0092B-C50C-407E-A947-70E740481C1C}">
+                <a14:useLocalDpi xmlns:a14="http://schemas.microsoft.com/office/drawing/2010/main" val="0"/>
               </a:ext>
             </a:extLst>
-          </p:cNvPr>
+          </a:blip>
+          <a:stretch>
+            <a:fillRect/>
+          </a:stretch>
+        </p:blipFill>
+        <p:spPr>
+          <a:xfrm>
+            <a:off x="265335" y="3219179"/>
+            <a:ext cx="467800" cy="467800"/>
+          </a:xfrm>
+          <a:prstGeom prst="rect">
+            <a:avLst/>
+          </a:prstGeom>
+        </p:spPr>
+      </p:pic>
+      <p:sp>
+        <p:nvSpPr>
+          <p:cNvPr id="36" name="TextBox 35"/>
           <p:cNvSpPr txBox="1"/>
           <p:nvPr/>
         </p:nvSpPr>
         <p:spPr>
           <a:xfrm>
-            <a:off x="3618313" y="1793070"/>
-            <a:ext cx="2077039" cy="830997"/>
+            <a:off x="1140228" y="1190357"/>
+            <a:ext cx="4431516" cy="584775"/>
           </a:xfrm>
           <a:prstGeom prst="rect">
             <a:avLst/>
@@ -15801,218 +19553,561 @@
           </a:bodyPr>
           <a:lstStyle/>
           <a:p>
-            <a:pPr algn="dist"/>
-            <a:r>
-              <a:rPr lang="en-US" altLang="ko-KR" sz="4800" dirty="0">
-                <a:solidFill>
-                  <a:schemeClr val="bg1"/>
-                </a:solidFill>
-                <a:latin typeface="나눔고딕 ExtraBold" panose="020D0904000000000000" pitchFamily="50" charset="-127"/>
-                <a:ea typeface="나눔고딕 ExtraBold" panose="020D0904000000000000" pitchFamily="50" charset="-127"/>
-              </a:rPr>
-              <a:t>CSSM</a:t>
-            </a:r>
-            <a:endParaRPr lang="ko-KR" altLang="en-US" sz="4800" dirty="0">
-              <a:solidFill>
-                <a:schemeClr val="bg1"/>
-              </a:solidFill>
-              <a:latin typeface="나눔고딕 ExtraBold" panose="020D0904000000000000" pitchFamily="50" charset="-127"/>
-              <a:ea typeface="나눔고딕 ExtraBold" panose="020D0904000000000000" pitchFamily="50" charset="-127"/>
-            </a:endParaRPr>
-          </a:p>
-        </p:txBody>
-      </p:sp>
-      <p:sp>
-        <p:nvSpPr>
-          <p:cNvPr id="11" name="Text Box 6"/>
-          <p:cNvSpPr txBox="1">
-            <a:spLocks noChangeArrowheads="1"/>
-          </p:cNvSpPr>
+            <a:r>
+              <a:rPr lang="en-US" altLang="ko-KR" sz="3200" b="1" dirty="0" err="1" smtClean="0"/>
+              <a:t>Json</a:t>
+            </a:r>
+            <a:r>
+              <a:rPr lang="en-US" altLang="ko-KR" sz="3200" b="1" dirty="0" smtClean="0"/>
+              <a:t> </a:t>
+            </a:r>
+            <a:r>
+              <a:rPr lang="ko-KR" altLang="en-US" sz="3200" b="1" dirty="0" smtClean="0"/>
+              <a:t>형식 </a:t>
+            </a:r>
+            <a:r>
+              <a:rPr lang="en-US" altLang="ko-KR" sz="3200" b="1" dirty="0" smtClean="0"/>
+              <a:t>(</a:t>
+            </a:r>
+            <a:r>
+              <a:rPr lang="ko-KR" altLang="en-US" sz="3200" b="1" dirty="0" err="1" smtClean="0"/>
+              <a:t>게시글</a:t>
+            </a:r>
+            <a:r>
+              <a:rPr lang="ko-KR" altLang="en-US" sz="3200" b="1" dirty="0" smtClean="0"/>
+              <a:t> 등록</a:t>
+            </a:r>
+            <a:r>
+              <a:rPr lang="en-US" altLang="ko-KR" sz="3200" b="1" dirty="0" smtClean="0"/>
+              <a:t>)</a:t>
+            </a:r>
+            <a:endParaRPr lang="ko-KR" altLang="en-US" sz="3200" b="1" dirty="0"/>
+          </a:p>
+        </p:txBody>
+      </p:sp>
+      <p:sp>
+        <p:nvSpPr>
+          <p:cNvPr id="44" name="TextBox 43"/>
+          <p:cNvSpPr txBox="1"/>
           <p:nvPr/>
         </p:nvSpPr>
-        <p:spPr bwMode="auto">
-          <a:xfrm>
-            <a:off x="2128461" y="2719837"/>
-            <a:ext cx="4960144" cy="723275"/>
+        <p:spPr>
+          <a:xfrm>
+            <a:off x="2326423" y="2306382"/>
+            <a:ext cx="1349993" cy="369332"/>
+          </a:xfrm>
+          <a:prstGeom prst="rect">
+            <a:avLst/>
+          </a:prstGeom>
+          <a:noFill/>
+        </p:spPr>
+        <p:txBody>
+          <a:bodyPr wrap="square" rtlCol="0">
+            <a:spAutoFit/>
+          </a:bodyPr>
+          <a:lstStyle/>
+          <a:p>
+            <a:r>
+              <a:rPr lang="ko-KR" altLang="en-US" b="1" dirty="0" smtClean="0"/>
+              <a:t>클라이언</a:t>
+            </a:r>
+            <a:r>
+              <a:rPr lang="ko-KR" altLang="en-US" b="1" dirty="0"/>
+              <a:t>트</a:t>
+            </a:r>
+            <a:endParaRPr lang="ko-KR" altLang="en-US" b="1" dirty="0"/>
+          </a:p>
+        </p:txBody>
+      </p:sp>
+      <p:cxnSp>
+        <p:nvCxnSpPr>
+          <p:cNvPr id="3" name="직선 화살표 연결선 2"/>
+          <p:cNvCxnSpPr/>
+          <p:nvPr/>
+        </p:nvCxnSpPr>
+        <p:spPr>
+          <a:xfrm>
+            <a:off x="4115462" y="3052790"/>
+            <a:ext cx="1658112" cy="0"/>
+          </a:xfrm>
+          <a:prstGeom prst="straightConnector1">
+            <a:avLst/>
+          </a:prstGeom>
+          <a:ln>
+            <a:tailEnd type="arrow"/>
+          </a:ln>
+        </p:spPr>
+        <p:style>
+          <a:lnRef idx="1">
+            <a:schemeClr val="accent1"/>
+          </a:lnRef>
+          <a:fillRef idx="0">
+            <a:schemeClr val="accent1"/>
+          </a:fillRef>
+          <a:effectRef idx="0">
+            <a:schemeClr val="accent1"/>
+          </a:effectRef>
+          <a:fontRef idx="minor">
+            <a:schemeClr val="tx1"/>
+          </a:fontRef>
+        </p:style>
+      </p:cxnSp>
+      <p:sp>
+        <p:nvSpPr>
+          <p:cNvPr id="4" name="직사각형 3"/>
+          <p:cNvSpPr/>
+          <p:nvPr/>
+        </p:nvSpPr>
+        <p:spPr>
+          <a:xfrm>
+            <a:off x="1899703" y="2150034"/>
+            <a:ext cx="2215758" cy="3803372"/>
           </a:xfrm>
           <a:prstGeom prst="rect">
             <a:avLst/>
           </a:prstGeom>
           <a:noFill/>
           <a:ln>
-            <a:noFill/>
+            <a:solidFill>
+              <a:srgbClr val="FF5050"/>
+            </a:solidFill>
           </a:ln>
-          <a:extLst>
-            <a:ext uri="{909E8E84-426E-40DD-AFC4-6F175D3DCCD1}">
-              <a14:hiddenFill xmlns:a14="http://schemas.microsoft.com/office/drawing/2010/main">
-                <a:solidFill>
-                  <a:srgbClr val="FFFFFF"/>
-                </a:solidFill>
-              </a14:hiddenFill>
-            </a:ext>
-            <a:ext uri="{91240B29-F687-4F45-9708-019B960494DF}">
-              <a14:hiddenLine xmlns:a14="http://schemas.microsoft.com/office/drawing/2010/main" w="9525">
-                <a:solidFill>
-                  <a:srgbClr val="000000"/>
-                </a:solidFill>
-                <a:miter lim="800000"/>
-                <a:headEnd/>
-                <a:tailEnd/>
-              </a14:hiddenLine>
-            </a:ext>
-          </a:extLst>
-        </p:spPr>
-        <p:txBody>
-          <a:bodyPr>
+        </p:spPr>
+        <p:style>
+          <a:lnRef idx="2">
+            <a:schemeClr val="accent1">
+              <a:shade val="50000"/>
+            </a:schemeClr>
+          </a:lnRef>
+          <a:fillRef idx="1">
+            <a:schemeClr val="accent1"/>
+          </a:fillRef>
+          <a:effectRef idx="0">
+            <a:schemeClr val="accent1"/>
+          </a:effectRef>
+          <a:fontRef idx="minor">
+            <a:schemeClr val="lt1"/>
+          </a:fontRef>
+        </p:style>
+        <p:txBody>
+          <a:bodyPr rtlCol="0" anchor="ctr"/>
+          <a:lstStyle/>
+          <a:p>
+            <a:pPr algn="ctr"/>
+            <a:endParaRPr lang="ko-KR" altLang="en-US"/>
+          </a:p>
+        </p:txBody>
+      </p:sp>
+      <p:cxnSp>
+        <p:nvCxnSpPr>
+          <p:cNvPr id="7" name="직선 화살표 연결선 6"/>
+          <p:cNvCxnSpPr/>
+          <p:nvPr/>
+        </p:nvCxnSpPr>
+        <p:spPr>
+          <a:xfrm flipH="1">
+            <a:off x="4115462" y="4396741"/>
+            <a:ext cx="1658112" cy="0"/>
+          </a:xfrm>
+          <a:prstGeom prst="straightConnector1">
+            <a:avLst/>
+          </a:prstGeom>
+          <a:ln>
+            <a:tailEnd type="arrow"/>
+          </a:ln>
+        </p:spPr>
+        <p:style>
+          <a:lnRef idx="1">
+            <a:schemeClr val="accent1"/>
+          </a:lnRef>
+          <a:fillRef idx="0">
+            <a:schemeClr val="accent1"/>
+          </a:fillRef>
+          <a:effectRef idx="0">
+            <a:schemeClr val="accent1"/>
+          </a:effectRef>
+          <a:fontRef idx="minor">
+            <a:schemeClr val="tx1"/>
+          </a:fontRef>
+        </p:style>
+      </p:cxnSp>
+      <p:sp>
+        <p:nvSpPr>
+          <p:cNvPr id="8" name="TextBox 7"/>
+          <p:cNvSpPr txBox="1"/>
+          <p:nvPr/>
+        </p:nvSpPr>
+        <p:spPr>
+          <a:xfrm>
+            <a:off x="6192696" y="3467126"/>
+            <a:ext cx="822960" cy="369332"/>
+          </a:xfrm>
+          <a:prstGeom prst="rect">
+            <a:avLst/>
+          </a:prstGeom>
+          <a:noFill/>
+        </p:spPr>
+        <p:txBody>
+          <a:bodyPr wrap="square" rtlCol="0">
             <a:spAutoFit/>
           </a:bodyPr>
-          <a:lstStyle>
-            <a:lvl1pPr eaLnBrk="0" hangingPunct="0">
-              <a:defRPr kumimoji="1">
-                <a:solidFill>
-                  <a:schemeClr val="tx1"/>
-                </a:solidFill>
-                <a:latin typeface="굴림" pitchFamily="50" charset="-127"/>
-                <a:ea typeface="굴림" pitchFamily="50" charset="-127"/>
-              </a:defRPr>
-            </a:lvl1pPr>
-            <a:lvl2pPr marL="742950" indent="-285750" eaLnBrk="0" hangingPunct="0">
-              <a:defRPr kumimoji="1">
-                <a:solidFill>
-                  <a:schemeClr val="tx1"/>
-                </a:solidFill>
-                <a:latin typeface="굴림" pitchFamily="50" charset="-127"/>
-                <a:ea typeface="굴림" pitchFamily="50" charset="-127"/>
-              </a:defRPr>
-            </a:lvl2pPr>
-            <a:lvl3pPr marL="1143000" indent="-228600" eaLnBrk="0" hangingPunct="0">
-              <a:defRPr kumimoji="1">
-                <a:solidFill>
-                  <a:schemeClr val="tx1"/>
-                </a:solidFill>
-                <a:latin typeface="굴림" pitchFamily="50" charset="-127"/>
-                <a:ea typeface="굴림" pitchFamily="50" charset="-127"/>
-              </a:defRPr>
-            </a:lvl3pPr>
-            <a:lvl4pPr marL="1600200" indent="-228600" eaLnBrk="0" hangingPunct="0">
-              <a:defRPr kumimoji="1">
-                <a:solidFill>
-                  <a:schemeClr val="tx1"/>
-                </a:solidFill>
-                <a:latin typeface="굴림" pitchFamily="50" charset="-127"/>
-                <a:ea typeface="굴림" pitchFamily="50" charset="-127"/>
-              </a:defRPr>
-            </a:lvl4pPr>
-            <a:lvl5pPr marL="2057400" indent="-228600" eaLnBrk="0" hangingPunct="0">
-              <a:defRPr kumimoji="1">
-                <a:solidFill>
-                  <a:schemeClr val="tx1"/>
-                </a:solidFill>
-                <a:latin typeface="굴림" pitchFamily="50" charset="-127"/>
-                <a:ea typeface="굴림" pitchFamily="50" charset="-127"/>
-              </a:defRPr>
-            </a:lvl5pPr>
-            <a:lvl6pPr marL="2514600" indent="-228600" eaLnBrk="0" fontAlgn="base" hangingPunct="0">
-              <a:spcBef>
-                <a:spcPct val="0"/>
-              </a:spcBef>
-              <a:spcAft>
-                <a:spcPct val="0"/>
-              </a:spcAft>
-              <a:defRPr kumimoji="1">
-                <a:solidFill>
-                  <a:schemeClr val="tx1"/>
-                </a:solidFill>
-                <a:latin typeface="굴림" pitchFamily="50" charset="-127"/>
-                <a:ea typeface="굴림" pitchFamily="50" charset="-127"/>
-              </a:defRPr>
-            </a:lvl6pPr>
-            <a:lvl7pPr marL="2971800" indent="-228600" eaLnBrk="0" fontAlgn="base" hangingPunct="0">
-              <a:spcBef>
-                <a:spcPct val="0"/>
-              </a:spcBef>
-              <a:spcAft>
-                <a:spcPct val="0"/>
-              </a:spcAft>
-              <a:defRPr kumimoji="1">
-                <a:solidFill>
-                  <a:schemeClr val="tx1"/>
-                </a:solidFill>
-                <a:latin typeface="굴림" pitchFamily="50" charset="-127"/>
-                <a:ea typeface="굴림" pitchFamily="50" charset="-127"/>
-              </a:defRPr>
-            </a:lvl7pPr>
-            <a:lvl8pPr marL="3429000" indent="-228600" eaLnBrk="0" fontAlgn="base" hangingPunct="0">
-              <a:spcBef>
-                <a:spcPct val="0"/>
-              </a:spcBef>
-              <a:spcAft>
-                <a:spcPct val="0"/>
-              </a:spcAft>
-              <a:defRPr kumimoji="1">
-                <a:solidFill>
-                  <a:schemeClr val="tx1"/>
-                </a:solidFill>
-                <a:latin typeface="굴림" pitchFamily="50" charset="-127"/>
-                <a:ea typeface="굴림" pitchFamily="50" charset="-127"/>
-              </a:defRPr>
-            </a:lvl8pPr>
-            <a:lvl9pPr marL="3886200" indent="-228600" eaLnBrk="0" fontAlgn="base" hangingPunct="0">
-              <a:spcBef>
-                <a:spcPct val="0"/>
-              </a:spcBef>
-              <a:spcAft>
-                <a:spcPct val="0"/>
-              </a:spcAft>
-              <a:defRPr kumimoji="1">
-                <a:solidFill>
-                  <a:schemeClr val="tx1"/>
-                </a:solidFill>
-                <a:latin typeface="굴림" pitchFamily="50" charset="-127"/>
-                <a:ea typeface="굴림" pitchFamily="50" charset="-127"/>
-              </a:defRPr>
-            </a:lvl9pPr>
-          </a:lstStyle>
-          <a:p>
-            <a:pPr algn="ctr" eaLnBrk="1" latinLnBrk="1" hangingPunct="1">
-              <a:defRPr/>
+          <a:lstStyle/>
+          <a:p>
+            <a:r>
+              <a:rPr lang="ko-KR" altLang="en-US" dirty="0" smtClean="0"/>
+              <a:t>서</a:t>
+            </a:r>
+            <a:r>
+              <a:rPr lang="ko-KR" altLang="en-US" dirty="0"/>
+              <a:t>버</a:t>
+            </a:r>
+          </a:p>
+        </p:txBody>
+      </p:sp>
+      <p:sp>
+        <p:nvSpPr>
+          <p:cNvPr id="9" name="직사각형 8"/>
+          <p:cNvSpPr/>
+          <p:nvPr/>
+        </p:nvSpPr>
+        <p:spPr>
+          <a:xfrm>
+            <a:off x="5773574" y="2745225"/>
+            <a:ext cx="1548384" cy="1821073"/>
+          </a:xfrm>
+          <a:prstGeom prst="rect">
+            <a:avLst/>
+          </a:prstGeom>
+          <a:noFill/>
+          <a:ln>
+            <a:solidFill>
+              <a:schemeClr val="accent5"/>
+            </a:solidFill>
+          </a:ln>
+        </p:spPr>
+        <p:style>
+          <a:lnRef idx="2">
+            <a:schemeClr val="accent1">
+              <a:shade val="50000"/>
+            </a:schemeClr>
+          </a:lnRef>
+          <a:fillRef idx="1">
+            <a:schemeClr val="accent1"/>
+          </a:fillRef>
+          <a:effectRef idx="0">
+            <a:schemeClr val="accent1"/>
+          </a:effectRef>
+          <a:fontRef idx="minor">
+            <a:schemeClr val="lt1"/>
+          </a:fontRef>
+        </p:style>
+        <p:txBody>
+          <a:bodyPr rtlCol="0" anchor="ctr"/>
+          <a:lstStyle/>
+          <a:p>
+            <a:pPr algn="ctr"/>
+            <a:endParaRPr lang="ko-KR" altLang="en-US"/>
+          </a:p>
+        </p:txBody>
+      </p:sp>
+      <p:sp>
+        <p:nvSpPr>
+          <p:cNvPr id="10" name="TextBox 9"/>
+          <p:cNvSpPr txBox="1"/>
+          <p:nvPr/>
+        </p:nvSpPr>
+        <p:spPr>
+          <a:xfrm>
+            <a:off x="4094421" y="2675714"/>
+            <a:ext cx="1805667" cy="369332"/>
+          </a:xfrm>
+          <a:prstGeom prst="rect">
+            <a:avLst/>
+          </a:prstGeom>
+          <a:noFill/>
+        </p:spPr>
+        <p:txBody>
+          <a:bodyPr wrap="square" rtlCol="0">
+            <a:spAutoFit/>
+          </a:bodyPr>
+          <a:lstStyle/>
+          <a:p>
+            <a:r>
+              <a:rPr lang="en-US" altLang="ko-KR" dirty="0" smtClean="0"/>
+              <a:t>1. </a:t>
+            </a:r>
+            <a:r>
+              <a:rPr lang="ko-KR" altLang="en-US" dirty="0"/>
+              <a:t> </a:t>
+            </a:r>
+            <a:r>
+              <a:rPr lang="en-US" altLang="ko-KR" dirty="0" smtClean="0"/>
+              <a:t>Post</a:t>
+            </a:r>
+            <a:r>
+              <a:rPr lang="ko-KR" altLang="en-US" dirty="0" smtClean="0"/>
+              <a:t>로 요청</a:t>
+            </a:r>
+            <a:endParaRPr lang="ko-KR" altLang="en-US" dirty="0"/>
+          </a:p>
+        </p:txBody>
+      </p:sp>
+      <p:sp>
+        <p:nvSpPr>
+          <p:cNvPr id="46" name="TextBox 45"/>
+          <p:cNvSpPr txBox="1"/>
+          <p:nvPr/>
+        </p:nvSpPr>
+        <p:spPr>
+          <a:xfrm>
+            <a:off x="4432454" y="4027409"/>
+            <a:ext cx="1024128" cy="369332"/>
+          </a:xfrm>
+          <a:prstGeom prst="rect">
+            <a:avLst/>
+          </a:prstGeom>
+          <a:noFill/>
+        </p:spPr>
+        <p:txBody>
+          <a:bodyPr wrap="square" rtlCol="0">
+            <a:spAutoFit/>
+          </a:bodyPr>
+          <a:lstStyle/>
+          <a:p>
+            <a:pPr marL="342900" indent="-342900">
+              <a:buAutoNum type="arabicPeriod" startAt="2"/>
             </a:pPr>
             <a:r>
-              <a:rPr lang="en-US" altLang="ko-KR" sz="2000" b="1" dirty="0">
-                <a:solidFill>
-                  <a:schemeClr val="bg1"/>
-                </a:solidFill>
-                <a:latin typeface="+mn-ea"/>
-                <a:ea typeface="+mn-ea"/>
-              </a:rPr>
-              <a:t>Computer Science Sharing Messenger</a:t>
-            </a:r>
-            <a:endParaRPr lang="ko-KR" altLang="en-US" sz="4400" b="1" dirty="0">
-              <a:solidFill>
-                <a:schemeClr val="bg1"/>
-              </a:solidFill>
-              <a:latin typeface="+mn-ea"/>
-              <a:ea typeface="+mn-ea"/>
-            </a:endParaRPr>
-          </a:p>
-          <a:p>
-            <a:pPr algn="ctr" eaLnBrk="1" latinLnBrk="1" hangingPunct="1">
-              <a:defRPr/>
-            </a:pPr>
-            <a:endParaRPr lang="ko-KR" altLang="en-US" sz="2100" dirty="0">
-              <a:solidFill>
-                <a:schemeClr val="bg1"/>
-              </a:solidFill>
-              <a:latin typeface="나눔스퀘어라운드 Bold" panose="020B0600000101010101" pitchFamily="50" charset="-127"/>
-              <a:ea typeface="나눔스퀘어라운드 Bold" panose="020B0600000101010101" pitchFamily="50" charset="-127"/>
-            </a:endParaRPr>
+              <a:rPr lang="ko-KR" altLang="en-US" dirty="0" smtClean="0"/>
+              <a:t>응답</a:t>
+            </a:r>
+            <a:endParaRPr lang="en-US" altLang="ko-KR" dirty="0" smtClean="0"/>
+          </a:p>
+        </p:txBody>
+      </p:sp>
+      <p:sp>
+        <p:nvSpPr>
+          <p:cNvPr id="43" name="직사각형 42"/>
+          <p:cNvSpPr/>
+          <p:nvPr/>
+        </p:nvSpPr>
+        <p:spPr>
+          <a:xfrm>
+            <a:off x="2326423" y="2955320"/>
+            <a:ext cx="1255776" cy="569656"/>
+          </a:xfrm>
+          <a:prstGeom prst="rect">
+            <a:avLst/>
+          </a:prstGeom>
+          <a:solidFill>
+            <a:schemeClr val="accent2">
+              <a:lumMod val="60000"/>
+              <a:lumOff val="40000"/>
+            </a:schemeClr>
+          </a:solidFill>
+          <a:ln>
+            <a:solidFill>
+              <a:schemeClr val="accent4"/>
+            </a:solidFill>
+          </a:ln>
+        </p:spPr>
+        <p:style>
+          <a:lnRef idx="2">
+            <a:schemeClr val="accent1">
+              <a:shade val="50000"/>
+            </a:schemeClr>
+          </a:lnRef>
+          <a:fillRef idx="1">
+            <a:schemeClr val="accent1"/>
+          </a:fillRef>
+          <a:effectRef idx="0">
+            <a:schemeClr val="accent1"/>
+          </a:effectRef>
+          <a:fontRef idx="minor">
+            <a:schemeClr val="lt1"/>
+          </a:fontRef>
+        </p:style>
+        <p:txBody>
+          <a:bodyPr rtlCol="0" anchor="ctr"/>
+          <a:lstStyle/>
+          <a:p>
+            <a:pPr algn="ctr"/>
+            <a:r>
+              <a:rPr lang="en-US" altLang="ko-KR" dirty="0" smtClean="0"/>
+              <a:t>Writer</a:t>
+            </a:r>
+          </a:p>
+        </p:txBody>
+      </p:sp>
+      <p:sp>
+        <p:nvSpPr>
+          <p:cNvPr id="45" name="직사각형 44"/>
+          <p:cNvSpPr/>
+          <p:nvPr/>
+        </p:nvSpPr>
+        <p:spPr>
+          <a:xfrm>
+            <a:off x="2326423" y="3674882"/>
+            <a:ext cx="1255776" cy="569656"/>
+          </a:xfrm>
+          <a:prstGeom prst="rect">
+            <a:avLst/>
+          </a:prstGeom>
+          <a:solidFill>
+            <a:schemeClr val="accent2">
+              <a:lumMod val="60000"/>
+              <a:lumOff val="40000"/>
+            </a:schemeClr>
+          </a:solidFill>
+          <a:ln>
+            <a:solidFill>
+              <a:schemeClr val="accent4"/>
+            </a:solidFill>
+          </a:ln>
+        </p:spPr>
+        <p:style>
+          <a:lnRef idx="2">
+            <a:schemeClr val="accent1">
+              <a:shade val="50000"/>
+            </a:schemeClr>
+          </a:lnRef>
+          <a:fillRef idx="1">
+            <a:schemeClr val="accent1"/>
+          </a:fillRef>
+          <a:effectRef idx="0">
+            <a:schemeClr val="accent1"/>
+          </a:effectRef>
+          <a:fontRef idx="minor">
+            <a:schemeClr val="lt1"/>
+          </a:fontRef>
+        </p:style>
+        <p:txBody>
+          <a:bodyPr rtlCol="0" anchor="ctr"/>
+          <a:lstStyle/>
+          <a:p>
+            <a:pPr algn="ctr"/>
+            <a:r>
+              <a:rPr lang="en-US" altLang="ko-KR" dirty="0" err="1" smtClean="0"/>
+              <a:t>writerTitle</a:t>
+            </a:r>
+            <a:endParaRPr lang="en-US" altLang="ko-KR" dirty="0" smtClean="0"/>
+          </a:p>
+        </p:txBody>
+      </p:sp>
+      <p:sp>
+        <p:nvSpPr>
+          <p:cNvPr id="47" name="직사각형 46"/>
+          <p:cNvSpPr/>
+          <p:nvPr/>
+        </p:nvSpPr>
+        <p:spPr>
+          <a:xfrm>
+            <a:off x="2326423" y="4366699"/>
+            <a:ext cx="1255776" cy="569656"/>
+          </a:xfrm>
+          <a:prstGeom prst="rect">
+            <a:avLst/>
+          </a:prstGeom>
+          <a:solidFill>
+            <a:schemeClr val="accent2">
+              <a:lumMod val="60000"/>
+              <a:lumOff val="40000"/>
+            </a:schemeClr>
+          </a:solidFill>
+          <a:ln>
+            <a:solidFill>
+              <a:schemeClr val="accent4"/>
+            </a:solidFill>
+          </a:ln>
+        </p:spPr>
+        <p:style>
+          <a:lnRef idx="2">
+            <a:schemeClr val="accent1">
+              <a:shade val="50000"/>
+            </a:schemeClr>
+          </a:lnRef>
+          <a:fillRef idx="1">
+            <a:schemeClr val="accent1"/>
+          </a:fillRef>
+          <a:effectRef idx="0">
+            <a:schemeClr val="accent1"/>
+          </a:effectRef>
+          <a:fontRef idx="minor">
+            <a:schemeClr val="lt1"/>
+          </a:fontRef>
+        </p:style>
+        <p:txBody>
+          <a:bodyPr rtlCol="0" anchor="ctr"/>
+          <a:lstStyle/>
+          <a:p>
+            <a:pPr algn="ctr"/>
+            <a:r>
+              <a:rPr lang="en-US" altLang="ko-KR" dirty="0" err="1"/>
+              <a:t>linkUrl</a:t>
+            </a:r>
+            <a:endParaRPr lang="ko-KR" altLang="en-US" dirty="0"/>
+          </a:p>
+        </p:txBody>
+      </p:sp>
+      <p:sp>
+        <p:nvSpPr>
+          <p:cNvPr id="48" name="직사각형 47"/>
+          <p:cNvSpPr/>
+          <p:nvPr/>
+        </p:nvSpPr>
+        <p:spPr>
+          <a:xfrm>
+            <a:off x="2317299" y="5090738"/>
+            <a:ext cx="1255776" cy="569656"/>
+          </a:xfrm>
+          <a:prstGeom prst="rect">
+            <a:avLst/>
+          </a:prstGeom>
+          <a:solidFill>
+            <a:schemeClr val="accent2">
+              <a:lumMod val="60000"/>
+              <a:lumOff val="40000"/>
+            </a:schemeClr>
+          </a:solidFill>
+          <a:ln>
+            <a:solidFill>
+              <a:schemeClr val="accent4"/>
+            </a:solidFill>
+          </a:ln>
+        </p:spPr>
+        <p:style>
+          <a:lnRef idx="2">
+            <a:schemeClr val="accent1">
+              <a:shade val="50000"/>
+            </a:schemeClr>
+          </a:lnRef>
+          <a:fillRef idx="1">
+            <a:schemeClr val="accent1"/>
+          </a:fillRef>
+          <a:effectRef idx="0">
+            <a:schemeClr val="accent1"/>
+          </a:effectRef>
+          <a:fontRef idx="minor">
+            <a:schemeClr val="lt1"/>
+          </a:fontRef>
+        </p:style>
+        <p:txBody>
+          <a:bodyPr rtlCol="0" anchor="ctr"/>
+          <a:lstStyle/>
+          <a:p>
+            <a:pPr algn="ctr"/>
+            <a:r>
+              <a:rPr lang="en-US" altLang="ko-KR" dirty="0" err="1" smtClean="0"/>
+              <a:t>boardIp</a:t>
+            </a:r>
+            <a:endParaRPr lang="ko-KR" altLang="en-US" dirty="0"/>
           </a:p>
         </p:txBody>
       </p:sp>
     </p:spTree>
     <p:extLst>
       <p:ext uri="{BB962C8B-B14F-4D97-AF65-F5344CB8AC3E}">
-        <p14:creationId xmlns:p14="http://schemas.microsoft.com/office/powerpoint/2010/main" val="4014119164"/>
+        <p14:creationId xmlns:p14="http://schemas.microsoft.com/office/powerpoint/2010/main" val="3737355856"/>
       </p:ext>
     </p:extLst>
   </p:cSld>
